--- a/Lectures/27 - Logistic Regression.pptx
+++ b/Lectures/27 - Logistic Regression.pptx
@@ -5,10 +5,10 @@
     <p:sldMasterId id="2147484095" r:id="rId1"/>
   </p:sldMasterIdLst>
   <p:notesMasterIdLst>
-    <p:notesMasterId r:id="rId22"/>
+    <p:notesMasterId r:id="rId30"/>
   </p:notesMasterIdLst>
   <p:handoutMasterIdLst>
-    <p:handoutMasterId r:id="rId23"/>
+    <p:handoutMasterId r:id="rId31"/>
   </p:handoutMasterIdLst>
   <p:sldIdLst>
     <p:sldId id="256" r:id="rId2"/>
@@ -30,7 +30,15 @@
     <p:sldId id="480" r:id="rId18"/>
     <p:sldId id="482" r:id="rId19"/>
     <p:sldId id="481" r:id="rId20"/>
-    <p:sldId id="358" r:id="rId21"/>
+    <p:sldId id="483" r:id="rId21"/>
+    <p:sldId id="484" r:id="rId22"/>
+    <p:sldId id="486" r:id="rId23"/>
+    <p:sldId id="487" r:id="rId24"/>
+    <p:sldId id="488" r:id="rId25"/>
+    <p:sldId id="485" r:id="rId26"/>
+    <p:sldId id="489" r:id="rId27"/>
+    <p:sldId id="490" r:id="rId28"/>
+    <p:sldId id="358" r:id="rId29"/>
   </p:sldIdLst>
   <p:sldSz cx="12192000" cy="6858000"/>
   <p:notesSz cx="7315200" cy="9601200"/>
@@ -922,7 +930,7 @@
               <a:pPr>
                 <a:defRPr/>
               </a:pPr>
-              <a:t>20</a:t>
+              <a:t>28</a:t>
             </a:fld>
             <a:endParaRPr lang="en-US"/>
           </a:p>
@@ -5083,8 +5091,8 @@
           </a:p>
         </p:txBody>
       </p:sp>
-      <mc:AlternateContent xmlns:mc="http://schemas.openxmlformats.org/markup-compatibility/2006">
-        <mc:Choice xmlns:a14="http://schemas.microsoft.com/office/drawing/2010/main" Requires="a14">
+      <mc:AlternateContent xmlns:mc="http://schemas.openxmlformats.org/markup-compatibility/2006" xmlns:a14="http://schemas.microsoft.com/office/drawing/2010/main">
+        <mc:Choice Requires="a14">
           <p:sp>
             <p:nvSpPr>
               <p:cNvPr id="7" name="TextBox 6">
@@ -5403,7 +5411,7 @@
             </p:txBody>
           </p:sp>
         </mc:Choice>
-        <mc:Fallback>
+        <mc:Fallback xmlns="">
           <p:sp>
             <p:nvSpPr>
               <p:cNvPr id="7" name="TextBox 6">
@@ -5453,8 +5461,8 @@
           </p:sp>
         </mc:Fallback>
       </mc:AlternateContent>
-      <mc:AlternateContent xmlns:mc="http://schemas.openxmlformats.org/markup-compatibility/2006">
-        <mc:Choice xmlns:a14="http://schemas.microsoft.com/office/drawing/2010/main" Requires="a14">
+      <mc:AlternateContent xmlns:mc="http://schemas.openxmlformats.org/markup-compatibility/2006" xmlns:a14="http://schemas.microsoft.com/office/drawing/2010/main">
+        <mc:Choice Requires="a14">
           <p:sp>
             <p:nvSpPr>
               <p:cNvPr id="8" name="TextBox 7">
@@ -5598,7 +5606,7 @@
             </p:txBody>
           </p:sp>
         </mc:Choice>
-        <mc:Fallback>
+        <mc:Fallback xmlns="">
           <p:sp>
             <p:nvSpPr>
               <p:cNvPr id="8" name="TextBox 7">
@@ -5643,8 +5651,8 @@
           </p:sp>
         </mc:Fallback>
       </mc:AlternateContent>
-      <mc:AlternateContent xmlns:mc="http://schemas.openxmlformats.org/markup-compatibility/2006">
-        <mc:Choice xmlns:a14="http://schemas.microsoft.com/office/drawing/2010/main" Requires="a14">
+      <mc:AlternateContent xmlns:mc="http://schemas.openxmlformats.org/markup-compatibility/2006" xmlns:a14="http://schemas.microsoft.com/office/drawing/2010/main">
+        <mc:Choice Requires="a14">
           <p:sp>
             <p:nvSpPr>
               <p:cNvPr id="4" name="TextBox 3">
@@ -5830,7 +5838,7 @@
             </p:txBody>
           </p:sp>
         </mc:Choice>
-        <mc:Fallback>
+        <mc:Fallback xmlns="">
           <p:sp>
             <p:nvSpPr>
               <p:cNvPr id="4" name="TextBox 3">
@@ -5875,8 +5883,8 @@
           </p:sp>
         </mc:Fallback>
       </mc:AlternateContent>
-      <mc:AlternateContent xmlns:mc="http://schemas.openxmlformats.org/markup-compatibility/2006">
-        <mc:Choice xmlns:a14="http://schemas.microsoft.com/office/drawing/2010/main" Requires="a14">
+      <mc:AlternateContent xmlns:mc="http://schemas.openxmlformats.org/markup-compatibility/2006" xmlns:a14="http://schemas.microsoft.com/office/drawing/2010/main">
+        <mc:Choice Requires="a14">
           <p:sp>
             <p:nvSpPr>
               <p:cNvPr id="9" name="TextBox 8">
@@ -6284,7 +6292,7 @@
             </p:txBody>
           </p:sp>
         </mc:Choice>
-        <mc:Fallback>
+        <mc:Fallback xmlns="">
           <p:sp>
             <p:nvSpPr>
               <p:cNvPr id="9" name="TextBox 8">
@@ -6518,8 +6526,8 @@
           </a:p>
         </p:txBody>
       </p:sp>
-      <mc:AlternateContent xmlns:mc="http://schemas.openxmlformats.org/markup-compatibility/2006">
-        <mc:Choice xmlns:a14="http://schemas.microsoft.com/office/drawing/2010/main" Requires="a14">
+      <mc:AlternateContent xmlns:mc="http://schemas.openxmlformats.org/markup-compatibility/2006" xmlns:a14="http://schemas.microsoft.com/office/drawing/2010/main">
+        <mc:Choice Requires="a14">
           <p:sp>
             <p:nvSpPr>
               <p:cNvPr id="7" name="TextBox 6">
@@ -6760,7 +6768,7 @@
             </p:txBody>
           </p:sp>
         </mc:Choice>
-        <mc:Fallback>
+        <mc:Fallback xmlns="">
           <p:sp>
             <p:nvSpPr>
               <p:cNvPr id="7" name="TextBox 6">
@@ -6810,8 +6818,8 @@
           </p:sp>
         </mc:Fallback>
       </mc:AlternateContent>
-      <mc:AlternateContent xmlns:mc="http://schemas.openxmlformats.org/markup-compatibility/2006">
-        <mc:Choice xmlns:a14="http://schemas.microsoft.com/office/drawing/2010/main" Requires="a14">
+      <mc:AlternateContent xmlns:mc="http://schemas.openxmlformats.org/markup-compatibility/2006" xmlns:a14="http://schemas.microsoft.com/office/drawing/2010/main">
+        <mc:Choice Requires="a14">
           <p:sp>
             <p:nvSpPr>
               <p:cNvPr id="3" name="TextBox 2">
@@ -6987,7 +6995,7 @@
             </p:txBody>
           </p:sp>
         </mc:Choice>
-        <mc:Fallback>
+        <mc:Fallback xmlns="">
           <p:sp>
             <p:nvSpPr>
               <p:cNvPr id="3" name="TextBox 2">
@@ -7221,8 +7229,8 @@
           </a:p>
         </p:txBody>
       </p:sp>
-      <mc:AlternateContent xmlns:mc="http://schemas.openxmlformats.org/markup-compatibility/2006">
-        <mc:Choice xmlns:a14="http://schemas.microsoft.com/office/drawing/2010/main" Requires="a14">
+      <mc:AlternateContent xmlns:mc="http://schemas.openxmlformats.org/markup-compatibility/2006" xmlns:a14="http://schemas.microsoft.com/office/drawing/2010/main">
+        <mc:Choice Requires="a14">
           <p:sp>
             <p:nvSpPr>
               <p:cNvPr id="7" name="TextBox 6">
@@ -7392,7 +7400,7 @@
             </p:txBody>
           </p:sp>
         </mc:Choice>
-        <mc:Fallback>
+        <mc:Fallback xmlns="">
           <p:sp>
             <p:nvSpPr>
               <p:cNvPr id="7" name="TextBox 6">
@@ -7518,8 +7526,8 @@
           </a:p>
         </p:txBody>
       </p:sp>
-      <mc:AlternateContent xmlns:mc="http://schemas.openxmlformats.org/markup-compatibility/2006">
-        <mc:Choice xmlns:a14="http://schemas.microsoft.com/office/drawing/2010/main" Requires="a14">
+      <mc:AlternateContent xmlns:mc="http://schemas.openxmlformats.org/markup-compatibility/2006" xmlns:a14="http://schemas.microsoft.com/office/drawing/2010/main">
+        <mc:Choice Requires="a14">
           <p:sp>
             <p:nvSpPr>
               <p:cNvPr id="8" name="TextBox 7">
@@ -7662,7 +7670,7 @@
             </p:txBody>
           </p:sp>
         </mc:Choice>
-        <mc:Fallback>
+        <mc:Fallback xmlns="">
           <p:sp>
             <p:nvSpPr>
               <p:cNvPr id="8" name="TextBox 7">
@@ -10834,8 +10842,8 @@
           </a:p>
         </p:txBody>
       </p:sp>
-      <mc:AlternateContent xmlns:mc="http://schemas.openxmlformats.org/markup-compatibility/2006">
-        <mc:Choice xmlns:a14="http://schemas.microsoft.com/office/drawing/2010/main" Requires="a14">
+      <mc:AlternateContent xmlns:mc="http://schemas.openxmlformats.org/markup-compatibility/2006" xmlns:a14="http://schemas.microsoft.com/office/drawing/2010/main">
+        <mc:Choice Requires="a14">
           <p:graphicFrame>
             <p:nvGraphicFramePr>
               <p:cNvPr id="5" name="Group 46">
@@ -12524,7 +12532,7 @@
             </a:graphic>
           </p:graphicFrame>
         </mc:Choice>
-        <mc:Fallback>
+        <mc:Fallback xmlns="">
           <p:graphicFrame>
             <p:nvGraphicFramePr>
               <p:cNvPr id="5" name="Group 46">
@@ -14131,8 +14139,8 @@
           </a:fontRef>
         </p:style>
       </p:cxnSp>
-      <mc:AlternateContent xmlns:mc="http://schemas.openxmlformats.org/markup-compatibility/2006">
-        <mc:Choice xmlns:a14="http://schemas.microsoft.com/office/drawing/2010/main" Requires="a14">
+      <mc:AlternateContent xmlns:mc="http://schemas.openxmlformats.org/markup-compatibility/2006" xmlns:a14="http://schemas.microsoft.com/office/drawing/2010/main">
+        <mc:Choice Requires="a14">
           <p:sp>
             <p:nvSpPr>
               <p:cNvPr id="11" name="TextBox 10">
@@ -14161,6 +14169,7 @@
               </a:bodyPr>
               <a:lstStyle/>
               <a:p>
+                <a:pPr/>
                 <a14:m>
                   <m:oMathPara xmlns:m="http://schemas.openxmlformats.org/officeDocument/2006/math">
                     <m:oMathParaPr>
@@ -14212,7 +14221,7 @@
             </p:txBody>
           </p:sp>
         </mc:Choice>
-        <mc:Fallback>
+        <mc:Fallback xmlns="">
           <p:sp>
             <p:nvSpPr>
               <p:cNvPr id="11" name="TextBox 10">
@@ -14301,8 +14310,8 @@
           </a:fontRef>
         </p:style>
       </p:cxnSp>
-      <mc:AlternateContent xmlns:mc="http://schemas.openxmlformats.org/markup-compatibility/2006">
-        <mc:Choice xmlns:a14="http://schemas.microsoft.com/office/drawing/2010/main" Requires="a14">
+      <mc:AlternateContent xmlns:mc="http://schemas.openxmlformats.org/markup-compatibility/2006" xmlns:a14="http://schemas.microsoft.com/office/drawing/2010/main">
+        <mc:Choice Requires="a14">
           <p:sp>
             <p:nvSpPr>
               <p:cNvPr id="19" name="TextBox 18">
@@ -14463,7 +14472,7 @@
             </p:txBody>
           </p:sp>
         </mc:Choice>
-        <mc:Fallback>
+        <mc:Fallback xmlns="">
           <p:sp>
             <p:nvSpPr>
               <p:cNvPr id="19" name="TextBox 18">
@@ -14895,8 +14904,8 @@
           </a:p>
         </p:txBody>
       </p:sp>
-      <mc:AlternateContent xmlns:mc="http://schemas.openxmlformats.org/markup-compatibility/2006">
-        <mc:Choice xmlns:a14="http://schemas.microsoft.com/office/drawing/2010/main" Requires="a14">
+      <mc:AlternateContent xmlns:mc="http://schemas.openxmlformats.org/markup-compatibility/2006" xmlns:a14="http://schemas.microsoft.com/office/drawing/2010/main">
+        <mc:Choice Requires="a14">
           <p:sp>
             <p:nvSpPr>
               <p:cNvPr id="3" name="TextBox 2">
@@ -15239,7 +15248,7 @@
             </p:txBody>
           </p:sp>
         </mc:Choice>
-        <mc:Fallback>
+        <mc:Fallback xmlns="">
           <p:sp>
             <p:nvSpPr>
               <p:cNvPr id="3" name="TextBox 2">
@@ -15631,8 +15640,8 @@
           </a:p>
         </p:txBody>
       </p:sp>
-      <mc:AlternateContent xmlns:mc="http://schemas.openxmlformats.org/markup-compatibility/2006">
-        <mc:Choice xmlns:a14="http://schemas.microsoft.com/office/drawing/2010/main" Requires="a14">
+      <mc:AlternateContent xmlns:mc="http://schemas.openxmlformats.org/markup-compatibility/2006" xmlns:a14="http://schemas.microsoft.com/office/drawing/2010/main">
+        <mc:Choice Requires="a14">
           <p:sp>
             <p:nvSpPr>
               <p:cNvPr id="4" name="TextBox 3">
@@ -15972,7 +15981,7 @@
             </p:txBody>
           </p:sp>
         </mc:Choice>
-        <mc:Fallback>
+        <mc:Fallback xmlns="">
           <p:sp>
             <p:nvSpPr>
               <p:cNvPr id="4" name="TextBox 3">
@@ -16017,8 +16026,8 @@
           </p:sp>
         </mc:Fallback>
       </mc:AlternateContent>
-      <mc:AlternateContent xmlns:mc="http://schemas.openxmlformats.org/markup-compatibility/2006">
-        <mc:Choice xmlns:a14="http://schemas.microsoft.com/office/drawing/2010/main" Requires="a14">
+      <mc:AlternateContent xmlns:mc="http://schemas.openxmlformats.org/markup-compatibility/2006" xmlns:a14="http://schemas.microsoft.com/office/drawing/2010/main">
+        <mc:Choice Requires="a14">
           <p:sp>
             <p:nvSpPr>
               <p:cNvPr id="5" name="TextBox 4">
@@ -16052,7 +16061,6 @@
               </a:bodyPr>
               <a:lstStyle/>
               <a:p>
-                <a:pPr/>
                 <a:r>
                   <a:rPr lang="en-US" sz="1800" b="0" dirty="0"/>
                   <a:t>Rule of Logarithms: </a:t>
@@ -16202,7 +16210,7 @@
             </p:txBody>
           </p:sp>
         </mc:Choice>
-        <mc:Fallback>
+        <mc:Fallback xmlns="">
           <p:sp>
             <p:nvSpPr>
               <p:cNvPr id="5" name="TextBox 4">
@@ -16252,8 +16260,8 @@
           </p:sp>
         </mc:Fallback>
       </mc:AlternateContent>
-      <mc:AlternateContent xmlns:mc="http://schemas.openxmlformats.org/markup-compatibility/2006">
-        <mc:Choice xmlns:a14="http://schemas.microsoft.com/office/drawing/2010/main" Requires="a14">
+      <mc:AlternateContent xmlns:mc="http://schemas.openxmlformats.org/markup-compatibility/2006" xmlns:a14="http://schemas.microsoft.com/office/drawing/2010/main">
+        <mc:Choice Requires="a14">
           <p:sp>
             <p:nvSpPr>
               <p:cNvPr id="9" name="TextBox 8">
@@ -16651,7 +16659,7 @@
             </p:txBody>
           </p:sp>
         </mc:Choice>
-        <mc:Fallback>
+        <mc:Fallback xmlns="">
           <p:sp>
             <p:nvSpPr>
               <p:cNvPr id="9" name="TextBox 8">
@@ -16696,8 +16704,8 @@
           </p:sp>
         </mc:Fallback>
       </mc:AlternateContent>
-      <mc:AlternateContent xmlns:mc="http://schemas.openxmlformats.org/markup-compatibility/2006">
-        <mc:Choice xmlns:a14="http://schemas.microsoft.com/office/drawing/2010/main" Requires="a14">
+      <mc:AlternateContent xmlns:mc="http://schemas.openxmlformats.org/markup-compatibility/2006" xmlns:a14="http://schemas.microsoft.com/office/drawing/2010/main">
+        <mc:Choice Requires="a14">
           <p:sp>
             <p:nvSpPr>
               <p:cNvPr id="10" name="TextBox 9">
@@ -16731,7 +16739,6 @@
               </a:bodyPr>
               <a:lstStyle/>
               <a:p>
-                <a:pPr/>
                 <a:r>
                   <a:rPr lang="en-US" sz="1800" b="0" dirty="0"/>
                   <a:t>Rule of Exponents: </a:t>
@@ -16838,7 +16845,7 @@
             </p:txBody>
           </p:sp>
         </mc:Choice>
-        <mc:Fallback>
+        <mc:Fallback xmlns="">
           <p:sp>
             <p:nvSpPr>
               <p:cNvPr id="10" name="TextBox 9">
@@ -16919,7 +16926,6 @@
           </a:bodyPr>
           <a:lstStyle/>
           <a:p>
-            <a:pPr/>
             <a:r>
               <a:rPr lang="en-US" sz="1800" b="0" dirty="0">
                 <a:solidFill>
@@ -16967,7 +16973,6 @@
           </a:bodyPr>
           <a:lstStyle/>
           <a:p>
-            <a:pPr/>
             <a:r>
               <a:rPr lang="en-US" sz="1800" b="0" dirty="0">
                 <a:solidFill>
@@ -18153,6 +18158,5082 @@
           <a:chExt cx="0" cy="0"/>
         </a:xfrm>
       </p:grpSpPr>
+      <p:pic>
+        <p:nvPicPr>
+          <p:cNvPr id="2" name="Picture 10" descr="Mario Pattern">
+            <a:extLst>
+              <a:ext uri="{FF2B5EF4-FFF2-40B4-BE49-F238E27FC236}">
+                <a16:creationId xmlns:a16="http://schemas.microsoft.com/office/drawing/2014/main" id="{8F84FFD9-23AF-75F7-6DAA-904525952142}"/>
+              </a:ext>
+            </a:extLst>
+          </p:cNvPr>
+          <p:cNvPicPr>
+            <a:picLocks noChangeAspect="1" noChangeArrowheads="1"/>
+          </p:cNvPicPr>
+          <p:nvPr/>
+        </p:nvPicPr>
+        <p:blipFill rotWithShape="1">
+          <a:blip r:embed="rId2">
+            <a:alphaModFix amt="47000"/>
+            <a:extLst>
+              <a:ext uri="{28A0092B-C50C-407E-A947-70E740481C1C}">
+                <a14:useLocalDpi xmlns:a14="http://schemas.microsoft.com/office/drawing/2010/main" val="0"/>
+              </a:ext>
+            </a:extLst>
+          </a:blip>
+          <a:srcRect l="4595" r="6699"/>
+          <a:stretch/>
+        </p:blipFill>
+        <p:spPr bwMode="auto">
+          <a:xfrm>
+            <a:off x="0" y="-2057400"/>
+            <a:ext cx="12192000" cy="10308201"/>
+          </a:xfrm>
+          <a:prstGeom prst="rect">
+            <a:avLst/>
+          </a:prstGeom>
+          <a:noFill/>
+          <a:extLst>
+            <a:ext uri="{909E8E84-426E-40DD-AFC4-6F175D3DCCD1}">
+              <a14:hiddenFill xmlns:a14="http://schemas.microsoft.com/office/drawing/2010/main">
+                <a:solidFill>
+                  <a:srgbClr val="FFFFFF"/>
+                </a:solidFill>
+              </a14:hiddenFill>
+            </a:ext>
+          </a:extLst>
+        </p:spPr>
+      </p:pic>
+      <p:sp>
+        <p:nvSpPr>
+          <p:cNvPr id="12" name="Line 11"/>
+          <p:cNvSpPr>
+            <a:spLocks noChangeShapeType="1"/>
+          </p:cNvSpPr>
+          <p:nvPr/>
+        </p:nvSpPr>
+        <p:spPr bwMode="auto">
+          <a:xfrm flipV="1">
+            <a:off x="6972300" y="5109836"/>
+            <a:ext cx="609600" cy="533400"/>
+          </a:xfrm>
+          <a:prstGeom prst="line">
+            <a:avLst/>
+          </a:prstGeom>
+          <a:noFill/>
+          <a:ln w="38100">
+            <a:solidFill>
+              <a:srgbClr val="FFFF66"/>
+            </a:solidFill>
+            <a:round/>
+            <a:headEnd/>
+            <a:tailEnd type="triangle" w="med" len="med"/>
+          </a:ln>
+          <a:extLst>
+            <a:ext uri="{909E8E84-426E-40DD-AFC4-6F175D3DCCD1}">
+              <a14:hiddenFill xmlns:a14="http://schemas.microsoft.com/office/drawing/2010/main">
+                <a:noFill/>
+              </a14:hiddenFill>
+            </a:ext>
+          </a:extLst>
+        </p:spPr>
+        <p:txBody>
+          <a:bodyPr wrap="square">
+            <a:spAutoFit/>
+          </a:bodyPr>
+          <a:lstStyle/>
+          <a:p>
+            <a:endParaRPr lang="en-US"/>
+          </a:p>
+        </p:txBody>
+      </p:sp>
+      <p:sp>
+        <p:nvSpPr>
+          <p:cNvPr id="6" name="TextBox 5">
+            <a:extLst>
+              <a:ext uri="{FF2B5EF4-FFF2-40B4-BE49-F238E27FC236}">
+                <a16:creationId xmlns:a16="http://schemas.microsoft.com/office/drawing/2014/main" id="{4F2DA592-D8EB-70BA-2112-6C13A4E7B393}"/>
+              </a:ext>
+            </a:extLst>
+          </p:cNvPr>
+          <p:cNvSpPr txBox="1"/>
+          <p:nvPr/>
+        </p:nvSpPr>
+        <p:spPr>
+          <a:xfrm>
+            <a:off x="457200" y="609600"/>
+            <a:ext cx="11201400" cy="919401"/>
+          </a:xfrm>
+          <a:prstGeom prst="roundRect">
+            <a:avLst/>
+          </a:prstGeom>
+          <a:solidFill>
+            <a:schemeClr val="bg1">
+              <a:alpha val="70000"/>
+            </a:schemeClr>
+          </a:solidFill>
+          <a:ln w="76200">
+            <a:solidFill>
+              <a:srgbClr val="FFC416"/>
+            </a:solidFill>
+          </a:ln>
+        </p:spPr>
+        <p:style>
+          <a:lnRef idx="2">
+            <a:schemeClr val="dk1"/>
+          </a:lnRef>
+          <a:fillRef idx="1">
+            <a:schemeClr val="lt1"/>
+          </a:fillRef>
+          <a:effectRef idx="0">
+            <a:schemeClr val="dk1"/>
+          </a:effectRef>
+          <a:fontRef idx="minor">
+            <a:schemeClr val="dk1"/>
+          </a:fontRef>
+        </p:style>
+        <p:txBody>
+          <a:bodyPr wrap="square" rtlCol="0">
+            <a:spAutoFit/>
+          </a:bodyPr>
+          <a:lstStyle/>
+          <a:p>
+            <a:pPr algn="ctr"/>
+            <a:r>
+              <a:rPr lang="en-US" sz="4800" b="1" dirty="0">
+                <a:solidFill>
+                  <a:srgbClr val="2D3A37"/>
+                </a:solidFill>
+                <a:latin typeface="Adobe Devanagari" panose="02040503050201020203" pitchFamily="18" charset="0"/>
+                <a:cs typeface="Adobe Devanagari" panose="02040503050201020203" pitchFamily="18" charset="0"/>
+              </a:rPr>
+              <a:t>Hypothesis Test and CI for Slope</a:t>
+            </a:r>
+            <a:endParaRPr lang="en-US" sz="4800" dirty="0">
+              <a:solidFill>
+                <a:srgbClr val="2D3A37"/>
+              </a:solidFill>
+            </a:endParaRPr>
+          </a:p>
+        </p:txBody>
+      </p:sp>
+      <mc:AlternateContent xmlns:mc="http://schemas.openxmlformats.org/markup-compatibility/2006">
+        <mc:Choice xmlns:a14="http://schemas.microsoft.com/office/drawing/2010/main" Requires="a14">
+          <p:sp>
+            <p:nvSpPr>
+              <p:cNvPr id="7" name="TextBox 6">
+                <a:extLst>
+                  <a:ext uri="{FF2B5EF4-FFF2-40B4-BE49-F238E27FC236}">
+                    <a16:creationId xmlns:a16="http://schemas.microsoft.com/office/drawing/2014/main" id="{D9B238EA-D04E-3255-7509-F990F1A8F309}"/>
+                  </a:ext>
+                </a:extLst>
+              </p:cNvPr>
+              <p:cNvSpPr txBox="1"/>
+              <p:nvPr/>
+            </p:nvSpPr>
+            <p:spPr>
+              <a:xfrm>
+                <a:off x="533400" y="1981200"/>
+                <a:ext cx="11201400" cy="4838346"/>
+              </a:xfrm>
+              <a:prstGeom prst="roundRect">
+                <a:avLst/>
+              </a:prstGeom>
+              <a:solidFill>
+                <a:schemeClr val="bg1"/>
+              </a:solidFill>
+              <a:ln w="76200">
+                <a:solidFill>
+                  <a:srgbClr val="FFC416"/>
+                </a:solidFill>
+              </a:ln>
+            </p:spPr>
+            <p:style>
+              <a:lnRef idx="2">
+                <a:schemeClr val="dk1"/>
+              </a:lnRef>
+              <a:fillRef idx="1">
+                <a:schemeClr val="lt1"/>
+              </a:fillRef>
+              <a:effectRef idx="0">
+                <a:schemeClr val="dk1"/>
+              </a:effectRef>
+              <a:fontRef idx="minor">
+                <a:schemeClr val="dk1"/>
+              </a:fontRef>
+            </p:style>
+            <p:txBody>
+              <a:bodyPr wrap="square" rtlCol="0">
+                <a:spAutoFit/>
+              </a:bodyPr>
+              <a:lstStyle/>
+              <a:p>
+                <a:pPr marL="457200" indent="-457200">
+                  <a:buFont typeface="Arial" panose="020B0604020202020204" pitchFamily="34" charset="0"/>
+                  <a:buChar char="•"/>
+                </a:pPr>
+                <a:r>
+                  <a:rPr lang="en-US" sz="2800" dirty="0">
+                    <a:solidFill>
+                      <a:srgbClr val="660066"/>
+                    </a:solidFill>
+                  </a:rPr>
+                  <a:t>Hypotheses</a:t>
+                </a:r>
+              </a:p>
+              <a:p>
+                <a:pPr marL="914400" lvl="1" indent="-457200">
+                  <a:buFont typeface="Arial" panose="020B0604020202020204" pitchFamily="34" charset="0"/>
+                  <a:buChar char="•"/>
+                </a:pPr>
+                <a14:m>
+                  <m:oMath xmlns:m="http://schemas.openxmlformats.org/officeDocument/2006/math">
+                    <m:sSub>
+                      <m:sSubPr>
+                        <m:ctrlPr>
+                          <a:rPr lang="en-US" sz="2800" b="0" i="1" smtClean="0">
+                            <a:solidFill>
+                              <a:srgbClr val="660066"/>
+                            </a:solidFill>
+                            <a:latin typeface="Cambria Math" panose="02040503050406030204" pitchFamily="18" charset="0"/>
+                          </a:rPr>
+                        </m:ctrlPr>
+                      </m:sSubPr>
+                      <m:e>
+                        <m:r>
+                          <a:rPr lang="en-US" sz="2800" b="0" i="1" smtClean="0">
+                            <a:solidFill>
+                              <a:srgbClr val="660066"/>
+                            </a:solidFill>
+                            <a:latin typeface="Cambria Math" panose="02040503050406030204" pitchFamily="18" charset="0"/>
+                          </a:rPr>
+                          <m:t>𝐻</m:t>
+                        </m:r>
+                      </m:e>
+                      <m:sub>
+                        <m:r>
+                          <a:rPr lang="en-US" sz="2800" b="0" i="1" smtClean="0">
+                            <a:solidFill>
+                              <a:srgbClr val="660066"/>
+                            </a:solidFill>
+                            <a:latin typeface="Cambria Math" panose="02040503050406030204" pitchFamily="18" charset="0"/>
+                          </a:rPr>
+                          <m:t>0</m:t>
+                        </m:r>
+                      </m:sub>
+                    </m:sSub>
+                    <m:r>
+                      <a:rPr lang="en-US" sz="2800" b="0" i="1" smtClean="0">
+                        <a:solidFill>
+                          <a:srgbClr val="660066"/>
+                        </a:solidFill>
+                        <a:latin typeface="Cambria Math" panose="02040503050406030204" pitchFamily="18" charset="0"/>
+                      </a:rPr>
+                      <m:t>:</m:t>
+                    </m:r>
+                    <m:sSub>
+                      <m:sSubPr>
+                        <m:ctrlPr>
+                          <a:rPr lang="en-US" sz="2800" b="0" i="1" smtClean="0">
+                            <a:solidFill>
+                              <a:srgbClr val="660066"/>
+                            </a:solidFill>
+                            <a:latin typeface="Cambria Math" panose="02040503050406030204" pitchFamily="18" charset="0"/>
+                          </a:rPr>
+                        </m:ctrlPr>
+                      </m:sSubPr>
+                      <m:e>
+                        <m:r>
+                          <a:rPr lang="en-US" sz="2800" b="0" i="1" smtClean="0">
+                            <a:solidFill>
+                              <a:srgbClr val="660066"/>
+                            </a:solidFill>
+                            <a:latin typeface="Cambria Math" panose="02040503050406030204" pitchFamily="18" charset="0"/>
+                          </a:rPr>
+                          <m:t>𝛽</m:t>
+                        </m:r>
+                      </m:e>
+                      <m:sub>
+                        <m:r>
+                          <a:rPr lang="en-US" sz="2800" b="0" i="1" smtClean="0">
+                            <a:solidFill>
+                              <a:srgbClr val="660066"/>
+                            </a:solidFill>
+                            <a:latin typeface="Cambria Math" panose="02040503050406030204" pitchFamily="18" charset="0"/>
+                          </a:rPr>
+                          <m:t>1</m:t>
+                        </m:r>
+                      </m:sub>
+                    </m:sSub>
+                    <m:r>
+                      <a:rPr lang="en-US" sz="2800" b="0" i="1" smtClean="0">
+                        <a:solidFill>
+                          <a:srgbClr val="660066"/>
+                        </a:solidFill>
+                        <a:latin typeface="Cambria Math" panose="02040503050406030204" pitchFamily="18" charset="0"/>
+                      </a:rPr>
+                      <m:t>=0</m:t>
+                    </m:r>
+                  </m:oMath>
+                </a14:m>
+                <a:endParaRPr lang="en-US" sz="2800" dirty="0">
+                  <a:solidFill>
+                    <a:srgbClr val="660066"/>
+                  </a:solidFill>
+                </a:endParaRPr>
+              </a:p>
+              <a:p>
+                <a:pPr marL="914400" lvl="1" indent="-457200">
+                  <a:buFont typeface="Arial" panose="020B0604020202020204" pitchFamily="34" charset="0"/>
+                  <a:buChar char="•"/>
+                </a:pPr>
+                <a14:m>
+                  <m:oMath xmlns:m="http://schemas.openxmlformats.org/officeDocument/2006/math">
+                    <m:sSub>
+                      <m:sSubPr>
+                        <m:ctrlPr>
+                          <a:rPr lang="en-US" sz="2800" b="0" i="1" smtClean="0">
+                            <a:solidFill>
+                              <a:srgbClr val="660066"/>
+                            </a:solidFill>
+                            <a:latin typeface="Cambria Math" panose="02040503050406030204" pitchFamily="18" charset="0"/>
+                          </a:rPr>
+                        </m:ctrlPr>
+                      </m:sSubPr>
+                      <m:e>
+                        <m:r>
+                          <a:rPr lang="en-US" sz="2800" b="0" i="1" smtClean="0">
+                            <a:solidFill>
+                              <a:srgbClr val="660066"/>
+                            </a:solidFill>
+                            <a:latin typeface="Cambria Math" panose="02040503050406030204" pitchFamily="18" charset="0"/>
+                          </a:rPr>
+                          <m:t>𝐻</m:t>
+                        </m:r>
+                      </m:e>
+                      <m:sub>
+                        <m:r>
+                          <a:rPr lang="en-US" sz="2800" b="0" i="1" smtClean="0">
+                            <a:solidFill>
+                              <a:srgbClr val="660066"/>
+                            </a:solidFill>
+                            <a:latin typeface="Cambria Math" panose="02040503050406030204" pitchFamily="18" charset="0"/>
+                          </a:rPr>
+                          <m:t>𝑎</m:t>
+                        </m:r>
+                      </m:sub>
+                    </m:sSub>
+                    <m:r>
+                      <a:rPr lang="en-US" sz="2800" b="0" i="1" smtClean="0">
+                        <a:solidFill>
+                          <a:srgbClr val="660066"/>
+                        </a:solidFill>
+                        <a:latin typeface="Cambria Math" panose="02040503050406030204" pitchFamily="18" charset="0"/>
+                      </a:rPr>
+                      <m:t>:</m:t>
+                    </m:r>
+                    <m:sSub>
+                      <m:sSubPr>
+                        <m:ctrlPr>
+                          <a:rPr lang="en-US" sz="2800" b="0" i="1" smtClean="0">
+                            <a:solidFill>
+                              <a:srgbClr val="660066"/>
+                            </a:solidFill>
+                            <a:latin typeface="Cambria Math" panose="02040503050406030204" pitchFamily="18" charset="0"/>
+                          </a:rPr>
+                        </m:ctrlPr>
+                      </m:sSubPr>
+                      <m:e>
+                        <m:r>
+                          <a:rPr lang="en-US" sz="2800" b="0" i="1" smtClean="0">
+                            <a:solidFill>
+                              <a:srgbClr val="660066"/>
+                            </a:solidFill>
+                            <a:latin typeface="Cambria Math" panose="02040503050406030204" pitchFamily="18" charset="0"/>
+                          </a:rPr>
+                          <m:t>𝛽</m:t>
+                        </m:r>
+                      </m:e>
+                      <m:sub>
+                        <m:r>
+                          <a:rPr lang="en-US" sz="2800" b="0" i="1" smtClean="0">
+                            <a:solidFill>
+                              <a:srgbClr val="660066"/>
+                            </a:solidFill>
+                            <a:latin typeface="Cambria Math" panose="02040503050406030204" pitchFamily="18" charset="0"/>
+                          </a:rPr>
+                          <m:t>1</m:t>
+                        </m:r>
+                      </m:sub>
+                    </m:sSub>
+                    <m:r>
+                      <a:rPr lang="en-US" sz="2800" b="0" i="1" smtClean="0">
+                        <a:solidFill>
+                          <a:srgbClr val="660066"/>
+                        </a:solidFill>
+                        <a:latin typeface="Cambria Math" panose="02040503050406030204" pitchFamily="18" charset="0"/>
+                      </a:rPr>
+                      <m:t>≠</m:t>
+                    </m:r>
+                    <m:r>
+                      <a:rPr lang="en-US" sz="2800" b="0" i="1" smtClean="0">
+                        <a:solidFill>
+                          <a:srgbClr val="660066"/>
+                        </a:solidFill>
+                        <a:latin typeface="Cambria Math" panose="02040503050406030204" pitchFamily="18" charset="0"/>
+                      </a:rPr>
+                      <m:t>0</m:t>
+                    </m:r>
+                  </m:oMath>
+                </a14:m>
+                <a:endParaRPr lang="en-US" sz="2800" b="0" dirty="0">
+                  <a:solidFill>
+                    <a:srgbClr val="660066"/>
+                  </a:solidFill>
+                </a:endParaRPr>
+              </a:p>
+              <a:p>
+                <a:pPr lvl="1"/>
+                <a:endParaRPr lang="en-US" sz="2800" b="0" dirty="0">
+                  <a:solidFill>
+                    <a:srgbClr val="660066"/>
+                  </a:solidFill>
+                </a:endParaRPr>
+              </a:p>
+              <a:p>
+                <a:pPr marL="457200" indent="-457200">
+                  <a:buFont typeface="Arial" panose="020B0604020202020204" pitchFamily="34" charset="0"/>
+                  <a:buChar char="•"/>
+                </a:pPr>
+                <a:r>
+                  <a:rPr lang="en-US" sz="2800" dirty="0">
+                    <a:solidFill>
+                      <a:srgbClr val="660066"/>
+                    </a:solidFill>
+                  </a:rPr>
+                  <a:t>Test Statistic</a:t>
+                </a:r>
+              </a:p>
+              <a:p>
+                <a:pPr marL="914400" lvl="1" indent="-457200">
+                  <a:buFont typeface="Arial" panose="020B0604020202020204" pitchFamily="34" charset="0"/>
+                  <a:buChar char="•"/>
+                </a:pPr>
+                <a14:m>
+                  <m:oMath xmlns:m="http://schemas.openxmlformats.org/officeDocument/2006/math">
+                    <m:sSup>
+                      <m:sSupPr>
+                        <m:ctrlPr>
+                          <a:rPr lang="en-US" sz="2800" b="0" i="1" smtClean="0">
+                            <a:solidFill>
+                              <a:srgbClr val="660066"/>
+                            </a:solidFill>
+                            <a:latin typeface="Cambria Math" panose="02040503050406030204" pitchFamily="18" charset="0"/>
+                          </a:rPr>
+                        </m:ctrlPr>
+                      </m:sSupPr>
+                      <m:e>
+                        <m:r>
+                          <a:rPr lang="en-US" sz="2800" b="0" i="1" smtClean="0">
+                            <a:solidFill>
+                              <a:srgbClr val="660066"/>
+                            </a:solidFill>
+                            <a:latin typeface="Cambria Math" panose="02040503050406030204" pitchFamily="18" charset="0"/>
+                          </a:rPr>
+                          <m:t>𝑧</m:t>
+                        </m:r>
+                      </m:e>
+                      <m:sup>
+                        <m:r>
+                          <a:rPr lang="en-US" sz="2800" b="0" i="1" smtClean="0">
+                            <a:solidFill>
+                              <a:srgbClr val="660066"/>
+                            </a:solidFill>
+                            <a:latin typeface="Cambria Math" panose="02040503050406030204" pitchFamily="18" charset="0"/>
+                          </a:rPr>
+                          <m:t>∗</m:t>
+                        </m:r>
+                      </m:sup>
+                    </m:sSup>
+                    <m:r>
+                      <a:rPr lang="en-US" sz="2800" b="0" i="1" smtClean="0">
+                        <a:solidFill>
+                          <a:srgbClr val="660066"/>
+                        </a:solidFill>
+                        <a:latin typeface="Cambria Math" panose="02040503050406030204" pitchFamily="18" charset="0"/>
+                      </a:rPr>
+                      <m:t>=</m:t>
+                    </m:r>
+                    <m:f>
+                      <m:fPr>
+                        <m:ctrlPr>
+                          <a:rPr lang="en-US" sz="2800" b="0" i="1" smtClean="0">
+                            <a:solidFill>
+                              <a:srgbClr val="660066"/>
+                            </a:solidFill>
+                            <a:latin typeface="Cambria Math" panose="02040503050406030204" pitchFamily="18" charset="0"/>
+                          </a:rPr>
+                        </m:ctrlPr>
+                      </m:fPr>
+                      <m:num>
+                        <m:sSub>
+                          <m:sSubPr>
+                            <m:ctrlPr>
+                              <a:rPr lang="en-US" sz="2800" b="0" i="1" smtClean="0">
+                                <a:solidFill>
+                                  <a:srgbClr val="660066"/>
+                                </a:solidFill>
+                                <a:latin typeface="Cambria Math" panose="02040503050406030204" pitchFamily="18" charset="0"/>
+                              </a:rPr>
+                            </m:ctrlPr>
+                          </m:sSubPr>
+                          <m:e>
+                            <m:acc>
+                              <m:accPr>
+                                <m:chr m:val="̂"/>
+                                <m:ctrlPr>
+                                  <a:rPr lang="en-US" sz="2800" b="0" i="1" smtClean="0">
+                                    <a:solidFill>
+                                      <a:srgbClr val="660066"/>
+                                    </a:solidFill>
+                                    <a:latin typeface="Cambria Math" panose="02040503050406030204" pitchFamily="18" charset="0"/>
+                                  </a:rPr>
+                                </m:ctrlPr>
+                              </m:accPr>
+                              <m:e>
+                                <m:r>
+                                  <a:rPr lang="en-US" sz="2800" b="0" i="1" smtClean="0">
+                                    <a:solidFill>
+                                      <a:srgbClr val="660066"/>
+                                    </a:solidFill>
+                                    <a:latin typeface="Cambria Math" panose="02040503050406030204" pitchFamily="18" charset="0"/>
+                                  </a:rPr>
+                                  <m:t>𝛽</m:t>
+                                </m:r>
+                              </m:e>
+                            </m:acc>
+                          </m:e>
+                          <m:sub>
+                            <m:r>
+                              <a:rPr lang="en-US" sz="2800" b="0" i="1" smtClean="0">
+                                <a:solidFill>
+                                  <a:srgbClr val="660066"/>
+                                </a:solidFill>
+                                <a:latin typeface="Cambria Math" panose="02040503050406030204" pitchFamily="18" charset="0"/>
+                              </a:rPr>
+                              <m:t>1</m:t>
+                            </m:r>
+                          </m:sub>
+                        </m:sSub>
+                      </m:num>
+                      <m:den>
+                        <m:r>
+                          <a:rPr lang="en-US" sz="2800" b="0" i="1" smtClean="0">
+                            <a:solidFill>
+                              <a:srgbClr val="660066"/>
+                            </a:solidFill>
+                            <a:latin typeface="Cambria Math" panose="02040503050406030204" pitchFamily="18" charset="0"/>
+                          </a:rPr>
+                          <m:t>𝑆</m:t>
+                        </m:r>
+                        <m:sSub>
+                          <m:sSubPr>
+                            <m:ctrlPr>
+                              <a:rPr lang="en-US" sz="2800" b="0" i="1" smtClean="0">
+                                <a:solidFill>
+                                  <a:srgbClr val="660066"/>
+                                </a:solidFill>
+                                <a:latin typeface="Cambria Math" panose="02040503050406030204" pitchFamily="18" charset="0"/>
+                              </a:rPr>
+                            </m:ctrlPr>
+                          </m:sSubPr>
+                          <m:e>
+                            <m:r>
+                              <a:rPr lang="en-US" sz="2800" b="0" i="1" smtClean="0">
+                                <a:solidFill>
+                                  <a:srgbClr val="660066"/>
+                                </a:solidFill>
+                                <a:latin typeface="Cambria Math" panose="02040503050406030204" pitchFamily="18" charset="0"/>
+                              </a:rPr>
+                              <m:t>𝐸</m:t>
+                            </m:r>
+                          </m:e>
+                          <m:sub>
+                            <m:sSub>
+                              <m:sSubPr>
+                                <m:ctrlPr>
+                                  <a:rPr lang="en-US" sz="2800" i="1">
+                                    <a:solidFill>
+                                      <a:srgbClr val="660066"/>
+                                    </a:solidFill>
+                                    <a:latin typeface="Cambria Math" panose="02040503050406030204" pitchFamily="18" charset="0"/>
+                                  </a:rPr>
+                                </m:ctrlPr>
+                              </m:sSubPr>
+                              <m:e>
+                                <m:acc>
+                                  <m:accPr>
+                                    <m:chr m:val="̂"/>
+                                    <m:ctrlPr>
+                                      <a:rPr lang="en-US" sz="2800" i="1">
+                                        <a:solidFill>
+                                          <a:srgbClr val="660066"/>
+                                        </a:solidFill>
+                                        <a:latin typeface="Cambria Math" panose="02040503050406030204" pitchFamily="18" charset="0"/>
+                                      </a:rPr>
+                                    </m:ctrlPr>
+                                  </m:accPr>
+                                  <m:e>
+                                    <m:r>
+                                      <a:rPr lang="en-US" sz="2800" i="1">
+                                        <a:solidFill>
+                                          <a:srgbClr val="660066"/>
+                                        </a:solidFill>
+                                        <a:latin typeface="Cambria Math" panose="02040503050406030204" pitchFamily="18" charset="0"/>
+                                      </a:rPr>
+                                      <m:t>𝛽</m:t>
+                                    </m:r>
+                                  </m:e>
+                                </m:acc>
+                              </m:e>
+                              <m:sub>
+                                <m:r>
+                                  <a:rPr lang="en-US" sz="2800" i="1">
+                                    <a:solidFill>
+                                      <a:srgbClr val="660066"/>
+                                    </a:solidFill>
+                                    <a:latin typeface="Cambria Math" panose="02040503050406030204" pitchFamily="18" charset="0"/>
+                                  </a:rPr>
+                                  <m:t>1</m:t>
+                                </m:r>
+                              </m:sub>
+                            </m:sSub>
+                          </m:sub>
+                        </m:sSub>
+                      </m:den>
+                    </m:f>
+                  </m:oMath>
+                </a14:m>
+                <a:endParaRPr lang="en-US" sz="2800" b="0" dirty="0">
+                  <a:solidFill>
+                    <a:srgbClr val="660066"/>
+                  </a:solidFill>
+                </a:endParaRPr>
+              </a:p>
+              <a:p>
+                <a:pPr marL="457200" indent="-457200">
+                  <a:buFont typeface="Arial" panose="020B0604020202020204" pitchFamily="34" charset="0"/>
+                  <a:buChar char="•"/>
+                </a:pPr>
+                <a:r>
+                  <a:rPr lang="en-US" sz="2800" b="0" dirty="0">
+                    <a:solidFill>
+                      <a:srgbClr val="660066"/>
+                    </a:solidFill>
+                  </a:rPr>
+                  <a:t>P-Value</a:t>
+                </a:r>
+              </a:p>
+              <a:p>
+                <a:pPr marL="914400" lvl="1" indent="-457200">
+                  <a:buFont typeface="Arial" panose="020B0604020202020204" pitchFamily="34" charset="0"/>
+                  <a:buChar char="•"/>
+                </a:pPr>
+                <a:r>
+                  <a:rPr lang="en-US" sz="2800" dirty="0">
+                    <a:solidFill>
+                      <a:srgbClr val="660066"/>
+                    </a:solidFill>
+                  </a:rPr>
+                  <a:t>Use Standard Normal Distribution</a:t>
+                </a:r>
+              </a:p>
+              <a:p>
+                <a:pPr marL="914400" lvl="1" indent="-457200">
+                  <a:buFont typeface="Arial" panose="020B0604020202020204" pitchFamily="34" charset="0"/>
+                  <a:buChar char="•"/>
+                </a:pPr>
+                <a:r>
+                  <a:rPr lang="en-US" sz="2800" dirty="0">
+                    <a:solidFill>
+                      <a:srgbClr val="660066"/>
+                    </a:solidFill>
+                  </a:rPr>
+                  <a:t>Use </a:t>
+                </a:r>
+                <a:r>
+                  <a:rPr lang="en-US" sz="2800" b="1" dirty="0">
+                    <a:solidFill>
+                      <a:srgbClr val="660066"/>
+                    </a:solidFill>
+                  </a:rPr>
+                  <a:t>2*</a:t>
+                </a:r>
+                <a:r>
+                  <a:rPr lang="en-US" sz="2800" dirty="0">
+                    <a:solidFill>
+                      <a:srgbClr val="660066"/>
+                    </a:solidFill>
+                  </a:rPr>
+                  <a:t>(</a:t>
+                </a:r>
+                <a:r>
+                  <a:rPr lang="en-US" sz="2800" b="1" dirty="0">
+                    <a:solidFill>
+                      <a:srgbClr val="660066"/>
+                    </a:solidFill>
+                  </a:rPr>
+                  <a:t>1-pnorm(abs(</a:t>
+                </a:r>
+                <a:r>
+                  <a:rPr lang="en-US" sz="2800" b="1" dirty="0" err="1">
+                    <a:solidFill>
+                      <a:srgbClr val="660066"/>
+                    </a:solidFill>
+                  </a:rPr>
+                  <a:t>zstar</a:t>
+                </a:r>
+                <a:r>
+                  <a:rPr lang="en-US" sz="2800" b="1" dirty="0">
+                    <a:solidFill>
+                      <a:srgbClr val="660066"/>
+                    </a:solidFill>
+                  </a:rPr>
+                  <a:t>),mean=0,sd=1)) </a:t>
+                </a:r>
+                <a:r>
+                  <a:rPr lang="en-US" sz="2800" dirty="0">
+                    <a:solidFill>
+                      <a:srgbClr val="660066"/>
+                    </a:solidFill>
+                  </a:rPr>
+                  <a:t>Function in R</a:t>
+                </a:r>
+              </a:p>
+            </p:txBody>
+          </p:sp>
+        </mc:Choice>
+        <mc:Fallback>
+          <p:sp>
+            <p:nvSpPr>
+              <p:cNvPr id="7" name="TextBox 6">
+                <a:extLst>
+                  <a:ext uri="{FF2B5EF4-FFF2-40B4-BE49-F238E27FC236}">
+                    <a16:creationId xmlns:a16="http://schemas.microsoft.com/office/drawing/2014/main" id="{D9B238EA-D04E-3255-7509-F990F1A8F309}"/>
+                  </a:ext>
+                </a:extLst>
+              </p:cNvPr>
+              <p:cNvSpPr txBox="1">
+                <a:spLocks noRot="1" noChangeAspect="1" noMove="1" noResize="1" noEditPoints="1" noAdjustHandles="1" noChangeArrowheads="1" noChangeShapeType="1" noTextEdit="1"/>
+              </p:cNvSpPr>
+              <p:nvPr/>
+            </p:nvSpPr>
+            <p:spPr>
+              <a:xfrm>
+                <a:off x="533400" y="1981200"/>
+                <a:ext cx="11201400" cy="4838346"/>
+              </a:xfrm>
+              <a:prstGeom prst="roundRect">
+                <a:avLst/>
+              </a:prstGeom>
+              <a:blipFill>
+                <a:blip r:embed="rId3"/>
+                <a:stretch>
+                  <a:fillRect/>
+                </a:stretch>
+              </a:blipFill>
+              <a:ln w="76200">
+                <a:solidFill>
+                  <a:srgbClr val="FFC416"/>
+                </a:solidFill>
+              </a:ln>
+            </p:spPr>
+            <p:txBody>
+              <a:bodyPr/>
+              <a:lstStyle/>
+              <a:p>
+                <a:r>
+                  <a:rPr lang="en-US">
+                    <a:noFill/>
+                  </a:rPr>
+                  <a:t> </a:t>
+                </a:r>
+              </a:p>
+            </p:txBody>
+          </p:sp>
+        </mc:Fallback>
+      </mc:AlternateContent>
+    </p:spTree>
+    <p:extLst>
+      <p:ext uri="{BB962C8B-B14F-4D97-AF65-F5344CB8AC3E}">
+        <p14:creationId xmlns:p14="http://schemas.microsoft.com/office/powerpoint/2010/main" val="2722972905"/>
+      </p:ext>
+    </p:extLst>
+  </p:cSld>
+  <p:clrMapOvr>
+    <a:masterClrMapping/>
+  </p:clrMapOvr>
+</p:sld>
+</file>
+
+<file path=ppt/slides/slide21.xml><?xml version="1.0" encoding="utf-8"?>
+<p:sld xmlns:a="http://schemas.openxmlformats.org/drawingml/2006/main" xmlns:r="http://schemas.openxmlformats.org/officeDocument/2006/relationships" xmlns:p="http://schemas.openxmlformats.org/presentationml/2006/main">
+  <p:cSld>
+    <p:spTree>
+      <p:nvGrpSpPr>
+        <p:cNvPr id="1" name=""/>
+        <p:cNvGrpSpPr/>
+        <p:nvPr/>
+      </p:nvGrpSpPr>
+      <p:grpSpPr>
+        <a:xfrm>
+          <a:off x="0" y="0"/>
+          <a:ext cx="0" cy="0"/>
+          <a:chOff x="0" y="0"/>
+          <a:chExt cx="0" cy="0"/>
+        </a:xfrm>
+      </p:grpSpPr>
+      <p:pic>
+        <p:nvPicPr>
+          <p:cNvPr id="2" name="Picture 10" descr="Mario Pattern">
+            <a:extLst>
+              <a:ext uri="{FF2B5EF4-FFF2-40B4-BE49-F238E27FC236}">
+                <a16:creationId xmlns:a16="http://schemas.microsoft.com/office/drawing/2014/main" id="{8F84FFD9-23AF-75F7-6DAA-904525952142}"/>
+              </a:ext>
+            </a:extLst>
+          </p:cNvPr>
+          <p:cNvPicPr>
+            <a:picLocks noChangeAspect="1" noChangeArrowheads="1"/>
+          </p:cNvPicPr>
+          <p:nvPr/>
+        </p:nvPicPr>
+        <p:blipFill rotWithShape="1">
+          <a:blip r:embed="rId2">
+            <a:alphaModFix amt="47000"/>
+            <a:extLst>
+              <a:ext uri="{28A0092B-C50C-407E-A947-70E740481C1C}">
+                <a14:useLocalDpi xmlns:a14="http://schemas.microsoft.com/office/drawing/2010/main" val="0"/>
+              </a:ext>
+            </a:extLst>
+          </a:blip>
+          <a:srcRect l="4595" r="6699"/>
+          <a:stretch/>
+        </p:blipFill>
+        <p:spPr bwMode="auto">
+          <a:xfrm>
+            <a:off x="0" y="-2057400"/>
+            <a:ext cx="12192000" cy="10308201"/>
+          </a:xfrm>
+          <a:prstGeom prst="rect">
+            <a:avLst/>
+          </a:prstGeom>
+          <a:noFill/>
+          <a:extLst>
+            <a:ext uri="{909E8E84-426E-40DD-AFC4-6F175D3DCCD1}">
+              <a14:hiddenFill xmlns:a14="http://schemas.microsoft.com/office/drawing/2010/main">
+                <a:solidFill>
+                  <a:srgbClr val="FFFFFF"/>
+                </a:solidFill>
+              </a14:hiddenFill>
+            </a:ext>
+          </a:extLst>
+        </p:spPr>
+      </p:pic>
+      <p:sp>
+        <p:nvSpPr>
+          <p:cNvPr id="12" name="Line 11"/>
+          <p:cNvSpPr>
+            <a:spLocks noChangeShapeType="1"/>
+          </p:cNvSpPr>
+          <p:nvPr/>
+        </p:nvSpPr>
+        <p:spPr bwMode="auto">
+          <a:xfrm flipV="1">
+            <a:off x="6972300" y="5109836"/>
+            <a:ext cx="609600" cy="533400"/>
+          </a:xfrm>
+          <a:prstGeom prst="line">
+            <a:avLst/>
+          </a:prstGeom>
+          <a:noFill/>
+          <a:ln w="38100">
+            <a:solidFill>
+              <a:srgbClr val="FFFF66"/>
+            </a:solidFill>
+            <a:round/>
+            <a:headEnd/>
+            <a:tailEnd type="triangle" w="med" len="med"/>
+          </a:ln>
+          <a:extLst>
+            <a:ext uri="{909E8E84-426E-40DD-AFC4-6F175D3DCCD1}">
+              <a14:hiddenFill xmlns:a14="http://schemas.microsoft.com/office/drawing/2010/main">
+                <a:noFill/>
+              </a14:hiddenFill>
+            </a:ext>
+          </a:extLst>
+        </p:spPr>
+        <p:txBody>
+          <a:bodyPr wrap="square">
+            <a:spAutoFit/>
+          </a:bodyPr>
+          <a:lstStyle/>
+          <a:p>
+            <a:endParaRPr lang="en-US"/>
+          </a:p>
+        </p:txBody>
+      </p:sp>
+      <p:sp>
+        <p:nvSpPr>
+          <p:cNvPr id="6" name="TextBox 5">
+            <a:extLst>
+              <a:ext uri="{FF2B5EF4-FFF2-40B4-BE49-F238E27FC236}">
+                <a16:creationId xmlns:a16="http://schemas.microsoft.com/office/drawing/2014/main" id="{4F2DA592-D8EB-70BA-2112-6C13A4E7B393}"/>
+              </a:ext>
+            </a:extLst>
+          </p:cNvPr>
+          <p:cNvSpPr txBox="1"/>
+          <p:nvPr/>
+        </p:nvSpPr>
+        <p:spPr>
+          <a:xfrm>
+            <a:off x="457200" y="609600"/>
+            <a:ext cx="11201400" cy="919401"/>
+          </a:xfrm>
+          <a:prstGeom prst="roundRect">
+            <a:avLst/>
+          </a:prstGeom>
+          <a:solidFill>
+            <a:schemeClr val="bg1">
+              <a:alpha val="70000"/>
+            </a:schemeClr>
+          </a:solidFill>
+          <a:ln w="76200">
+            <a:solidFill>
+              <a:srgbClr val="FFC416"/>
+            </a:solidFill>
+          </a:ln>
+        </p:spPr>
+        <p:style>
+          <a:lnRef idx="2">
+            <a:schemeClr val="dk1"/>
+          </a:lnRef>
+          <a:fillRef idx="1">
+            <a:schemeClr val="lt1"/>
+          </a:fillRef>
+          <a:effectRef idx="0">
+            <a:schemeClr val="dk1"/>
+          </a:effectRef>
+          <a:fontRef idx="minor">
+            <a:schemeClr val="dk1"/>
+          </a:fontRef>
+        </p:style>
+        <p:txBody>
+          <a:bodyPr wrap="square" rtlCol="0">
+            <a:spAutoFit/>
+          </a:bodyPr>
+          <a:lstStyle/>
+          <a:p>
+            <a:pPr algn="ctr"/>
+            <a:r>
+              <a:rPr lang="en-US" sz="4800" b="1" dirty="0">
+                <a:solidFill>
+                  <a:srgbClr val="2D3A37"/>
+                </a:solidFill>
+                <a:latin typeface="Adobe Devanagari" panose="02040503050201020203" pitchFamily="18" charset="0"/>
+                <a:cs typeface="Adobe Devanagari" panose="02040503050201020203" pitchFamily="18" charset="0"/>
+              </a:rPr>
+              <a:t>Hypothesis Test and CI for Slope</a:t>
+            </a:r>
+            <a:endParaRPr lang="en-US" sz="4800" dirty="0">
+              <a:solidFill>
+                <a:srgbClr val="2D3A37"/>
+              </a:solidFill>
+            </a:endParaRPr>
+          </a:p>
+        </p:txBody>
+      </p:sp>
+      <mc:AlternateContent xmlns:mc="http://schemas.openxmlformats.org/markup-compatibility/2006">
+        <mc:Choice xmlns:a14="http://schemas.microsoft.com/office/drawing/2010/main" Requires="a14">
+          <p:sp>
+            <p:nvSpPr>
+              <p:cNvPr id="7" name="TextBox 6">
+                <a:extLst>
+                  <a:ext uri="{FF2B5EF4-FFF2-40B4-BE49-F238E27FC236}">
+                    <a16:creationId xmlns:a16="http://schemas.microsoft.com/office/drawing/2014/main" id="{D9B238EA-D04E-3255-7509-F990F1A8F309}"/>
+                  </a:ext>
+                </a:extLst>
+              </p:cNvPr>
+              <p:cNvSpPr txBox="1"/>
+              <p:nvPr/>
+            </p:nvSpPr>
+            <p:spPr>
+              <a:xfrm>
+                <a:off x="533400" y="1981200"/>
+                <a:ext cx="11201400" cy="4508184"/>
+              </a:xfrm>
+              <a:prstGeom prst="roundRect">
+                <a:avLst/>
+              </a:prstGeom>
+              <a:solidFill>
+                <a:schemeClr val="bg1"/>
+              </a:solidFill>
+              <a:ln w="76200">
+                <a:solidFill>
+                  <a:srgbClr val="FFC416"/>
+                </a:solidFill>
+              </a:ln>
+            </p:spPr>
+            <p:style>
+              <a:lnRef idx="2">
+                <a:schemeClr val="dk1"/>
+              </a:lnRef>
+              <a:fillRef idx="1">
+                <a:schemeClr val="lt1"/>
+              </a:fillRef>
+              <a:effectRef idx="0">
+                <a:schemeClr val="dk1"/>
+              </a:effectRef>
+              <a:fontRef idx="minor">
+                <a:schemeClr val="dk1"/>
+              </a:fontRef>
+            </p:style>
+            <p:txBody>
+              <a:bodyPr wrap="square" rtlCol="0">
+                <a:spAutoFit/>
+              </a:bodyPr>
+              <a:lstStyle/>
+              <a:p>
+                <a:pPr marL="457200" indent="-457200">
+                  <a:buFont typeface="Arial" panose="020B0604020202020204" pitchFamily="34" charset="0"/>
+                  <a:buChar char="•"/>
+                </a:pPr>
+                <a:r>
+                  <a:rPr lang="en-US" sz="2800" dirty="0">
+                    <a:solidFill>
+                      <a:srgbClr val="660066"/>
+                    </a:solidFill>
+                  </a:rPr>
+                  <a:t>Decision – Same As Always</a:t>
+                </a:r>
+              </a:p>
+              <a:p>
+                <a:pPr marL="457200" indent="-457200">
+                  <a:buFont typeface="Arial" panose="020B0604020202020204" pitchFamily="34" charset="0"/>
+                  <a:buChar char="•"/>
+                </a:pPr>
+                <a:endParaRPr lang="en-US" sz="2800" dirty="0">
+                  <a:solidFill>
+                    <a:srgbClr val="660066"/>
+                  </a:solidFill>
+                </a:endParaRPr>
+              </a:p>
+              <a:p>
+                <a:pPr marL="457200" indent="-457200">
+                  <a:buFont typeface="Arial" panose="020B0604020202020204" pitchFamily="34" charset="0"/>
+                  <a:buChar char="•"/>
+                </a:pPr>
+                <a:r>
+                  <a:rPr lang="en-US" sz="2800" dirty="0">
+                    <a:solidFill>
+                      <a:srgbClr val="660066"/>
+                    </a:solidFill>
+                  </a:rPr>
+                  <a:t>Interpret – Similar to Interpretation of Test from SLR</a:t>
+                </a:r>
+              </a:p>
+              <a:p>
+                <a:pPr marL="457200" indent="-457200">
+                  <a:buFont typeface="Arial" panose="020B0604020202020204" pitchFamily="34" charset="0"/>
+                  <a:buChar char="•"/>
+                </a:pPr>
+                <a:endParaRPr lang="en-US" sz="2800" dirty="0">
+                  <a:solidFill>
+                    <a:srgbClr val="660066"/>
+                  </a:solidFill>
+                </a:endParaRPr>
+              </a:p>
+              <a:p>
+                <a:pPr marL="457200" indent="-457200">
+                  <a:buFont typeface="Arial" panose="020B0604020202020204" pitchFamily="34" charset="0"/>
+                  <a:buChar char="•"/>
+                </a:pPr>
+                <a:r>
+                  <a:rPr lang="en-US" sz="2800" dirty="0">
+                    <a:solidFill>
+                      <a:srgbClr val="660066"/>
+                    </a:solidFill>
+                  </a:rPr>
+                  <a:t>Alternative: Confidence Interval</a:t>
+                </a:r>
+              </a:p>
+              <a:p>
+                <a:pPr marL="914400" lvl="1" indent="-457200">
+                  <a:buFont typeface="Arial" panose="020B0604020202020204" pitchFamily="34" charset="0"/>
+                  <a:buChar char="•"/>
+                </a:pPr>
+                <a14:m>
+                  <m:oMath xmlns:m="http://schemas.openxmlformats.org/officeDocument/2006/math">
+                    <m:sSub>
+                      <m:sSubPr>
+                        <m:ctrlPr>
+                          <a:rPr lang="en-US" sz="2800" b="0" i="1" smtClean="0">
+                            <a:solidFill>
+                              <a:srgbClr val="660066"/>
+                            </a:solidFill>
+                            <a:latin typeface="Cambria Math" panose="02040503050406030204" pitchFamily="18" charset="0"/>
+                          </a:rPr>
+                        </m:ctrlPr>
+                      </m:sSubPr>
+                      <m:e>
+                        <m:acc>
+                          <m:accPr>
+                            <m:chr m:val="̂"/>
+                            <m:ctrlPr>
+                              <a:rPr lang="en-US" sz="2800" b="0" i="1" smtClean="0">
+                                <a:solidFill>
+                                  <a:srgbClr val="660066"/>
+                                </a:solidFill>
+                                <a:latin typeface="Cambria Math" panose="02040503050406030204" pitchFamily="18" charset="0"/>
+                              </a:rPr>
+                            </m:ctrlPr>
+                          </m:accPr>
+                          <m:e>
+                            <m:r>
+                              <a:rPr lang="en-US" sz="2800" b="0" i="1" smtClean="0">
+                                <a:solidFill>
+                                  <a:srgbClr val="660066"/>
+                                </a:solidFill>
+                                <a:latin typeface="Cambria Math" panose="02040503050406030204" pitchFamily="18" charset="0"/>
+                              </a:rPr>
+                              <m:t>𝛽</m:t>
+                            </m:r>
+                          </m:e>
+                        </m:acc>
+                      </m:e>
+                      <m:sub>
+                        <m:r>
+                          <a:rPr lang="en-US" sz="2800" b="0" i="1" smtClean="0">
+                            <a:solidFill>
+                              <a:srgbClr val="660066"/>
+                            </a:solidFill>
+                            <a:latin typeface="Cambria Math" panose="02040503050406030204" pitchFamily="18" charset="0"/>
+                          </a:rPr>
+                          <m:t>1</m:t>
+                        </m:r>
+                      </m:sub>
+                    </m:sSub>
+                    <m:r>
+                      <a:rPr lang="en-US" sz="2800" b="0" i="0" smtClean="0">
+                        <a:solidFill>
+                          <a:srgbClr val="660066"/>
+                        </a:solidFill>
+                        <a:latin typeface="Cambria Math" panose="02040503050406030204" pitchFamily="18" charset="0"/>
+                      </a:rPr>
+                      <m:t>±</m:t>
+                    </m:r>
+                    <m:r>
+                      <a:rPr lang="en-US" sz="2800" b="0" i="1" smtClean="0">
+                        <a:solidFill>
+                          <a:srgbClr val="660066"/>
+                        </a:solidFill>
+                        <a:latin typeface="Cambria Math" panose="02040503050406030204" pitchFamily="18" charset="0"/>
+                      </a:rPr>
+                      <m:t>1.96∗</m:t>
+                    </m:r>
+                    <m:r>
+                      <a:rPr lang="en-US" sz="2800" i="1">
+                        <a:solidFill>
+                          <a:srgbClr val="660066"/>
+                        </a:solidFill>
+                        <a:latin typeface="Cambria Math" panose="02040503050406030204" pitchFamily="18" charset="0"/>
+                      </a:rPr>
+                      <m:t>𝑆</m:t>
+                    </m:r>
+                    <m:sSub>
+                      <m:sSubPr>
+                        <m:ctrlPr>
+                          <a:rPr lang="en-US" sz="2800" i="1">
+                            <a:solidFill>
+                              <a:srgbClr val="660066"/>
+                            </a:solidFill>
+                            <a:latin typeface="Cambria Math" panose="02040503050406030204" pitchFamily="18" charset="0"/>
+                          </a:rPr>
+                        </m:ctrlPr>
+                      </m:sSubPr>
+                      <m:e>
+                        <m:r>
+                          <a:rPr lang="en-US" sz="2800" i="1">
+                            <a:solidFill>
+                              <a:srgbClr val="660066"/>
+                            </a:solidFill>
+                            <a:latin typeface="Cambria Math" panose="02040503050406030204" pitchFamily="18" charset="0"/>
+                          </a:rPr>
+                          <m:t>𝐸</m:t>
+                        </m:r>
+                      </m:e>
+                      <m:sub>
+                        <m:sSub>
+                          <m:sSubPr>
+                            <m:ctrlPr>
+                              <a:rPr lang="en-US" sz="2800" i="1">
+                                <a:solidFill>
+                                  <a:srgbClr val="660066"/>
+                                </a:solidFill>
+                                <a:latin typeface="Cambria Math" panose="02040503050406030204" pitchFamily="18" charset="0"/>
+                              </a:rPr>
+                            </m:ctrlPr>
+                          </m:sSubPr>
+                          <m:e>
+                            <m:acc>
+                              <m:accPr>
+                                <m:chr m:val="̂"/>
+                                <m:ctrlPr>
+                                  <a:rPr lang="en-US" sz="2800" i="1">
+                                    <a:solidFill>
+                                      <a:srgbClr val="660066"/>
+                                    </a:solidFill>
+                                    <a:latin typeface="Cambria Math" panose="02040503050406030204" pitchFamily="18" charset="0"/>
+                                  </a:rPr>
+                                </m:ctrlPr>
+                              </m:accPr>
+                              <m:e>
+                                <m:r>
+                                  <a:rPr lang="en-US" sz="2800" i="1">
+                                    <a:solidFill>
+                                      <a:srgbClr val="660066"/>
+                                    </a:solidFill>
+                                    <a:latin typeface="Cambria Math" panose="02040503050406030204" pitchFamily="18" charset="0"/>
+                                  </a:rPr>
+                                  <m:t>𝛽</m:t>
+                                </m:r>
+                              </m:e>
+                            </m:acc>
+                          </m:e>
+                          <m:sub>
+                            <m:r>
+                              <a:rPr lang="en-US" sz="2800" i="1">
+                                <a:solidFill>
+                                  <a:srgbClr val="660066"/>
+                                </a:solidFill>
+                                <a:latin typeface="Cambria Math" panose="02040503050406030204" pitchFamily="18" charset="0"/>
+                              </a:rPr>
+                              <m:t>1</m:t>
+                            </m:r>
+                          </m:sub>
+                        </m:sSub>
+                      </m:sub>
+                    </m:sSub>
+                  </m:oMath>
+                </a14:m>
+                <a:endParaRPr lang="en-US" sz="2800" dirty="0">
+                  <a:solidFill>
+                    <a:srgbClr val="660066"/>
+                  </a:solidFill>
+                </a:endParaRPr>
+              </a:p>
+              <a:p>
+                <a:pPr marL="914400" lvl="1" indent="-457200">
+                  <a:buFont typeface="Arial" panose="020B0604020202020204" pitchFamily="34" charset="0"/>
+                  <a:buChar char="•"/>
+                </a:pPr>
+                <a:r>
+                  <a:rPr lang="en-US" sz="2800" dirty="0">
+                    <a:solidFill>
+                      <a:srgbClr val="660066"/>
+                    </a:solidFill>
+                  </a:rPr>
+                  <a:t>Does it Contain 0? Yes or No?</a:t>
+                </a:r>
+              </a:p>
+              <a:p>
+                <a:pPr marL="457200" indent="-457200">
+                  <a:buFont typeface="Arial" panose="020B0604020202020204" pitchFamily="34" charset="0"/>
+                  <a:buChar char="•"/>
+                </a:pPr>
+                <a:endParaRPr lang="en-US" sz="2800" dirty="0">
+                  <a:solidFill>
+                    <a:srgbClr val="660066"/>
+                  </a:solidFill>
+                </a:endParaRPr>
+              </a:p>
+              <a:p>
+                <a:pPr marL="457200" indent="-457200">
+                  <a:buFont typeface="Arial" panose="020B0604020202020204" pitchFamily="34" charset="0"/>
+                  <a:buChar char="•"/>
+                </a:pPr>
+                <a:r>
+                  <a:rPr lang="en-US" sz="2800" dirty="0">
+                    <a:solidFill>
+                      <a:srgbClr val="660066"/>
+                    </a:solidFill>
+                  </a:rPr>
+                  <a:t>CI for Odds Ratio – Exponentiate Both Bounds of CI</a:t>
+                </a:r>
+              </a:p>
+            </p:txBody>
+          </p:sp>
+        </mc:Choice>
+        <mc:Fallback>
+          <p:sp>
+            <p:nvSpPr>
+              <p:cNvPr id="7" name="TextBox 6">
+                <a:extLst>
+                  <a:ext uri="{FF2B5EF4-FFF2-40B4-BE49-F238E27FC236}">
+                    <a16:creationId xmlns:a16="http://schemas.microsoft.com/office/drawing/2014/main" id="{D9B238EA-D04E-3255-7509-F990F1A8F309}"/>
+                  </a:ext>
+                </a:extLst>
+              </p:cNvPr>
+              <p:cNvSpPr txBox="1">
+                <a:spLocks noRot="1" noChangeAspect="1" noMove="1" noResize="1" noEditPoints="1" noAdjustHandles="1" noChangeArrowheads="1" noChangeShapeType="1" noTextEdit="1"/>
+              </p:cNvSpPr>
+              <p:nvPr/>
+            </p:nvSpPr>
+            <p:spPr>
+              <a:xfrm>
+                <a:off x="533400" y="1981200"/>
+                <a:ext cx="11201400" cy="4508184"/>
+              </a:xfrm>
+              <a:prstGeom prst="roundRect">
+                <a:avLst/>
+              </a:prstGeom>
+              <a:blipFill>
+                <a:blip r:embed="rId3"/>
+                <a:stretch>
+                  <a:fillRect/>
+                </a:stretch>
+              </a:blipFill>
+              <a:ln w="76200">
+                <a:solidFill>
+                  <a:srgbClr val="FFC416"/>
+                </a:solidFill>
+              </a:ln>
+            </p:spPr>
+            <p:txBody>
+              <a:bodyPr/>
+              <a:lstStyle/>
+              <a:p>
+                <a:r>
+                  <a:rPr lang="en-US">
+                    <a:noFill/>
+                  </a:rPr>
+                  <a:t> </a:t>
+                </a:r>
+              </a:p>
+            </p:txBody>
+          </p:sp>
+        </mc:Fallback>
+      </mc:AlternateContent>
+    </p:spTree>
+    <p:extLst>
+      <p:ext uri="{BB962C8B-B14F-4D97-AF65-F5344CB8AC3E}">
+        <p14:creationId xmlns:p14="http://schemas.microsoft.com/office/powerpoint/2010/main" val="263300968"/>
+      </p:ext>
+    </p:extLst>
+  </p:cSld>
+  <p:clrMapOvr>
+    <a:masterClrMapping/>
+  </p:clrMapOvr>
+</p:sld>
+</file>
+
+<file path=ppt/slides/slide22.xml><?xml version="1.0" encoding="utf-8"?>
+<p:sld xmlns:a="http://schemas.openxmlformats.org/drawingml/2006/main" xmlns:r="http://schemas.openxmlformats.org/officeDocument/2006/relationships" xmlns:p="http://schemas.openxmlformats.org/presentationml/2006/main">
+  <p:cSld>
+    <p:spTree>
+      <p:nvGrpSpPr>
+        <p:cNvPr id="1" name=""/>
+        <p:cNvGrpSpPr/>
+        <p:nvPr/>
+      </p:nvGrpSpPr>
+      <p:grpSpPr>
+        <a:xfrm>
+          <a:off x="0" y="0"/>
+          <a:ext cx="0" cy="0"/>
+          <a:chOff x="0" y="0"/>
+          <a:chExt cx="0" cy="0"/>
+        </a:xfrm>
+      </p:grpSpPr>
+      <p:pic>
+        <p:nvPicPr>
+          <p:cNvPr id="2" name="Picture 10" descr="Mario Pattern">
+            <a:extLst>
+              <a:ext uri="{FF2B5EF4-FFF2-40B4-BE49-F238E27FC236}">
+                <a16:creationId xmlns:a16="http://schemas.microsoft.com/office/drawing/2014/main" id="{8F84FFD9-23AF-75F7-6DAA-904525952142}"/>
+              </a:ext>
+            </a:extLst>
+          </p:cNvPr>
+          <p:cNvPicPr>
+            <a:picLocks noChangeAspect="1" noChangeArrowheads="1"/>
+          </p:cNvPicPr>
+          <p:nvPr/>
+        </p:nvPicPr>
+        <p:blipFill rotWithShape="1">
+          <a:blip r:embed="rId2">
+            <a:alphaModFix amt="47000"/>
+            <a:extLst>
+              <a:ext uri="{28A0092B-C50C-407E-A947-70E740481C1C}">
+                <a14:useLocalDpi xmlns:a14="http://schemas.microsoft.com/office/drawing/2010/main" val="0"/>
+              </a:ext>
+            </a:extLst>
+          </a:blip>
+          <a:srcRect l="4595" r="6699"/>
+          <a:stretch/>
+        </p:blipFill>
+        <p:spPr bwMode="auto">
+          <a:xfrm>
+            <a:off x="0" y="-2057400"/>
+            <a:ext cx="12192000" cy="10308201"/>
+          </a:xfrm>
+          <a:prstGeom prst="rect">
+            <a:avLst/>
+          </a:prstGeom>
+          <a:noFill/>
+          <a:extLst>
+            <a:ext uri="{909E8E84-426E-40DD-AFC4-6F175D3DCCD1}">
+              <a14:hiddenFill xmlns:a14="http://schemas.microsoft.com/office/drawing/2010/main">
+                <a:solidFill>
+                  <a:srgbClr val="FFFFFF"/>
+                </a:solidFill>
+              </a14:hiddenFill>
+            </a:ext>
+          </a:extLst>
+        </p:spPr>
+      </p:pic>
+      <p:sp>
+        <p:nvSpPr>
+          <p:cNvPr id="12" name="Line 11"/>
+          <p:cNvSpPr>
+            <a:spLocks noChangeShapeType="1"/>
+          </p:cNvSpPr>
+          <p:nvPr/>
+        </p:nvSpPr>
+        <p:spPr bwMode="auto">
+          <a:xfrm flipV="1">
+            <a:off x="6972300" y="5109836"/>
+            <a:ext cx="609600" cy="533400"/>
+          </a:xfrm>
+          <a:prstGeom prst="line">
+            <a:avLst/>
+          </a:prstGeom>
+          <a:noFill/>
+          <a:ln w="38100">
+            <a:solidFill>
+              <a:srgbClr val="FFFF66"/>
+            </a:solidFill>
+            <a:round/>
+            <a:headEnd/>
+            <a:tailEnd type="triangle" w="med" len="med"/>
+          </a:ln>
+          <a:extLst>
+            <a:ext uri="{909E8E84-426E-40DD-AFC4-6F175D3DCCD1}">
+              <a14:hiddenFill xmlns:a14="http://schemas.microsoft.com/office/drawing/2010/main">
+                <a:noFill/>
+              </a14:hiddenFill>
+            </a:ext>
+          </a:extLst>
+        </p:spPr>
+        <p:txBody>
+          <a:bodyPr wrap="square">
+            <a:spAutoFit/>
+          </a:bodyPr>
+          <a:lstStyle/>
+          <a:p>
+            <a:endParaRPr lang="en-US"/>
+          </a:p>
+        </p:txBody>
+      </p:sp>
+      <p:sp>
+        <p:nvSpPr>
+          <p:cNvPr id="6" name="TextBox 5">
+            <a:extLst>
+              <a:ext uri="{FF2B5EF4-FFF2-40B4-BE49-F238E27FC236}">
+                <a16:creationId xmlns:a16="http://schemas.microsoft.com/office/drawing/2014/main" id="{4F2DA592-D8EB-70BA-2112-6C13A4E7B393}"/>
+              </a:ext>
+            </a:extLst>
+          </p:cNvPr>
+          <p:cNvSpPr txBox="1"/>
+          <p:nvPr/>
+        </p:nvSpPr>
+        <p:spPr>
+          <a:xfrm>
+            <a:off x="457200" y="609600"/>
+            <a:ext cx="11201400" cy="919401"/>
+          </a:xfrm>
+          <a:prstGeom prst="roundRect">
+            <a:avLst/>
+          </a:prstGeom>
+          <a:solidFill>
+            <a:schemeClr val="bg1">
+              <a:alpha val="70000"/>
+            </a:schemeClr>
+          </a:solidFill>
+          <a:ln w="76200">
+            <a:solidFill>
+              <a:srgbClr val="FFC416"/>
+            </a:solidFill>
+          </a:ln>
+        </p:spPr>
+        <p:style>
+          <a:lnRef idx="2">
+            <a:schemeClr val="dk1"/>
+          </a:lnRef>
+          <a:fillRef idx="1">
+            <a:schemeClr val="lt1"/>
+          </a:fillRef>
+          <a:effectRef idx="0">
+            <a:schemeClr val="dk1"/>
+          </a:effectRef>
+          <a:fontRef idx="minor">
+            <a:schemeClr val="dk1"/>
+          </a:fontRef>
+        </p:style>
+        <p:txBody>
+          <a:bodyPr wrap="square" rtlCol="0">
+            <a:spAutoFit/>
+          </a:bodyPr>
+          <a:lstStyle/>
+          <a:p>
+            <a:pPr algn="ctr"/>
+            <a:r>
+              <a:rPr lang="en-US" sz="4800" b="1" dirty="0">
+                <a:solidFill>
+                  <a:srgbClr val="2D3A37"/>
+                </a:solidFill>
+                <a:latin typeface="Adobe Devanagari" panose="02040503050201020203" pitchFamily="18" charset="0"/>
+                <a:cs typeface="Adobe Devanagari" panose="02040503050201020203" pitchFamily="18" charset="0"/>
+              </a:rPr>
+              <a:t>Likelihood Ratio Test</a:t>
+            </a:r>
+            <a:endParaRPr lang="en-US" sz="4800" dirty="0">
+              <a:solidFill>
+                <a:srgbClr val="2D3A37"/>
+              </a:solidFill>
+            </a:endParaRPr>
+          </a:p>
+        </p:txBody>
+      </p:sp>
+      <p:sp>
+        <p:nvSpPr>
+          <p:cNvPr id="7" name="TextBox 6">
+            <a:extLst>
+              <a:ext uri="{FF2B5EF4-FFF2-40B4-BE49-F238E27FC236}">
+                <a16:creationId xmlns:a16="http://schemas.microsoft.com/office/drawing/2014/main" id="{D9B238EA-D04E-3255-7509-F990F1A8F309}"/>
+              </a:ext>
+            </a:extLst>
+          </p:cNvPr>
+          <p:cNvSpPr txBox="1"/>
+          <p:nvPr/>
+        </p:nvSpPr>
+        <p:spPr>
+          <a:xfrm>
+            <a:off x="533400" y="1981200"/>
+            <a:ext cx="11201400" cy="4392692"/>
+          </a:xfrm>
+          <a:prstGeom prst="roundRect">
+            <a:avLst/>
+          </a:prstGeom>
+          <a:solidFill>
+            <a:schemeClr val="bg1"/>
+          </a:solidFill>
+          <a:ln w="76200">
+            <a:solidFill>
+              <a:srgbClr val="FFC416"/>
+            </a:solidFill>
+          </a:ln>
+        </p:spPr>
+        <p:style>
+          <a:lnRef idx="2">
+            <a:schemeClr val="dk1"/>
+          </a:lnRef>
+          <a:fillRef idx="1">
+            <a:schemeClr val="lt1"/>
+          </a:fillRef>
+          <a:effectRef idx="0">
+            <a:schemeClr val="dk1"/>
+          </a:effectRef>
+          <a:fontRef idx="minor">
+            <a:schemeClr val="dk1"/>
+          </a:fontRef>
+        </p:style>
+        <p:txBody>
+          <a:bodyPr wrap="square" rtlCol="0">
+            <a:spAutoFit/>
+          </a:bodyPr>
+          <a:lstStyle/>
+          <a:p>
+            <a:pPr marL="457200" indent="-457200">
+              <a:buFont typeface="Arial" panose="020B0604020202020204" pitchFamily="34" charset="0"/>
+              <a:buChar char="•"/>
+            </a:pPr>
+            <a:r>
+              <a:rPr lang="en-US" sz="2800" dirty="0">
+                <a:solidFill>
+                  <a:srgbClr val="660066"/>
+                </a:solidFill>
+              </a:rPr>
+              <a:t>Tests Overall Effectiveness of the Model</a:t>
+            </a:r>
+          </a:p>
+          <a:p>
+            <a:pPr marL="457200" indent="-457200">
+              <a:buFont typeface="Arial" panose="020B0604020202020204" pitchFamily="34" charset="0"/>
+              <a:buChar char="•"/>
+            </a:pPr>
+            <a:endParaRPr lang="en-US" sz="2800" dirty="0">
+              <a:solidFill>
+                <a:srgbClr val="660066"/>
+              </a:solidFill>
+            </a:endParaRPr>
+          </a:p>
+          <a:p>
+            <a:pPr marL="457200" indent="-457200">
+              <a:buFont typeface="Arial" panose="020B0604020202020204" pitchFamily="34" charset="0"/>
+              <a:buChar char="•"/>
+            </a:pPr>
+            <a:r>
+              <a:rPr lang="en-US" sz="2800" dirty="0">
+                <a:solidFill>
+                  <a:srgbClr val="660066"/>
+                </a:solidFill>
+              </a:rPr>
+              <a:t>Hypothesis Test for Comparing Empty Model to Full Model</a:t>
+            </a:r>
+          </a:p>
+          <a:p>
+            <a:pPr marL="457200" indent="-457200">
+              <a:buFont typeface="Arial" panose="020B0604020202020204" pitchFamily="34" charset="0"/>
+              <a:buChar char="•"/>
+            </a:pPr>
+            <a:endParaRPr lang="en-US" sz="2800" dirty="0">
+              <a:solidFill>
+                <a:srgbClr val="660066"/>
+              </a:solidFill>
+            </a:endParaRPr>
+          </a:p>
+          <a:p>
+            <a:pPr marL="457200" indent="-457200">
+              <a:buFont typeface="Arial" panose="020B0604020202020204" pitchFamily="34" charset="0"/>
+              <a:buChar char="•"/>
+            </a:pPr>
+            <a:r>
+              <a:rPr lang="en-US" sz="2800" dirty="0">
+                <a:solidFill>
+                  <a:srgbClr val="660066"/>
+                </a:solidFill>
+              </a:rPr>
+              <a:t>Similar to F-test in Linear Regression</a:t>
+            </a:r>
+          </a:p>
+          <a:p>
+            <a:pPr marL="457200" indent="-457200">
+              <a:buFont typeface="Arial" panose="020B0604020202020204" pitchFamily="34" charset="0"/>
+              <a:buChar char="•"/>
+            </a:pPr>
+            <a:endParaRPr lang="en-US" sz="2800" dirty="0">
+              <a:solidFill>
+                <a:srgbClr val="660066"/>
+              </a:solidFill>
+            </a:endParaRPr>
+          </a:p>
+          <a:p>
+            <a:pPr marL="457200" indent="-457200">
+              <a:buFont typeface="Arial" panose="020B0604020202020204" pitchFamily="34" charset="0"/>
+              <a:buChar char="•"/>
+            </a:pPr>
+            <a:r>
+              <a:rPr lang="en-US" sz="2800" dirty="0">
+                <a:solidFill>
+                  <a:srgbClr val="660066"/>
+                </a:solidFill>
+              </a:rPr>
+              <a:t>Almost Equivalent to Previous Hypothesis Test (P-values Similar)</a:t>
+            </a:r>
+          </a:p>
+          <a:p>
+            <a:pPr marL="457200" indent="-457200">
+              <a:buFont typeface="Arial" panose="020B0604020202020204" pitchFamily="34" charset="0"/>
+              <a:buChar char="•"/>
+            </a:pPr>
+            <a:endParaRPr lang="en-US" sz="2800" dirty="0">
+              <a:solidFill>
+                <a:srgbClr val="660066"/>
+              </a:solidFill>
+            </a:endParaRPr>
+          </a:p>
+          <a:p>
+            <a:pPr marL="457200" indent="-457200">
+              <a:buFont typeface="Arial" panose="020B0604020202020204" pitchFamily="34" charset="0"/>
+              <a:buChar char="•"/>
+            </a:pPr>
+            <a:r>
+              <a:rPr lang="en-US" sz="2800" dirty="0">
+                <a:solidFill>
+                  <a:srgbClr val="660066"/>
+                </a:solidFill>
+              </a:rPr>
+              <a:t>Let </a:t>
+            </a:r>
+            <a:r>
+              <a:rPr lang="en-US" sz="2800" i="1" dirty="0">
+                <a:solidFill>
+                  <a:srgbClr val="660066"/>
+                </a:solidFill>
+              </a:rPr>
+              <a:t>L</a:t>
+            </a:r>
+            <a:r>
+              <a:rPr lang="en-US" sz="2800" dirty="0">
+                <a:solidFill>
+                  <a:srgbClr val="660066"/>
+                </a:solidFill>
+              </a:rPr>
+              <a:t> Represent the Likelihood of our Model – We Want to Maximize</a:t>
+            </a:r>
+          </a:p>
+        </p:txBody>
+      </p:sp>
+    </p:spTree>
+    <p:extLst>
+      <p:ext uri="{BB962C8B-B14F-4D97-AF65-F5344CB8AC3E}">
+        <p14:creationId xmlns:p14="http://schemas.microsoft.com/office/powerpoint/2010/main" val="1750077977"/>
+      </p:ext>
+    </p:extLst>
+  </p:cSld>
+  <p:clrMapOvr>
+    <a:masterClrMapping/>
+  </p:clrMapOvr>
+</p:sld>
+</file>
+
+<file path=ppt/slides/slide23.xml><?xml version="1.0" encoding="utf-8"?>
+<p:sld xmlns:a="http://schemas.openxmlformats.org/drawingml/2006/main" xmlns:r="http://schemas.openxmlformats.org/officeDocument/2006/relationships" xmlns:p="http://schemas.openxmlformats.org/presentationml/2006/main">
+  <p:cSld>
+    <p:spTree>
+      <p:nvGrpSpPr>
+        <p:cNvPr id="1" name=""/>
+        <p:cNvGrpSpPr/>
+        <p:nvPr/>
+      </p:nvGrpSpPr>
+      <p:grpSpPr>
+        <a:xfrm>
+          <a:off x="0" y="0"/>
+          <a:ext cx="0" cy="0"/>
+          <a:chOff x="0" y="0"/>
+          <a:chExt cx="0" cy="0"/>
+        </a:xfrm>
+      </p:grpSpPr>
+      <p:pic>
+        <p:nvPicPr>
+          <p:cNvPr id="2" name="Picture 10" descr="Mario Pattern">
+            <a:extLst>
+              <a:ext uri="{FF2B5EF4-FFF2-40B4-BE49-F238E27FC236}">
+                <a16:creationId xmlns:a16="http://schemas.microsoft.com/office/drawing/2014/main" id="{8F84FFD9-23AF-75F7-6DAA-904525952142}"/>
+              </a:ext>
+            </a:extLst>
+          </p:cNvPr>
+          <p:cNvPicPr>
+            <a:picLocks noChangeAspect="1" noChangeArrowheads="1"/>
+          </p:cNvPicPr>
+          <p:nvPr/>
+        </p:nvPicPr>
+        <p:blipFill rotWithShape="1">
+          <a:blip r:embed="rId2">
+            <a:alphaModFix amt="47000"/>
+            <a:extLst>
+              <a:ext uri="{28A0092B-C50C-407E-A947-70E740481C1C}">
+                <a14:useLocalDpi xmlns:a14="http://schemas.microsoft.com/office/drawing/2010/main" val="0"/>
+              </a:ext>
+            </a:extLst>
+          </a:blip>
+          <a:srcRect l="4595" r="6699"/>
+          <a:stretch/>
+        </p:blipFill>
+        <p:spPr bwMode="auto">
+          <a:xfrm>
+            <a:off x="0" y="-2057400"/>
+            <a:ext cx="12192000" cy="10308201"/>
+          </a:xfrm>
+          <a:prstGeom prst="rect">
+            <a:avLst/>
+          </a:prstGeom>
+          <a:noFill/>
+          <a:extLst>
+            <a:ext uri="{909E8E84-426E-40DD-AFC4-6F175D3DCCD1}">
+              <a14:hiddenFill xmlns:a14="http://schemas.microsoft.com/office/drawing/2010/main">
+                <a:solidFill>
+                  <a:srgbClr val="FFFFFF"/>
+                </a:solidFill>
+              </a14:hiddenFill>
+            </a:ext>
+          </a:extLst>
+        </p:spPr>
+      </p:pic>
+      <p:sp>
+        <p:nvSpPr>
+          <p:cNvPr id="12" name="Line 11"/>
+          <p:cNvSpPr>
+            <a:spLocks noChangeShapeType="1"/>
+          </p:cNvSpPr>
+          <p:nvPr/>
+        </p:nvSpPr>
+        <p:spPr bwMode="auto">
+          <a:xfrm flipV="1">
+            <a:off x="6972300" y="5109836"/>
+            <a:ext cx="609600" cy="533400"/>
+          </a:xfrm>
+          <a:prstGeom prst="line">
+            <a:avLst/>
+          </a:prstGeom>
+          <a:noFill/>
+          <a:ln w="38100">
+            <a:solidFill>
+              <a:srgbClr val="FFFF66"/>
+            </a:solidFill>
+            <a:round/>
+            <a:headEnd/>
+            <a:tailEnd type="triangle" w="med" len="med"/>
+          </a:ln>
+          <a:extLst>
+            <a:ext uri="{909E8E84-426E-40DD-AFC4-6F175D3DCCD1}">
+              <a14:hiddenFill xmlns:a14="http://schemas.microsoft.com/office/drawing/2010/main">
+                <a:noFill/>
+              </a14:hiddenFill>
+            </a:ext>
+          </a:extLst>
+        </p:spPr>
+        <p:txBody>
+          <a:bodyPr wrap="square">
+            <a:spAutoFit/>
+          </a:bodyPr>
+          <a:lstStyle/>
+          <a:p>
+            <a:endParaRPr lang="en-US"/>
+          </a:p>
+        </p:txBody>
+      </p:sp>
+      <p:sp>
+        <p:nvSpPr>
+          <p:cNvPr id="6" name="TextBox 5">
+            <a:extLst>
+              <a:ext uri="{FF2B5EF4-FFF2-40B4-BE49-F238E27FC236}">
+                <a16:creationId xmlns:a16="http://schemas.microsoft.com/office/drawing/2014/main" id="{4F2DA592-D8EB-70BA-2112-6C13A4E7B393}"/>
+              </a:ext>
+            </a:extLst>
+          </p:cNvPr>
+          <p:cNvSpPr txBox="1"/>
+          <p:nvPr/>
+        </p:nvSpPr>
+        <p:spPr>
+          <a:xfrm>
+            <a:off x="457200" y="609600"/>
+            <a:ext cx="11201400" cy="919401"/>
+          </a:xfrm>
+          <a:prstGeom prst="roundRect">
+            <a:avLst/>
+          </a:prstGeom>
+          <a:solidFill>
+            <a:schemeClr val="bg1">
+              <a:alpha val="70000"/>
+            </a:schemeClr>
+          </a:solidFill>
+          <a:ln w="76200">
+            <a:solidFill>
+              <a:srgbClr val="FFC416"/>
+            </a:solidFill>
+          </a:ln>
+        </p:spPr>
+        <p:style>
+          <a:lnRef idx="2">
+            <a:schemeClr val="dk1"/>
+          </a:lnRef>
+          <a:fillRef idx="1">
+            <a:schemeClr val="lt1"/>
+          </a:fillRef>
+          <a:effectRef idx="0">
+            <a:schemeClr val="dk1"/>
+          </a:effectRef>
+          <a:fontRef idx="minor">
+            <a:schemeClr val="dk1"/>
+          </a:fontRef>
+        </p:style>
+        <p:txBody>
+          <a:bodyPr wrap="square" rtlCol="0">
+            <a:spAutoFit/>
+          </a:bodyPr>
+          <a:lstStyle/>
+          <a:p>
+            <a:pPr algn="ctr"/>
+            <a:r>
+              <a:rPr lang="en-US" sz="4800" b="1" dirty="0">
+                <a:solidFill>
+                  <a:srgbClr val="2D3A37"/>
+                </a:solidFill>
+                <a:latin typeface="Adobe Devanagari" panose="02040503050201020203" pitchFamily="18" charset="0"/>
+                <a:cs typeface="Adobe Devanagari" panose="02040503050201020203" pitchFamily="18" charset="0"/>
+              </a:rPr>
+              <a:t>Likelihood Ratio Test</a:t>
+            </a:r>
+            <a:endParaRPr lang="en-US" sz="4800" dirty="0">
+              <a:solidFill>
+                <a:srgbClr val="2D3A37"/>
+              </a:solidFill>
+            </a:endParaRPr>
+          </a:p>
+        </p:txBody>
+      </p:sp>
+      <mc:AlternateContent xmlns:mc="http://schemas.openxmlformats.org/markup-compatibility/2006">
+        <mc:Choice xmlns:a14="http://schemas.microsoft.com/office/drawing/2010/main" Requires="a14">
+          <p:sp>
+            <p:nvSpPr>
+              <p:cNvPr id="7" name="TextBox 6">
+                <a:extLst>
+                  <a:ext uri="{FF2B5EF4-FFF2-40B4-BE49-F238E27FC236}">
+                    <a16:creationId xmlns:a16="http://schemas.microsoft.com/office/drawing/2014/main" id="{D9B238EA-D04E-3255-7509-F990F1A8F309}"/>
+                  </a:ext>
+                </a:extLst>
+              </p:cNvPr>
+              <p:cNvSpPr txBox="1"/>
+              <p:nvPr/>
+            </p:nvSpPr>
+            <p:spPr>
+              <a:xfrm>
+                <a:off x="533400" y="1981200"/>
+                <a:ext cx="11201400" cy="4152698"/>
+              </a:xfrm>
+              <a:prstGeom prst="roundRect">
+                <a:avLst/>
+              </a:prstGeom>
+              <a:solidFill>
+                <a:schemeClr val="bg1"/>
+              </a:solidFill>
+              <a:ln w="76200">
+                <a:solidFill>
+                  <a:srgbClr val="FFC416"/>
+                </a:solidFill>
+              </a:ln>
+            </p:spPr>
+            <p:style>
+              <a:lnRef idx="2">
+                <a:schemeClr val="dk1"/>
+              </a:lnRef>
+              <a:fillRef idx="1">
+                <a:schemeClr val="lt1"/>
+              </a:fillRef>
+              <a:effectRef idx="0">
+                <a:schemeClr val="dk1"/>
+              </a:effectRef>
+              <a:fontRef idx="minor">
+                <a:schemeClr val="dk1"/>
+              </a:fontRef>
+            </p:style>
+            <p:txBody>
+              <a:bodyPr wrap="square" rtlCol="0">
+                <a:spAutoFit/>
+              </a:bodyPr>
+              <a:lstStyle/>
+              <a:p>
+                <a:pPr marL="457200" indent="-457200">
+                  <a:buFont typeface="Arial" panose="020B0604020202020204" pitchFamily="34" charset="0"/>
+                  <a:buChar char="•"/>
+                </a:pPr>
+                <a:r>
+                  <a:rPr lang="en-US" sz="2800" dirty="0">
+                    <a:solidFill>
+                      <a:srgbClr val="660066"/>
+                    </a:solidFill>
+                  </a:rPr>
+                  <a:t>The </a:t>
+                </a:r>
+                <a:r>
+                  <a:rPr lang="en-US" sz="2800" b="1" dirty="0" err="1">
+                    <a:solidFill>
+                      <a:srgbClr val="660066"/>
+                    </a:solidFill>
+                  </a:rPr>
+                  <a:t>glm</a:t>
+                </a:r>
+                <a:r>
+                  <a:rPr lang="en-US" sz="2800" b="1" dirty="0">
+                    <a:solidFill>
+                      <a:srgbClr val="660066"/>
+                    </a:solidFill>
+                  </a:rPr>
+                  <a:t>() </a:t>
+                </a:r>
+                <a:r>
+                  <a:rPr lang="en-US" sz="2800" dirty="0">
+                    <a:solidFill>
+                      <a:srgbClr val="660066"/>
+                    </a:solidFill>
+                  </a:rPr>
+                  <a:t>Function Minimizes </a:t>
+                </a:r>
+                <a14:m>
+                  <m:oMath xmlns:m="http://schemas.openxmlformats.org/officeDocument/2006/math">
+                    <m:r>
+                      <a:rPr lang="en-US" sz="2800" b="0" i="1" smtClean="0">
+                        <a:solidFill>
+                          <a:srgbClr val="660066"/>
+                        </a:solidFill>
+                        <a:latin typeface="Cambria Math" panose="02040503050406030204" pitchFamily="18" charset="0"/>
+                      </a:rPr>
+                      <m:t>−2∗</m:t>
+                    </m:r>
+                    <m:r>
+                      <m:rPr>
+                        <m:sty m:val="p"/>
+                      </m:rPr>
+                      <a:rPr lang="en-US" sz="2800" b="0" i="0" smtClean="0">
+                        <a:solidFill>
+                          <a:srgbClr val="660066"/>
+                        </a:solidFill>
+                        <a:latin typeface="Cambria Math" panose="02040503050406030204" pitchFamily="18" charset="0"/>
+                      </a:rPr>
+                      <m:t>log</m:t>
+                    </m:r>
+                    <m:r>
+                      <a:rPr lang="en-US" sz="2800" b="0" i="1" smtClean="0">
+                        <a:solidFill>
+                          <a:srgbClr val="660066"/>
+                        </a:solidFill>
+                        <a:latin typeface="Cambria Math" panose="02040503050406030204" pitchFamily="18" charset="0"/>
+                      </a:rPr>
+                      <m:t>⁡(</m:t>
+                    </m:r>
+                    <m:r>
+                      <a:rPr lang="en-US" sz="2800" b="0" i="1" smtClean="0">
+                        <a:solidFill>
+                          <a:srgbClr val="660066"/>
+                        </a:solidFill>
+                        <a:latin typeface="Cambria Math" panose="02040503050406030204" pitchFamily="18" charset="0"/>
+                      </a:rPr>
+                      <m:t>𝐿</m:t>
+                    </m:r>
+                    <m:r>
+                      <a:rPr lang="en-US" sz="2800" b="0" i="1" smtClean="0">
+                        <a:solidFill>
+                          <a:srgbClr val="660066"/>
+                        </a:solidFill>
+                        <a:latin typeface="Cambria Math" panose="02040503050406030204" pitchFamily="18" charset="0"/>
+                      </a:rPr>
+                      <m:t>)</m:t>
+                    </m:r>
+                  </m:oMath>
+                </a14:m>
+                <a:r>
+                  <a:rPr lang="en-US" sz="2800" dirty="0">
+                    <a:solidFill>
+                      <a:srgbClr val="660066"/>
+                    </a:solidFill>
+                  </a:rPr>
+                  <a:t> (Same as Maximizing </a:t>
+                </a:r>
+                <a:r>
+                  <a:rPr lang="en-US" sz="2800" i="1" dirty="0">
+                    <a:solidFill>
+                      <a:srgbClr val="660066"/>
+                    </a:solidFill>
+                  </a:rPr>
+                  <a:t>L</a:t>
+                </a:r>
+                <a:r>
+                  <a:rPr lang="en-US" sz="2800" dirty="0">
+                    <a:solidFill>
+                      <a:srgbClr val="660066"/>
+                    </a:solidFill>
+                  </a:rPr>
+                  <a:t>)</a:t>
+                </a:r>
+              </a:p>
+              <a:p>
+                <a:pPr marL="457200" indent="-457200">
+                  <a:buFont typeface="Arial" panose="020B0604020202020204" pitchFamily="34" charset="0"/>
+                  <a:buChar char="•"/>
+                </a:pPr>
+                <a:endParaRPr lang="en-US" sz="2800" dirty="0">
+                  <a:solidFill>
+                    <a:srgbClr val="660066"/>
+                  </a:solidFill>
+                </a:endParaRPr>
+              </a:p>
+              <a:p>
+                <a:pPr marL="457200" indent="-457200">
+                  <a:buFont typeface="Arial" panose="020B0604020202020204" pitchFamily="34" charset="0"/>
+                  <a:buChar char="•"/>
+                </a:pPr>
+                <a:r>
+                  <a:rPr lang="en-US" sz="2800" dirty="0">
+                    <a:solidFill>
+                      <a:srgbClr val="660066"/>
+                    </a:solidFill>
+                  </a:rPr>
+                  <a:t>The </a:t>
+                </a:r>
+                <a:r>
+                  <a:rPr lang="en-US" sz="2800" b="1" dirty="0" err="1">
+                    <a:solidFill>
+                      <a:srgbClr val="660066"/>
+                    </a:solidFill>
+                  </a:rPr>
+                  <a:t>glm</a:t>
+                </a:r>
+                <a:r>
+                  <a:rPr lang="en-US" sz="2800" b="1" dirty="0">
+                    <a:solidFill>
+                      <a:srgbClr val="660066"/>
+                    </a:solidFill>
+                  </a:rPr>
+                  <a:t>() </a:t>
+                </a:r>
+                <a:r>
+                  <a:rPr lang="en-US" sz="2800" dirty="0">
+                    <a:solidFill>
+                      <a:srgbClr val="660066"/>
+                    </a:solidFill>
+                  </a:rPr>
+                  <a:t>Function also Estimates </a:t>
+                </a:r>
+                <a:r>
+                  <a:rPr lang="en-US" sz="2800" i="1" dirty="0">
+                    <a:solidFill>
+                      <a:srgbClr val="660066"/>
+                    </a:solidFill>
+                  </a:rPr>
+                  <a:t>L</a:t>
+                </a:r>
+                <a:r>
+                  <a:rPr lang="en-US" sz="2800" i="1" baseline="-25000" dirty="0">
+                    <a:solidFill>
+                      <a:srgbClr val="660066"/>
+                    </a:solidFill>
+                  </a:rPr>
+                  <a:t>0</a:t>
+                </a:r>
+                <a:r>
+                  <a:rPr lang="en-US" sz="2800" dirty="0">
+                    <a:solidFill>
+                      <a:srgbClr val="660066"/>
+                    </a:solidFill>
+                  </a:rPr>
+                  <a:t> Which is the Likelihood of the Constant Model or Empty Model (Only an Intercept)</a:t>
+                </a:r>
+              </a:p>
+              <a:p>
+                <a:pPr marL="457200" indent="-457200">
+                  <a:buFont typeface="Arial" panose="020B0604020202020204" pitchFamily="34" charset="0"/>
+                  <a:buChar char="•"/>
+                </a:pPr>
+                <a:endParaRPr lang="en-US" sz="2800" dirty="0">
+                  <a:solidFill>
+                    <a:srgbClr val="660066"/>
+                  </a:solidFill>
+                </a:endParaRPr>
+              </a:p>
+              <a:p>
+                <a:pPr marL="457200" indent="-457200">
+                  <a:buFont typeface="Arial" panose="020B0604020202020204" pitchFamily="34" charset="0"/>
+                  <a:buChar char="•"/>
+                </a:pPr>
+                <a:r>
+                  <a:rPr lang="en-US" sz="2800" dirty="0">
+                    <a:solidFill>
+                      <a:srgbClr val="660066"/>
+                    </a:solidFill>
+                  </a:rPr>
+                  <a:t>Effectiveness of Model Can Be Measured by the Test Statistic</a:t>
+                </a:r>
+              </a:p>
+              <a:p>
+                <a:pPr marL="914400" lvl="1" indent="-457200">
+                  <a:buFont typeface="Arial" panose="020B0604020202020204" pitchFamily="34" charset="0"/>
+                  <a:buChar char="•"/>
+                </a:pPr>
+                <a14:m>
+                  <m:oMath xmlns:m="http://schemas.openxmlformats.org/officeDocument/2006/math">
+                    <m:sSup>
+                      <m:sSupPr>
+                        <m:ctrlPr>
+                          <a:rPr lang="en-US" sz="2800" b="0" i="1" smtClean="0">
+                            <a:solidFill>
+                              <a:srgbClr val="660066"/>
+                            </a:solidFill>
+                            <a:latin typeface="Cambria Math" panose="02040503050406030204" pitchFamily="18" charset="0"/>
+                          </a:rPr>
+                        </m:ctrlPr>
+                      </m:sSupPr>
+                      <m:e>
+                        <m:r>
+                          <a:rPr lang="en-US" sz="2800" b="0" i="1" smtClean="0">
+                            <a:solidFill>
+                              <a:srgbClr val="660066"/>
+                            </a:solidFill>
+                            <a:latin typeface="Cambria Math" panose="02040503050406030204" pitchFamily="18" charset="0"/>
+                          </a:rPr>
+                          <m:t>𝐺</m:t>
+                        </m:r>
+                      </m:e>
+                      <m:sup>
+                        <m:r>
+                          <a:rPr lang="en-US" sz="2800" b="0" i="1" smtClean="0">
+                            <a:solidFill>
+                              <a:srgbClr val="660066"/>
+                            </a:solidFill>
+                            <a:latin typeface="Cambria Math" panose="02040503050406030204" pitchFamily="18" charset="0"/>
+                          </a:rPr>
+                          <m:t>∗</m:t>
+                        </m:r>
+                      </m:sup>
+                    </m:sSup>
+                    <m:r>
+                      <a:rPr lang="en-US" sz="2800" b="0" i="1" smtClean="0">
+                        <a:solidFill>
+                          <a:srgbClr val="660066"/>
+                        </a:solidFill>
+                        <a:latin typeface="Cambria Math" panose="02040503050406030204" pitchFamily="18" charset="0"/>
+                      </a:rPr>
+                      <m:t>=</m:t>
+                    </m:r>
+                    <m:r>
+                      <a:rPr lang="en-US" sz="2800" i="1">
+                        <a:solidFill>
+                          <a:srgbClr val="660066"/>
+                        </a:solidFill>
+                        <a:latin typeface="Cambria Math" panose="02040503050406030204" pitchFamily="18" charset="0"/>
+                      </a:rPr>
+                      <m:t>−2∗</m:t>
+                    </m:r>
+                    <m:func>
+                      <m:funcPr>
+                        <m:ctrlPr>
+                          <a:rPr lang="en-US" sz="2800" i="1">
+                            <a:solidFill>
+                              <a:srgbClr val="660066"/>
+                            </a:solidFill>
+                            <a:latin typeface="Cambria Math" panose="02040503050406030204" pitchFamily="18" charset="0"/>
+                          </a:rPr>
+                        </m:ctrlPr>
+                      </m:funcPr>
+                      <m:fName>
+                        <m:r>
+                          <m:rPr>
+                            <m:sty m:val="p"/>
+                          </m:rPr>
+                          <a:rPr lang="en-US" sz="2800">
+                            <a:solidFill>
+                              <a:srgbClr val="660066"/>
+                            </a:solidFill>
+                            <a:latin typeface="Cambria Math" panose="02040503050406030204" pitchFamily="18" charset="0"/>
+                          </a:rPr>
+                          <m:t>log</m:t>
+                        </m:r>
+                      </m:fName>
+                      <m:e>
+                        <m:d>
+                          <m:dPr>
+                            <m:ctrlPr>
+                              <a:rPr lang="en-US" sz="2800" i="1">
+                                <a:solidFill>
+                                  <a:srgbClr val="660066"/>
+                                </a:solidFill>
+                                <a:latin typeface="Cambria Math" panose="02040503050406030204" pitchFamily="18" charset="0"/>
+                              </a:rPr>
+                            </m:ctrlPr>
+                          </m:dPr>
+                          <m:e>
+                            <m:sSub>
+                              <m:sSubPr>
+                                <m:ctrlPr>
+                                  <a:rPr lang="en-US" sz="2800" b="0" i="1" smtClean="0">
+                                    <a:solidFill>
+                                      <a:srgbClr val="660066"/>
+                                    </a:solidFill>
+                                    <a:latin typeface="Cambria Math" panose="02040503050406030204" pitchFamily="18" charset="0"/>
+                                  </a:rPr>
+                                </m:ctrlPr>
+                              </m:sSubPr>
+                              <m:e>
+                                <m:r>
+                                  <a:rPr lang="en-US" sz="2800" i="1">
+                                    <a:solidFill>
+                                      <a:srgbClr val="660066"/>
+                                    </a:solidFill>
+                                    <a:latin typeface="Cambria Math" panose="02040503050406030204" pitchFamily="18" charset="0"/>
+                                  </a:rPr>
+                                  <m:t>𝐿</m:t>
+                                </m:r>
+                              </m:e>
+                              <m:sub>
+                                <m:r>
+                                  <a:rPr lang="en-US" sz="2800" b="0" i="1" smtClean="0">
+                                    <a:solidFill>
+                                      <a:srgbClr val="660066"/>
+                                    </a:solidFill>
+                                    <a:latin typeface="Cambria Math" panose="02040503050406030204" pitchFamily="18" charset="0"/>
+                                  </a:rPr>
+                                  <m:t>0</m:t>
+                                </m:r>
+                              </m:sub>
+                            </m:sSub>
+                          </m:e>
+                        </m:d>
+                      </m:e>
+                    </m:func>
+                    <m:r>
+                      <a:rPr lang="en-US" sz="2800" b="0" i="1" smtClean="0">
+                        <a:solidFill>
+                          <a:srgbClr val="660066"/>
+                        </a:solidFill>
+                        <a:latin typeface="Cambria Math" panose="02040503050406030204" pitchFamily="18" charset="0"/>
+                      </a:rPr>
+                      <m:t>−</m:t>
+                    </m:r>
+                    <m:d>
+                      <m:dPr>
+                        <m:ctrlPr>
+                          <a:rPr lang="en-US" sz="2800" b="0" i="1" smtClean="0">
+                            <a:solidFill>
+                              <a:srgbClr val="660066"/>
+                            </a:solidFill>
+                            <a:latin typeface="Cambria Math" panose="02040503050406030204" pitchFamily="18" charset="0"/>
+                          </a:rPr>
+                        </m:ctrlPr>
+                      </m:dPr>
+                      <m:e>
+                        <m:r>
+                          <a:rPr lang="en-US" sz="2800" i="1">
+                            <a:solidFill>
+                              <a:srgbClr val="660066"/>
+                            </a:solidFill>
+                            <a:latin typeface="Cambria Math" panose="02040503050406030204" pitchFamily="18" charset="0"/>
+                          </a:rPr>
+                          <m:t>−2∗</m:t>
+                        </m:r>
+                        <m:func>
+                          <m:funcPr>
+                            <m:ctrlPr>
+                              <a:rPr lang="en-US" sz="2800" i="1">
+                                <a:solidFill>
+                                  <a:srgbClr val="660066"/>
+                                </a:solidFill>
+                                <a:latin typeface="Cambria Math" panose="02040503050406030204" pitchFamily="18" charset="0"/>
+                              </a:rPr>
+                            </m:ctrlPr>
+                          </m:funcPr>
+                          <m:fName>
+                            <m:r>
+                              <m:rPr>
+                                <m:sty m:val="p"/>
+                              </m:rPr>
+                              <a:rPr lang="en-US" sz="2800">
+                                <a:solidFill>
+                                  <a:srgbClr val="660066"/>
+                                </a:solidFill>
+                                <a:latin typeface="Cambria Math" panose="02040503050406030204" pitchFamily="18" charset="0"/>
+                              </a:rPr>
+                              <m:t>log</m:t>
+                            </m:r>
+                          </m:fName>
+                          <m:e>
+                            <m:d>
+                              <m:dPr>
+                                <m:ctrlPr>
+                                  <a:rPr lang="en-US" sz="2800" i="1">
+                                    <a:solidFill>
+                                      <a:srgbClr val="660066"/>
+                                    </a:solidFill>
+                                    <a:latin typeface="Cambria Math" panose="02040503050406030204" pitchFamily="18" charset="0"/>
+                                  </a:rPr>
+                                </m:ctrlPr>
+                              </m:dPr>
+                              <m:e>
+                                <m:r>
+                                  <a:rPr lang="en-US" sz="2800" i="1">
+                                    <a:solidFill>
+                                      <a:srgbClr val="660066"/>
+                                    </a:solidFill>
+                                    <a:latin typeface="Cambria Math" panose="02040503050406030204" pitchFamily="18" charset="0"/>
+                                  </a:rPr>
+                                  <m:t>𝐿</m:t>
+                                </m:r>
+                              </m:e>
+                            </m:d>
+                          </m:e>
+                        </m:func>
+                      </m:e>
+                    </m:d>
+                  </m:oMath>
+                </a14:m>
+                <a:endParaRPr lang="en-US" sz="2800" dirty="0">
+                  <a:solidFill>
+                    <a:srgbClr val="660066"/>
+                  </a:solidFill>
+                </a:endParaRPr>
+              </a:p>
+              <a:p>
+                <a:pPr marL="914400" lvl="1" indent="-457200">
+                  <a:buFont typeface="Arial" panose="020B0604020202020204" pitchFamily="34" charset="0"/>
+                  <a:buChar char="•"/>
+                </a:pPr>
+                <a:r>
+                  <a:rPr lang="en-US" sz="2800" dirty="0">
+                    <a:solidFill>
+                      <a:srgbClr val="660066"/>
+                    </a:solidFill>
+                  </a:rPr>
+                  <a:t>Notice: </a:t>
+                </a:r>
+                <a14:m>
+                  <m:oMath xmlns:m="http://schemas.openxmlformats.org/officeDocument/2006/math">
+                    <m:sSup>
+                      <m:sSupPr>
+                        <m:ctrlPr>
+                          <a:rPr lang="en-US" sz="2800" b="0" i="1" smtClean="0">
+                            <a:solidFill>
+                              <a:srgbClr val="660066"/>
+                            </a:solidFill>
+                            <a:latin typeface="Cambria Math" panose="02040503050406030204" pitchFamily="18" charset="0"/>
+                          </a:rPr>
+                        </m:ctrlPr>
+                      </m:sSupPr>
+                      <m:e>
+                        <m:r>
+                          <a:rPr lang="en-US" sz="2800" b="0" i="1" smtClean="0">
+                            <a:solidFill>
+                              <a:srgbClr val="660066"/>
+                            </a:solidFill>
+                            <a:latin typeface="Cambria Math" panose="02040503050406030204" pitchFamily="18" charset="0"/>
+                          </a:rPr>
+                          <m:t>𝐺</m:t>
+                        </m:r>
+                      </m:e>
+                      <m:sup>
+                        <m:r>
+                          <a:rPr lang="en-US" sz="2800" b="0" i="1" smtClean="0">
+                            <a:solidFill>
+                              <a:srgbClr val="660066"/>
+                            </a:solidFill>
+                            <a:latin typeface="Cambria Math" panose="02040503050406030204" pitchFamily="18" charset="0"/>
+                          </a:rPr>
+                          <m:t>∗</m:t>
+                        </m:r>
+                      </m:sup>
+                    </m:sSup>
+                    <m:r>
+                      <a:rPr lang="en-US" sz="2800" b="0" i="1" smtClean="0">
+                        <a:solidFill>
+                          <a:srgbClr val="660066"/>
+                        </a:solidFill>
+                        <a:latin typeface="Cambria Math" panose="02040503050406030204" pitchFamily="18" charset="0"/>
+                      </a:rPr>
+                      <m:t>=−2</m:t>
+                    </m:r>
+                    <m:d>
+                      <m:dPr>
+                        <m:ctrlPr>
+                          <a:rPr lang="en-US" sz="2800" b="0" i="1" smtClean="0">
+                            <a:solidFill>
+                              <a:srgbClr val="660066"/>
+                            </a:solidFill>
+                            <a:latin typeface="Cambria Math" panose="02040503050406030204" pitchFamily="18" charset="0"/>
+                          </a:rPr>
+                        </m:ctrlPr>
+                      </m:dPr>
+                      <m:e>
+                        <m:func>
+                          <m:funcPr>
+                            <m:ctrlPr>
+                              <a:rPr lang="en-US" sz="2800" b="0" i="1" smtClean="0">
+                                <a:solidFill>
+                                  <a:srgbClr val="660066"/>
+                                </a:solidFill>
+                                <a:latin typeface="Cambria Math" panose="02040503050406030204" pitchFamily="18" charset="0"/>
+                              </a:rPr>
+                            </m:ctrlPr>
+                          </m:funcPr>
+                          <m:fName>
+                            <m:r>
+                              <m:rPr>
+                                <m:sty m:val="p"/>
+                              </m:rPr>
+                              <a:rPr lang="en-US" sz="2800" b="0" i="0" smtClean="0">
+                                <a:solidFill>
+                                  <a:srgbClr val="660066"/>
+                                </a:solidFill>
+                                <a:latin typeface="Cambria Math" panose="02040503050406030204" pitchFamily="18" charset="0"/>
+                              </a:rPr>
+                              <m:t>log</m:t>
+                            </m:r>
+                          </m:fName>
+                          <m:e>
+                            <m:d>
+                              <m:dPr>
+                                <m:ctrlPr>
+                                  <a:rPr lang="en-US" sz="2800" b="0" i="1" smtClean="0">
+                                    <a:solidFill>
+                                      <a:srgbClr val="660066"/>
+                                    </a:solidFill>
+                                    <a:latin typeface="Cambria Math" panose="02040503050406030204" pitchFamily="18" charset="0"/>
+                                  </a:rPr>
+                                </m:ctrlPr>
+                              </m:dPr>
+                              <m:e>
+                                <m:sSub>
+                                  <m:sSubPr>
+                                    <m:ctrlPr>
+                                      <a:rPr lang="en-US" sz="2800" b="0" i="1" smtClean="0">
+                                        <a:solidFill>
+                                          <a:srgbClr val="660066"/>
+                                        </a:solidFill>
+                                        <a:latin typeface="Cambria Math" panose="02040503050406030204" pitchFamily="18" charset="0"/>
+                                      </a:rPr>
+                                    </m:ctrlPr>
+                                  </m:sSubPr>
+                                  <m:e>
+                                    <m:r>
+                                      <a:rPr lang="en-US" sz="2800" b="0" i="1" smtClean="0">
+                                        <a:solidFill>
+                                          <a:srgbClr val="660066"/>
+                                        </a:solidFill>
+                                        <a:latin typeface="Cambria Math" panose="02040503050406030204" pitchFamily="18" charset="0"/>
+                                      </a:rPr>
+                                      <m:t>𝐿</m:t>
+                                    </m:r>
+                                  </m:e>
+                                  <m:sub>
+                                    <m:r>
+                                      <a:rPr lang="en-US" sz="2800" b="0" i="1" smtClean="0">
+                                        <a:solidFill>
+                                          <a:srgbClr val="660066"/>
+                                        </a:solidFill>
+                                        <a:latin typeface="Cambria Math" panose="02040503050406030204" pitchFamily="18" charset="0"/>
+                                      </a:rPr>
+                                      <m:t>0</m:t>
+                                    </m:r>
+                                  </m:sub>
+                                </m:sSub>
+                              </m:e>
+                            </m:d>
+                          </m:e>
+                        </m:func>
+                        <m:r>
+                          <a:rPr lang="en-US" sz="2800" b="0" i="1" smtClean="0">
+                            <a:solidFill>
+                              <a:srgbClr val="660066"/>
+                            </a:solidFill>
+                            <a:latin typeface="Cambria Math" panose="02040503050406030204" pitchFamily="18" charset="0"/>
+                          </a:rPr>
+                          <m:t>−</m:t>
+                        </m:r>
+                        <m:func>
+                          <m:funcPr>
+                            <m:ctrlPr>
+                              <a:rPr lang="en-US" sz="2800" b="0" i="1" smtClean="0">
+                                <a:solidFill>
+                                  <a:srgbClr val="660066"/>
+                                </a:solidFill>
+                                <a:latin typeface="Cambria Math" panose="02040503050406030204" pitchFamily="18" charset="0"/>
+                              </a:rPr>
+                            </m:ctrlPr>
+                          </m:funcPr>
+                          <m:fName>
+                            <m:r>
+                              <m:rPr>
+                                <m:sty m:val="p"/>
+                              </m:rPr>
+                              <a:rPr lang="en-US" sz="2800" b="0" i="0" smtClean="0">
+                                <a:solidFill>
+                                  <a:srgbClr val="660066"/>
+                                </a:solidFill>
+                                <a:latin typeface="Cambria Math" panose="02040503050406030204" pitchFamily="18" charset="0"/>
+                              </a:rPr>
+                              <m:t>log</m:t>
+                            </m:r>
+                          </m:fName>
+                          <m:e>
+                            <m:d>
+                              <m:dPr>
+                                <m:ctrlPr>
+                                  <a:rPr lang="en-US" sz="2800" b="0" i="1" smtClean="0">
+                                    <a:solidFill>
+                                      <a:srgbClr val="660066"/>
+                                    </a:solidFill>
+                                    <a:latin typeface="Cambria Math" panose="02040503050406030204" pitchFamily="18" charset="0"/>
+                                  </a:rPr>
+                                </m:ctrlPr>
+                              </m:dPr>
+                              <m:e>
+                                <m:r>
+                                  <a:rPr lang="en-US" sz="2800" b="0" i="1" smtClean="0">
+                                    <a:solidFill>
+                                      <a:srgbClr val="660066"/>
+                                    </a:solidFill>
+                                    <a:latin typeface="Cambria Math" panose="02040503050406030204" pitchFamily="18" charset="0"/>
+                                  </a:rPr>
+                                  <m:t>𝐿</m:t>
+                                </m:r>
+                              </m:e>
+                            </m:d>
+                          </m:e>
+                        </m:func>
+                      </m:e>
+                    </m:d>
+                    <m:r>
+                      <a:rPr lang="en-US" sz="2800" b="0" i="1" smtClean="0">
+                        <a:solidFill>
+                          <a:srgbClr val="660066"/>
+                        </a:solidFill>
+                        <a:latin typeface="Cambria Math" panose="02040503050406030204" pitchFamily="18" charset="0"/>
+                      </a:rPr>
+                      <m:t>=−2∗</m:t>
+                    </m:r>
+                    <m:func>
+                      <m:funcPr>
+                        <m:ctrlPr>
+                          <a:rPr lang="en-US" sz="2800" b="0" i="1" smtClean="0">
+                            <a:solidFill>
+                              <a:srgbClr val="660066"/>
+                            </a:solidFill>
+                            <a:latin typeface="Cambria Math" panose="02040503050406030204" pitchFamily="18" charset="0"/>
+                          </a:rPr>
+                        </m:ctrlPr>
+                      </m:funcPr>
+                      <m:fName>
+                        <m:r>
+                          <m:rPr>
+                            <m:sty m:val="p"/>
+                          </m:rPr>
+                          <a:rPr lang="en-US" sz="2800" b="0" i="0" smtClean="0">
+                            <a:solidFill>
+                              <a:srgbClr val="660066"/>
+                            </a:solidFill>
+                            <a:latin typeface="Cambria Math" panose="02040503050406030204" pitchFamily="18" charset="0"/>
+                          </a:rPr>
+                          <m:t>log</m:t>
+                        </m:r>
+                      </m:fName>
+                      <m:e>
+                        <m:d>
+                          <m:dPr>
+                            <m:ctrlPr>
+                              <a:rPr lang="en-US" sz="2800" b="0" i="1" smtClean="0">
+                                <a:solidFill>
+                                  <a:srgbClr val="660066"/>
+                                </a:solidFill>
+                                <a:latin typeface="Cambria Math" panose="02040503050406030204" pitchFamily="18" charset="0"/>
+                              </a:rPr>
+                            </m:ctrlPr>
+                          </m:dPr>
+                          <m:e>
+                            <m:f>
+                              <m:fPr>
+                                <m:ctrlPr>
+                                  <a:rPr lang="en-US" sz="2800" b="0" i="1" smtClean="0">
+                                    <a:solidFill>
+                                      <a:srgbClr val="660066"/>
+                                    </a:solidFill>
+                                    <a:latin typeface="Cambria Math" panose="02040503050406030204" pitchFamily="18" charset="0"/>
+                                  </a:rPr>
+                                </m:ctrlPr>
+                              </m:fPr>
+                              <m:num>
+                                <m:sSub>
+                                  <m:sSubPr>
+                                    <m:ctrlPr>
+                                      <a:rPr lang="en-US" sz="2800" b="0" i="1" smtClean="0">
+                                        <a:solidFill>
+                                          <a:srgbClr val="660066"/>
+                                        </a:solidFill>
+                                        <a:latin typeface="Cambria Math" panose="02040503050406030204" pitchFamily="18" charset="0"/>
+                                      </a:rPr>
+                                    </m:ctrlPr>
+                                  </m:sSubPr>
+                                  <m:e>
+                                    <m:r>
+                                      <a:rPr lang="en-US" sz="2800" b="0" i="1" smtClean="0">
+                                        <a:solidFill>
+                                          <a:srgbClr val="660066"/>
+                                        </a:solidFill>
+                                        <a:latin typeface="Cambria Math" panose="02040503050406030204" pitchFamily="18" charset="0"/>
+                                      </a:rPr>
+                                      <m:t>𝐿</m:t>
+                                    </m:r>
+                                  </m:e>
+                                  <m:sub>
+                                    <m:r>
+                                      <a:rPr lang="en-US" sz="2800" b="0" i="1" smtClean="0">
+                                        <a:solidFill>
+                                          <a:srgbClr val="660066"/>
+                                        </a:solidFill>
+                                        <a:latin typeface="Cambria Math" panose="02040503050406030204" pitchFamily="18" charset="0"/>
+                                      </a:rPr>
+                                      <m:t>0</m:t>
+                                    </m:r>
+                                  </m:sub>
+                                </m:sSub>
+                              </m:num>
+                              <m:den>
+                                <m:r>
+                                  <a:rPr lang="en-US" sz="2800" b="0" i="1" smtClean="0">
+                                    <a:solidFill>
+                                      <a:srgbClr val="660066"/>
+                                    </a:solidFill>
+                                    <a:latin typeface="Cambria Math" panose="02040503050406030204" pitchFamily="18" charset="0"/>
+                                  </a:rPr>
+                                  <m:t>𝐿</m:t>
+                                </m:r>
+                              </m:den>
+                            </m:f>
+                          </m:e>
+                        </m:d>
+                      </m:e>
+                    </m:func>
+                    <m:r>
+                      <a:rPr lang="en-US" sz="2800" b="0" i="1" smtClean="0">
+                        <a:solidFill>
+                          <a:srgbClr val="660066"/>
+                        </a:solidFill>
+                        <a:latin typeface="Cambria Math" panose="02040503050406030204" pitchFamily="18" charset="0"/>
+                      </a:rPr>
+                      <m:t> </m:t>
+                    </m:r>
+                  </m:oMath>
+                </a14:m>
+                <a:endParaRPr lang="en-US" sz="2800" dirty="0">
+                  <a:solidFill>
+                    <a:srgbClr val="660066"/>
+                  </a:solidFill>
+                </a:endParaRPr>
+              </a:p>
+            </p:txBody>
+          </p:sp>
+        </mc:Choice>
+        <mc:Fallback>
+          <p:sp>
+            <p:nvSpPr>
+              <p:cNvPr id="7" name="TextBox 6">
+                <a:extLst>
+                  <a:ext uri="{FF2B5EF4-FFF2-40B4-BE49-F238E27FC236}">
+                    <a16:creationId xmlns:a16="http://schemas.microsoft.com/office/drawing/2014/main" id="{D9B238EA-D04E-3255-7509-F990F1A8F309}"/>
+                  </a:ext>
+                </a:extLst>
+              </p:cNvPr>
+              <p:cNvSpPr txBox="1">
+                <a:spLocks noRot="1" noChangeAspect="1" noMove="1" noResize="1" noEditPoints="1" noAdjustHandles="1" noChangeArrowheads="1" noChangeShapeType="1" noTextEdit="1"/>
+              </p:cNvSpPr>
+              <p:nvPr/>
+            </p:nvSpPr>
+            <p:spPr>
+              <a:xfrm>
+                <a:off x="533400" y="1981200"/>
+                <a:ext cx="11201400" cy="4152698"/>
+              </a:xfrm>
+              <a:prstGeom prst="roundRect">
+                <a:avLst/>
+              </a:prstGeom>
+              <a:blipFill>
+                <a:blip r:embed="rId3"/>
+                <a:stretch>
+                  <a:fillRect/>
+                </a:stretch>
+              </a:blipFill>
+              <a:ln w="76200">
+                <a:solidFill>
+                  <a:srgbClr val="FFC416"/>
+                </a:solidFill>
+              </a:ln>
+            </p:spPr>
+            <p:txBody>
+              <a:bodyPr/>
+              <a:lstStyle/>
+              <a:p>
+                <a:r>
+                  <a:rPr lang="en-US">
+                    <a:noFill/>
+                  </a:rPr>
+                  <a:t> </a:t>
+                </a:r>
+              </a:p>
+            </p:txBody>
+          </p:sp>
+        </mc:Fallback>
+      </mc:AlternateContent>
+    </p:spTree>
+    <p:extLst>
+      <p:ext uri="{BB962C8B-B14F-4D97-AF65-F5344CB8AC3E}">
+        <p14:creationId xmlns:p14="http://schemas.microsoft.com/office/powerpoint/2010/main" val="1946125081"/>
+      </p:ext>
+    </p:extLst>
+  </p:cSld>
+  <p:clrMapOvr>
+    <a:masterClrMapping/>
+  </p:clrMapOvr>
+</p:sld>
+</file>
+
+<file path=ppt/slides/slide24.xml><?xml version="1.0" encoding="utf-8"?>
+<p:sld xmlns:a="http://schemas.openxmlformats.org/drawingml/2006/main" xmlns:r="http://schemas.openxmlformats.org/officeDocument/2006/relationships" xmlns:p="http://schemas.openxmlformats.org/presentationml/2006/main">
+  <p:cSld>
+    <p:spTree>
+      <p:nvGrpSpPr>
+        <p:cNvPr id="1" name=""/>
+        <p:cNvGrpSpPr/>
+        <p:nvPr/>
+      </p:nvGrpSpPr>
+      <p:grpSpPr>
+        <a:xfrm>
+          <a:off x="0" y="0"/>
+          <a:ext cx="0" cy="0"/>
+          <a:chOff x="0" y="0"/>
+          <a:chExt cx="0" cy="0"/>
+        </a:xfrm>
+      </p:grpSpPr>
+      <p:pic>
+        <p:nvPicPr>
+          <p:cNvPr id="2" name="Picture 10" descr="Mario Pattern">
+            <a:extLst>
+              <a:ext uri="{FF2B5EF4-FFF2-40B4-BE49-F238E27FC236}">
+                <a16:creationId xmlns:a16="http://schemas.microsoft.com/office/drawing/2014/main" id="{8F84FFD9-23AF-75F7-6DAA-904525952142}"/>
+              </a:ext>
+            </a:extLst>
+          </p:cNvPr>
+          <p:cNvPicPr>
+            <a:picLocks noChangeAspect="1" noChangeArrowheads="1"/>
+          </p:cNvPicPr>
+          <p:nvPr/>
+        </p:nvPicPr>
+        <p:blipFill rotWithShape="1">
+          <a:blip r:embed="rId2">
+            <a:alphaModFix amt="47000"/>
+            <a:extLst>
+              <a:ext uri="{28A0092B-C50C-407E-A947-70E740481C1C}">
+                <a14:useLocalDpi xmlns:a14="http://schemas.microsoft.com/office/drawing/2010/main" val="0"/>
+              </a:ext>
+            </a:extLst>
+          </a:blip>
+          <a:srcRect l="4595" r="6699"/>
+          <a:stretch/>
+        </p:blipFill>
+        <p:spPr bwMode="auto">
+          <a:xfrm>
+            <a:off x="0" y="-2057400"/>
+            <a:ext cx="12192000" cy="10308201"/>
+          </a:xfrm>
+          <a:prstGeom prst="rect">
+            <a:avLst/>
+          </a:prstGeom>
+          <a:noFill/>
+          <a:extLst>
+            <a:ext uri="{909E8E84-426E-40DD-AFC4-6F175D3DCCD1}">
+              <a14:hiddenFill xmlns:a14="http://schemas.microsoft.com/office/drawing/2010/main">
+                <a:solidFill>
+                  <a:srgbClr val="FFFFFF"/>
+                </a:solidFill>
+              </a14:hiddenFill>
+            </a:ext>
+          </a:extLst>
+        </p:spPr>
+      </p:pic>
+      <p:sp>
+        <p:nvSpPr>
+          <p:cNvPr id="12" name="Line 11"/>
+          <p:cNvSpPr>
+            <a:spLocks noChangeShapeType="1"/>
+          </p:cNvSpPr>
+          <p:nvPr/>
+        </p:nvSpPr>
+        <p:spPr bwMode="auto">
+          <a:xfrm flipV="1">
+            <a:off x="6972300" y="5109836"/>
+            <a:ext cx="609600" cy="533400"/>
+          </a:xfrm>
+          <a:prstGeom prst="line">
+            <a:avLst/>
+          </a:prstGeom>
+          <a:noFill/>
+          <a:ln w="38100">
+            <a:solidFill>
+              <a:srgbClr val="FFFF66"/>
+            </a:solidFill>
+            <a:round/>
+            <a:headEnd/>
+            <a:tailEnd type="triangle" w="med" len="med"/>
+          </a:ln>
+          <a:extLst>
+            <a:ext uri="{909E8E84-426E-40DD-AFC4-6F175D3DCCD1}">
+              <a14:hiddenFill xmlns:a14="http://schemas.microsoft.com/office/drawing/2010/main">
+                <a:noFill/>
+              </a14:hiddenFill>
+            </a:ext>
+          </a:extLst>
+        </p:spPr>
+        <p:txBody>
+          <a:bodyPr wrap="square">
+            <a:spAutoFit/>
+          </a:bodyPr>
+          <a:lstStyle/>
+          <a:p>
+            <a:endParaRPr lang="en-US"/>
+          </a:p>
+        </p:txBody>
+      </p:sp>
+      <p:sp>
+        <p:nvSpPr>
+          <p:cNvPr id="6" name="TextBox 5">
+            <a:extLst>
+              <a:ext uri="{FF2B5EF4-FFF2-40B4-BE49-F238E27FC236}">
+                <a16:creationId xmlns:a16="http://schemas.microsoft.com/office/drawing/2014/main" id="{4F2DA592-D8EB-70BA-2112-6C13A4E7B393}"/>
+              </a:ext>
+            </a:extLst>
+          </p:cNvPr>
+          <p:cNvSpPr txBox="1"/>
+          <p:nvPr/>
+        </p:nvSpPr>
+        <p:spPr>
+          <a:xfrm>
+            <a:off x="457200" y="609600"/>
+            <a:ext cx="11201400" cy="919401"/>
+          </a:xfrm>
+          <a:prstGeom prst="roundRect">
+            <a:avLst/>
+          </a:prstGeom>
+          <a:solidFill>
+            <a:schemeClr val="bg1">
+              <a:alpha val="70000"/>
+            </a:schemeClr>
+          </a:solidFill>
+          <a:ln w="76200">
+            <a:solidFill>
+              <a:srgbClr val="FFC416"/>
+            </a:solidFill>
+          </a:ln>
+        </p:spPr>
+        <p:style>
+          <a:lnRef idx="2">
+            <a:schemeClr val="dk1"/>
+          </a:lnRef>
+          <a:fillRef idx="1">
+            <a:schemeClr val="lt1"/>
+          </a:fillRef>
+          <a:effectRef idx="0">
+            <a:schemeClr val="dk1"/>
+          </a:effectRef>
+          <a:fontRef idx="minor">
+            <a:schemeClr val="dk1"/>
+          </a:fontRef>
+        </p:style>
+        <p:txBody>
+          <a:bodyPr wrap="square" rtlCol="0">
+            <a:spAutoFit/>
+          </a:bodyPr>
+          <a:lstStyle/>
+          <a:p>
+            <a:pPr algn="ctr"/>
+            <a:r>
+              <a:rPr lang="en-US" sz="4800" b="1" dirty="0">
+                <a:solidFill>
+                  <a:srgbClr val="2D3A37"/>
+                </a:solidFill>
+                <a:latin typeface="Adobe Devanagari" panose="02040503050201020203" pitchFamily="18" charset="0"/>
+                <a:cs typeface="Adobe Devanagari" panose="02040503050201020203" pitchFamily="18" charset="0"/>
+              </a:rPr>
+              <a:t>Likelihood Ratio Test</a:t>
+            </a:r>
+            <a:endParaRPr lang="en-US" sz="4800" dirty="0">
+              <a:solidFill>
+                <a:srgbClr val="2D3A37"/>
+              </a:solidFill>
+            </a:endParaRPr>
+          </a:p>
+        </p:txBody>
+      </p:sp>
+      <mc:AlternateContent xmlns:mc="http://schemas.openxmlformats.org/markup-compatibility/2006">
+        <mc:Choice xmlns:a14="http://schemas.microsoft.com/office/drawing/2010/main" Requires="a14">
+          <p:sp>
+            <p:nvSpPr>
+              <p:cNvPr id="7" name="TextBox 6">
+                <a:extLst>
+                  <a:ext uri="{FF2B5EF4-FFF2-40B4-BE49-F238E27FC236}">
+                    <a16:creationId xmlns:a16="http://schemas.microsoft.com/office/drawing/2014/main" id="{D9B238EA-D04E-3255-7509-F990F1A8F309}"/>
+                  </a:ext>
+                </a:extLst>
+              </p:cNvPr>
+              <p:cNvSpPr txBox="1"/>
+              <p:nvPr/>
+            </p:nvSpPr>
+            <p:spPr>
+              <a:xfrm>
+                <a:off x="533400" y="1981200"/>
+                <a:ext cx="11201400" cy="4869418"/>
+              </a:xfrm>
+              <a:prstGeom prst="roundRect">
+                <a:avLst/>
+              </a:prstGeom>
+              <a:solidFill>
+                <a:schemeClr val="bg1"/>
+              </a:solidFill>
+              <a:ln w="76200">
+                <a:solidFill>
+                  <a:srgbClr val="FFC416"/>
+                </a:solidFill>
+              </a:ln>
+            </p:spPr>
+            <p:style>
+              <a:lnRef idx="2">
+                <a:schemeClr val="dk1"/>
+              </a:lnRef>
+              <a:fillRef idx="1">
+                <a:schemeClr val="lt1"/>
+              </a:fillRef>
+              <a:effectRef idx="0">
+                <a:schemeClr val="dk1"/>
+              </a:effectRef>
+              <a:fontRef idx="minor">
+                <a:schemeClr val="dk1"/>
+              </a:fontRef>
+            </p:style>
+            <p:txBody>
+              <a:bodyPr wrap="square" rtlCol="0">
+                <a:spAutoFit/>
+              </a:bodyPr>
+              <a:lstStyle/>
+              <a:p>
+                <a:pPr marL="457200" indent="-457200">
+                  <a:buFont typeface="Arial" panose="020B0604020202020204" pitchFamily="34" charset="0"/>
+                  <a:buChar char="•"/>
+                </a:pPr>
+                <a:r>
+                  <a:rPr lang="en-US" sz="2800" dirty="0">
+                    <a:solidFill>
+                      <a:srgbClr val="660066"/>
+                    </a:solidFill>
+                  </a:rPr>
+                  <a:t>P-value</a:t>
+                </a:r>
+              </a:p>
+              <a:p>
+                <a:pPr marL="914400" lvl="1" indent="-457200">
+                  <a:buFont typeface="Arial" panose="020B0604020202020204" pitchFamily="34" charset="0"/>
+                  <a:buChar char="•"/>
+                </a:pPr>
+                <a:r>
+                  <a:rPr lang="en-US" sz="2800" dirty="0">
+                    <a:solidFill>
+                      <a:srgbClr val="660066"/>
+                    </a:solidFill>
+                  </a:rPr>
+                  <a:t>Use Chi-Squared Distribution</a:t>
+                </a:r>
+              </a:p>
+              <a:p>
+                <a:pPr marL="914400" lvl="1" indent="-457200">
+                  <a:buFont typeface="Arial" panose="020B0604020202020204" pitchFamily="34" charset="0"/>
+                  <a:buChar char="•"/>
+                </a:pPr>
+                <a:r>
+                  <a:rPr lang="en-US" sz="2800" dirty="0">
+                    <a:solidFill>
+                      <a:srgbClr val="660066"/>
+                    </a:solidFill>
+                  </a:rPr>
+                  <a:t>Degrees of Freedom for Chi-Squared is 1 When Full Model has 1 Predictor</a:t>
+                </a:r>
+              </a:p>
+              <a:p>
+                <a:pPr marL="914400" lvl="1" indent="-457200">
+                  <a:buFont typeface="Arial" panose="020B0604020202020204" pitchFamily="34" charset="0"/>
+                  <a:buChar char="•"/>
+                </a:pPr>
+                <a:endParaRPr lang="en-US" sz="2800" dirty="0">
+                  <a:solidFill>
+                    <a:srgbClr val="660066"/>
+                  </a:solidFill>
+                </a:endParaRPr>
+              </a:p>
+              <a:p>
+                <a:pPr marL="457200" indent="-457200">
+                  <a:buFont typeface="Arial" panose="020B0604020202020204" pitchFamily="34" charset="0"/>
+                  <a:buChar char="•"/>
+                </a:pPr>
+                <a:r>
+                  <a:rPr lang="en-US" sz="2800" dirty="0">
+                    <a:solidFill>
+                      <a:srgbClr val="660066"/>
+                    </a:solidFill>
+                  </a:rPr>
+                  <a:t>Hypotheses the Same as Previous Test</a:t>
+                </a:r>
+              </a:p>
+              <a:p>
+                <a:pPr marL="914400" lvl="1" indent="-457200">
+                  <a:buFont typeface="Arial" panose="020B0604020202020204" pitchFamily="34" charset="0"/>
+                  <a:buChar char="•"/>
+                </a:pPr>
+                <a14:m>
+                  <m:oMath xmlns:m="http://schemas.openxmlformats.org/officeDocument/2006/math">
+                    <m:sSub>
+                      <m:sSubPr>
+                        <m:ctrlPr>
+                          <a:rPr lang="en-US" sz="2800" b="0" i="1" smtClean="0">
+                            <a:solidFill>
+                              <a:srgbClr val="660066"/>
+                            </a:solidFill>
+                            <a:latin typeface="Cambria Math" panose="02040503050406030204" pitchFamily="18" charset="0"/>
+                          </a:rPr>
+                        </m:ctrlPr>
+                      </m:sSubPr>
+                      <m:e>
+                        <m:r>
+                          <a:rPr lang="en-US" sz="2800" b="0" i="1" smtClean="0">
+                            <a:solidFill>
+                              <a:srgbClr val="660066"/>
+                            </a:solidFill>
+                            <a:latin typeface="Cambria Math" panose="02040503050406030204" pitchFamily="18" charset="0"/>
+                          </a:rPr>
+                          <m:t>𝐻</m:t>
+                        </m:r>
+                      </m:e>
+                      <m:sub>
+                        <m:r>
+                          <a:rPr lang="en-US" sz="2800" b="0" i="1" smtClean="0">
+                            <a:solidFill>
+                              <a:srgbClr val="660066"/>
+                            </a:solidFill>
+                            <a:latin typeface="Cambria Math" panose="02040503050406030204" pitchFamily="18" charset="0"/>
+                          </a:rPr>
+                          <m:t>0</m:t>
+                        </m:r>
+                      </m:sub>
+                    </m:sSub>
+                    <m:r>
+                      <a:rPr lang="en-US" sz="2800" b="0" i="1" smtClean="0">
+                        <a:solidFill>
+                          <a:srgbClr val="660066"/>
+                        </a:solidFill>
+                        <a:latin typeface="Cambria Math" panose="02040503050406030204" pitchFamily="18" charset="0"/>
+                      </a:rPr>
+                      <m:t>:</m:t>
+                    </m:r>
+                    <m:sSub>
+                      <m:sSubPr>
+                        <m:ctrlPr>
+                          <a:rPr lang="en-US" sz="2800" b="0" i="1" smtClean="0">
+                            <a:solidFill>
+                              <a:srgbClr val="660066"/>
+                            </a:solidFill>
+                            <a:latin typeface="Cambria Math" panose="02040503050406030204" pitchFamily="18" charset="0"/>
+                          </a:rPr>
+                        </m:ctrlPr>
+                      </m:sSubPr>
+                      <m:e>
+                        <m:r>
+                          <a:rPr lang="en-US" sz="2800" b="0" i="1" smtClean="0">
+                            <a:solidFill>
+                              <a:srgbClr val="660066"/>
+                            </a:solidFill>
+                            <a:latin typeface="Cambria Math" panose="02040503050406030204" pitchFamily="18" charset="0"/>
+                          </a:rPr>
+                          <m:t>𝛽</m:t>
+                        </m:r>
+                      </m:e>
+                      <m:sub>
+                        <m:r>
+                          <a:rPr lang="en-US" sz="2800" b="0" i="1" smtClean="0">
+                            <a:solidFill>
+                              <a:srgbClr val="660066"/>
+                            </a:solidFill>
+                            <a:latin typeface="Cambria Math" panose="02040503050406030204" pitchFamily="18" charset="0"/>
+                          </a:rPr>
+                          <m:t>1</m:t>
+                        </m:r>
+                      </m:sub>
+                    </m:sSub>
+                    <m:r>
+                      <a:rPr lang="en-US" sz="2800" b="0" i="1" smtClean="0">
+                        <a:solidFill>
+                          <a:srgbClr val="660066"/>
+                        </a:solidFill>
+                        <a:latin typeface="Cambria Math" panose="02040503050406030204" pitchFamily="18" charset="0"/>
+                      </a:rPr>
+                      <m:t>=0</m:t>
+                    </m:r>
+                  </m:oMath>
+                </a14:m>
+                <a:endParaRPr lang="en-US" sz="2800" dirty="0">
+                  <a:solidFill>
+                    <a:srgbClr val="660066"/>
+                  </a:solidFill>
+                </a:endParaRPr>
+              </a:p>
+              <a:p>
+                <a:pPr marL="914400" lvl="1" indent="-457200">
+                  <a:buFont typeface="Arial" panose="020B0604020202020204" pitchFamily="34" charset="0"/>
+                  <a:buChar char="•"/>
+                </a:pPr>
+                <a14:m>
+                  <m:oMath xmlns:m="http://schemas.openxmlformats.org/officeDocument/2006/math">
+                    <m:sSub>
+                      <m:sSubPr>
+                        <m:ctrlPr>
+                          <a:rPr lang="en-US" sz="2800" b="0" i="1" smtClean="0">
+                            <a:solidFill>
+                              <a:srgbClr val="660066"/>
+                            </a:solidFill>
+                            <a:latin typeface="Cambria Math" panose="02040503050406030204" pitchFamily="18" charset="0"/>
+                          </a:rPr>
+                        </m:ctrlPr>
+                      </m:sSubPr>
+                      <m:e>
+                        <m:r>
+                          <a:rPr lang="en-US" sz="2800" b="0" i="1" smtClean="0">
+                            <a:solidFill>
+                              <a:srgbClr val="660066"/>
+                            </a:solidFill>
+                            <a:latin typeface="Cambria Math" panose="02040503050406030204" pitchFamily="18" charset="0"/>
+                          </a:rPr>
+                          <m:t>𝐻</m:t>
+                        </m:r>
+                      </m:e>
+                      <m:sub>
+                        <m:r>
+                          <a:rPr lang="en-US" sz="2800" b="0" i="1" smtClean="0">
+                            <a:solidFill>
+                              <a:srgbClr val="660066"/>
+                            </a:solidFill>
+                            <a:latin typeface="Cambria Math" panose="02040503050406030204" pitchFamily="18" charset="0"/>
+                          </a:rPr>
+                          <m:t>𝑎</m:t>
+                        </m:r>
+                      </m:sub>
+                    </m:sSub>
+                    <m:r>
+                      <a:rPr lang="en-US" sz="2800" b="0" i="1" smtClean="0">
+                        <a:solidFill>
+                          <a:srgbClr val="660066"/>
+                        </a:solidFill>
+                        <a:latin typeface="Cambria Math" panose="02040503050406030204" pitchFamily="18" charset="0"/>
+                      </a:rPr>
+                      <m:t>:</m:t>
+                    </m:r>
+                    <m:sSub>
+                      <m:sSubPr>
+                        <m:ctrlPr>
+                          <a:rPr lang="en-US" sz="2800" b="0" i="1" smtClean="0">
+                            <a:solidFill>
+                              <a:srgbClr val="660066"/>
+                            </a:solidFill>
+                            <a:latin typeface="Cambria Math" panose="02040503050406030204" pitchFamily="18" charset="0"/>
+                          </a:rPr>
+                        </m:ctrlPr>
+                      </m:sSubPr>
+                      <m:e>
+                        <m:r>
+                          <a:rPr lang="en-US" sz="2800" b="0" i="1" smtClean="0">
+                            <a:solidFill>
+                              <a:srgbClr val="660066"/>
+                            </a:solidFill>
+                            <a:latin typeface="Cambria Math" panose="02040503050406030204" pitchFamily="18" charset="0"/>
+                          </a:rPr>
+                          <m:t>𝛽</m:t>
+                        </m:r>
+                      </m:e>
+                      <m:sub>
+                        <m:r>
+                          <a:rPr lang="en-US" sz="2800" b="0" i="1" smtClean="0">
+                            <a:solidFill>
+                              <a:srgbClr val="660066"/>
+                            </a:solidFill>
+                            <a:latin typeface="Cambria Math" panose="02040503050406030204" pitchFamily="18" charset="0"/>
+                          </a:rPr>
+                          <m:t>1</m:t>
+                        </m:r>
+                      </m:sub>
+                    </m:sSub>
+                    <m:r>
+                      <a:rPr lang="en-US" sz="2800" b="0" i="1" smtClean="0">
+                        <a:solidFill>
+                          <a:srgbClr val="660066"/>
+                        </a:solidFill>
+                        <a:latin typeface="Cambria Math" panose="02040503050406030204" pitchFamily="18" charset="0"/>
+                      </a:rPr>
+                      <m:t>≠0</m:t>
+                    </m:r>
+                  </m:oMath>
+                </a14:m>
+                <a:endParaRPr lang="en-US" sz="2800" b="0" dirty="0">
+                  <a:solidFill>
+                    <a:srgbClr val="660066"/>
+                  </a:solidFill>
+                </a:endParaRPr>
+              </a:p>
+              <a:p>
+                <a:pPr marL="914400" lvl="1" indent="-457200">
+                  <a:buFont typeface="Arial" panose="020B0604020202020204" pitchFamily="34" charset="0"/>
+                  <a:buChar char="•"/>
+                </a:pPr>
+                <a:endParaRPr lang="en-US" sz="2800" dirty="0">
+                  <a:solidFill>
+                    <a:srgbClr val="660066"/>
+                  </a:solidFill>
+                </a:endParaRPr>
+              </a:p>
+              <a:p>
+                <a:pPr marL="457200" indent="-457200">
+                  <a:buFont typeface="Arial" panose="020B0604020202020204" pitchFamily="34" charset="0"/>
+                  <a:buChar char="•"/>
+                </a:pPr>
+                <a:r>
+                  <a:rPr lang="en-US" sz="2800" dirty="0">
+                    <a:solidFill>
+                      <a:srgbClr val="660066"/>
+                    </a:solidFill>
+                  </a:rPr>
+                  <a:t>Testing Same Hypothesis Test but Trust LRT Over Previous Test</a:t>
+                </a:r>
+              </a:p>
+            </p:txBody>
+          </p:sp>
+        </mc:Choice>
+        <mc:Fallback>
+          <p:sp>
+            <p:nvSpPr>
+              <p:cNvPr id="7" name="TextBox 6">
+                <a:extLst>
+                  <a:ext uri="{FF2B5EF4-FFF2-40B4-BE49-F238E27FC236}">
+                    <a16:creationId xmlns:a16="http://schemas.microsoft.com/office/drawing/2014/main" id="{D9B238EA-D04E-3255-7509-F990F1A8F309}"/>
+                  </a:ext>
+                </a:extLst>
+              </p:cNvPr>
+              <p:cNvSpPr txBox="1">
+                <a:spLocks noRot="1" noChangeAspect="1" noMove="1" noResize="1" noEditPoints="1" noAdjustHandles="1" noChangeArrowheads="1" noChangeShapeType="1" noTextEdit="1"/>
+              </p:cNvSpPr>
+              <p:nvPr/>
+            </p:nvSpPr>
+            <p:spPr>
+              <a:xfrm>
+                <a:off x="533400" y="1981200"/>
+                <a:ext cx="11201400" cy="4869418"/>
+              </a:xfrm>
+              <a:prstGeom prst="roundRect">
+                <a:avLst/>
+              </a:prstGeom>
+              <a:blipFill>
+                <a:blip r:embed="rId3"/>
+                <a:stretch>
+                  <a:fillRect/>
+                </a:stretch>
+              </a:blipFill>
+              <a:ln w="76200">
+                <a:solidFill>
+                  <a:srgbClr val="FFC416"/>
+                </a:solidFill>
+              </a:ln>
+            </p:spPr>
+            <p:txBody>
+              <a:bodyPr/>
+              <a:lstStyle/>
+              <a:p>
+                <a:r>
+                  <a:rPr lang="en-US">
+                    <a:noFill/>
+                  </a:rPr>
+                  <a:t> </a:t>
+                </a:r>
+              </a:p>
+            </p:txBody>
+          </p:sp>
+        </mc:Fallback>
+      </mc:AlternateContent>
+    </p:spTree>
+    <p:extLst>
+      <p:ext uri="{BB962C8B-B14F-4D97-AF65-F5344CB8AC3E}">
+        <p14:creationId xmlns:p14="http://schemas.microsoft.com/office/powerpoint/2010/main" val="129570530"/>
+      </p:ext>
+    </p:extLst>
+  </p:cSld>
+  <p:clrMapOvr>
+    <a:masterClrMapping/>
+  </p:clrMapOvr>
+</p:sld>
+</file>
+
+<file path=ppt/slides/slide25.xml><?xml version="1.0" encoding="utf-8"?>
+<p:sld xmlns:a="http://schemas.openxmlformats.org/drawingml/2006/main" xmlns:r="http://schemas.openxmlformats.org/officeDocument/2006/relationships" xmlns:p="http://schemas.openxmlformats.org/presentationml/2006/main">
+  <p:cSld>
+    <p:spTree>
+      <p:nvGrpSpPr>
+        <p:cNvPr id="1" name=""/>
+        <p:cNvGrpSpPr/>
+        <p:nvPr/>
+      </p:nvGrpSpPr>
+      <p:grpSpPr>
+        <a:xfrm>
+          <a:off x="0" y="0"/>
+          <a:ext cx="0" cy="0"/>
+          <a:chOff x="0" y="0"/>
+          <a:chExt cx="0" cy="0"/>
+        </a:xfrm>
+      </p:grpSpPr>
+      <p:pic>
+        <p:nvPicPr>
+          <p:cNvPr id="2" name="Picture 10" descr="Mario Pattern">
+            <a:extLst>
+              <a:ext uri="{FF2B5EF4-FFF2-40B4-BE49-F238E27FC236}">
+                <a16:creationId xmlns:a16="http://schemas.microsoft.com/office/drawing/2014/main" id="{8F84FFD9-23AF-75F7-6DAA-904525952142}"/>
+              </a:ext>
+            </a:extLst>
+          </p:cNvPr>
+          <p:cNvPicPr>
+            <a:picLocks noChangeAspect="1" noChangeArrowheads="1"/>
+          </p:cNvPicPr>
+          <p:nvPr/>
+        </p:nvPicPr>
+        <p:blipFill rotWithShape="1">
+          <a:blip r:embed="rId2">
+            <a:alphaModFix amt="47000"/>
+            <a:extLst>
+              <a:ext uri="{28A0092B-C50C-407E-A947-70E740481C1C}">
+                <a14:useLocalDpi xmlns:a14="http://schemas.microsoft.com/office/drawing/2010/main" val="0"/>
+              </a:ext>
+            </a:extLst>
+          </a:blip>
+          <a:srcRect l="4595" r="6699"/>
+          <a:stretch/>
+        </p:blipFill>
+        <p:spPr bwMode="auto">
+          <a:xfrm>
+            <a:off x="0" y="-2057400"/>
+            <a:ext cx="12192000" cy="10308201"/>
+          </a:xfrm>
+          <a:prstGeom prst="rect">
+            <a:avLst/>
+          </a:prstGeom>
+          <a:noFill/>
+          <a:extLst>
+            <a:ext uri="{909E8E84-426E-40DD-AFC4-6F175D3DCCD1}">
+              <a14:hiddenFill xmlns:a14="http://schemas.microsoft.com/office/drawing/2010/main">
+                <a:solidFill>
+                  <a:srgbClr val="FFFFFF"/>
+                </a:solidFill>
+              </a14:hiddenFill>
+            </a:ext>
+          </a:extLst>
+        </p:spPr>
+      </p:pic>
+      <p:sp>
+        <p:nvSpPr>
+          <p:cNvPr id="12" name="Line 11"/>
+          <p:cNvSpPr>
+            <a:spLocks noChangeShapeType="1"/>
+          </p:cNvSpPr>
+          <p:nvPr/>
+        </p:nvSpPr>
+        <p:spPr bwMode="auto">
+          <a:xfrm flipV="1">
+            <a:off x="6972300" y="5109836"/>
+            <a:ext cx="609600" cy="533400"/>
+          </a:xfrm>
+          <a:prstGeom prst="line">
+            <a:avLst/>
+          </a:prstGeom>
+          <a:noFill/>
+          <a:ln w="38100">
+            <a:solidFill>
+              <a:srgbClr val="FFFF66"/>
+            </a:solidFill>
+            <a:round/>
+            <a:headEnd/>
+            <a:tailEnd type="triangle" w="med" len="med"/>
+          </a:ln>
+          <a:extLst>
+            <a:ext uri="{909E8E84-426E-40DD-AFC4-6F175D3DCCD1}">
+              <a14:hiddenFill xmlns:a14="http://schemas.microsoft.com/office/drawing/2010/main">
+                <a:noFill/>
+              </a14:hiddenFill>
+            </a:ext>
+          </a:extLst>
+        </p:spPr>
+        <p:txBody>
+          <a:bodyPr wrap="square">
+            <a:spAutoFit/>
+          </a:bodyPr>
+          <a:lstStyle/>
+          <a:p>
+            <a:endParaRPr lang="en-US"/>
+          </a:p>
+        </p:txBody>
+      </p:sp>
+      <p:sp>
+        <p:nvSpPr>
+          <p:cNvPr id="6" name="TextBox 5">
+            <a:extLst>
+              <a:ext uri="{FF2B5EF4-FFF2-40B4-BE49-F238E27FC236}">
+                <a16:creationId xmlns:a16="http://schemas.microsoft.com/office/drawing/2014/main" id="{4F2DA592-D8EB-70BA-2112-6C13A4E7B393}"/>
+              </a:ext>
+            </a:extLst>
+          </p:cNvPr>
+          <p:cNvSpPr txBox="1"/>
+          <p:nvPr/>
+        </p:nvSpPr>
+        <p:spPr>
+          <a:xfrm>
+            <a:off x="457200" y="609600"/>
+            <a:ext cx="11201400" cy="919401"/>
+          </a:xfrm>
+          <a:prstGeom prst="roundRect">
+            <a:avLst/>
+          </a:prstGeom>
+          <a:solidFill>
+            <a:schemeClr val="bg1">
+              <a:alpha val="70000"/>
+            </a:schemeClr>
+          </a:solidFill>
+          <a:ln w="76200">
+            <a:solidFill>
+              <a:srgbClr val="FFC416"/>
+            </a:solidFill>
+          </a:ln>
+        </p:spPr>
+        <p:style>
+          <a:lnRef idx="2">
+            <a:schemeClr val="dk1"/>
+          </a:lnRef>
+          <a:fillRef idx="1">
+            <a:schemeClr val="lt1"/>
+          </a:fillRef>
+          <a:effectRef idx="0">
+            <a:schemeClr val="dk1"/>
+          </a:effectRef>
+          <a:fontRef idx="minor">
+            <a:schemeClr val="dk1"/>
+          </a:fontRef>
+        </p:style>
+        <p:txBody>
+          <a:bodyPr wrap="square" rtlCol="0">
+            <a:spAutoFit/>
+          </a:bodyPr>
+          <a:lstStyle/>
+          <a:p>
+            <a:pPr algn="ctr"/>
+            <a:r>
+              <a:rPr lang="en-US" sz="4800" b="1" dirty="0">
+                <a:solidFill>
+                  <a:srgbClr val="2D3A37"/>
+                </a:solidFill>
+                <a:latin typeface="Adobe Devanagari" panose="02040503050201020203" pitchFamily="18" charset="0"/>
+                <a:cs typeface="Adobe Devanagari" panose="02040503050201020203" pitchFamily="18" charset="0"/>
+              </a:rPr>
+              <a:t>Supplement for Lecture 27</a:t>
+            </a:r>
+            <a:endParaRPr lang="en-US" sz="4800" dirty="0">
+              <a:solidFill>
+                <a:srgbClr val="2D3A37"/>
+              </a:solidFill>
+            </a:endParaRPr>
+          </a:p>
+        </p:txBody>
+      </p:sp>
+      <p:sp>
+        <p:nvSpPr>
+          <p:cNvPr id="7" name="TextBox 6">
+            <a:extLst>
+              <a:ext uri="{FF2B5EF4-FFF2-40B4-BE49-F238E27FC236}">
+                <a16:creationId xmlns:a16="http://schemas.microsoft.com/office/drawing/2014/main" id="{D9B238EA-D04E-3255-7509-F990F1A8F309}"/>
+              </a:ext>
+            </a:extLst>
+          </p:cNvPr>
+          <p:cNvSpPr txBox="1"/>
+          <p:nvPr/>
+        </p:nvSpPr>
+        <p:spPr>
+          <a:xfrm>
+            <a:off x="457200" y="1981200"/>
+            <a:ext cx="11201400" cy="3915966"/>
+          </a:xfrm>
+          <a:prstGeom prst="roundRect">
+            <a:avLst/>
+          </a:prstGeom>
+          <a:solidFill>
+            <a:schemeClr val="bg1"/>
+          </a:solidFill>
+          <a:ln w="76200">
+            <a:solidFill>
+              <a:srgbClr val="FFC416"/>
+            </a:solidFill>
+          </a:ln>
+        </p:spPr>
+        <p:style>
+          <a:lnRef idx="2">
+            <a:schemeClr val="dk1"/>
+          </a:lnRef>
+          <a:fillRef idx="1">
+            <a:schemeClr val="lt1"/>
+          </a:fillRef>
+          <a:effectRef idx="0">
+            <a:schemeClr val="dk1"/>
+          </a:effectRef>
+          <a:fontRef idx="minor">
+            <a:schemeClr val="dk1"/>
+          </a:fontRef>
+        </p:style>
+        <p:txBody>
+          <a:bodyPr wrap="square" rtlCol="0">
+            <a:spAutoFit/>
+          </a:bodyPr>
+          <a:lstStyle/>
+          <a:p>
+            <a:pPr marL="457200" indent="-457200">
+              <a:buFont typeface="Arial" panose="020B0604020202020204" pitchFamily="34" charset="0"/>
+              <a:buChar char="•"/>
+            </a:pPr>
+            <a:r>
+              <a:rPr lang="en-US" sz="2800" dirty="0">
+                <a:solidFill>
+                  <a:srgbClr val="660066"/>
+                </a:solidFill>
+              </a:rPr>
+              <a:t>Examine Output from Logistic Regression</a:t>
+            </a:r>
+          </a:p>
+          <a:p>
+            <a:pPr marL="457200" indent="-457200">
+              <a:buFont typeface="Arial" panose="020B0604020202020204" pitchFamily="34" charset="0"/>
+              <a:buChar char="•"/>
+            </a:pPr>
+            <a:endParaRPr lang="en-US" sz="2800" dirty="0">
+              <a:solidFill>
+                <a:srgbClr val="660066"/>
+              </a:solidFill>
+            </a:endParaRPr>
+          </a:p>
+          <a:p>
+            <a:pPr marL="457200" indent="-457200">
+              <a:buFont typeface="Arial" panose="020B0604020202020204" pitchFamily="34" charset="0"/>
+              <a:buChar char="•"/>
+            </a:pPr>
+            <a:r>
+              <a:rPr lang="en-US" sz="2800" dirty="0">
+                <a:solidFill>
+                  <a:srgbClr val="660066"/>
+                </a:solidFill>
+              </a:rPr>
+              <a:t>Get Confidence Intervals for Slope</a:t>
+            </a:r>
+          </a:p>
+          <a:p>
+            <a:pPr marL="457200" indent="-457200">
+              <a:buFont typeface="Arial" panose="020B0604020202020204" pitchFamily="34" charset="0"/>
+              <a:buChar char="•"/>
+            </a:pPr>
+            <a:endParaRPr lang="en-US" sz="2800" dirty="0">
+              <a:solidFill>
+                <a:srgbClr val="660066"/>
+              </a:solidFill>
+            </a:endParaRPr>
+          </a:p>
+          <a:p>
+            <a:pPr marL="457200" indent="-457200">
+              <a:buFont typeface="Arial" panose="020B0604020202020204" pitchFamily="34" charset="0"/>
+              <a:buChar char="•"/>
+            </a:pPr>
+            <a:r>
+              <a:rPr lang="en-US" sz="2800" dirty="0">
+                <a:solidFill>
+                  <a:srgbClr val="660066"/>
+                </a:solidFill>
+              </a:rPr>
+              <a:t>Get Confidence Intervals for Odds Ratio</a:t>
+            </a:r>
+          </a:p>
+          <a:p>
+            <a:pPr marL="457200" indent="-457200">
+              <a:buFont typeface="Arial" panose="020B0604020202020204" pitchFamily="34" charset="0"/>
+              <a:buChar char="•"/>
+            </a:pPr>
+            <a:endParaRPr lang="en-US" sz="2800" dirty="0">
+              <a:solidFill>
+                <a:srgbClr val="660066"/>
+              </a:solidFill>
+            </a:endParaRPr>
+          </a:p>
+          <a:p>
+            <a:pPr marL="457200" indent="-457200">
+              <a:buFont typeface="Arial" panose="020B0604020202020204" pitchFamily="34" charset="0"/>
+              <a:buChar char="•"/>
+            </a:pPr>
+            <a:r>
+              <a:rPr lang="en-US" sz="2800" dirty="0">
+                <a:solidFill>
+                  <a:srgbClr val="660066"/>
+                </a:solidFill>
+              </a:rPr>
+              <a:t>Perform Likelihood Ratio Test</a:t>
+            </a:r>
+          </a:p>
+          <a:p>
+            <a:pPr marL="457200" indent="-457200">
+              <a:buFont typeface="Arial" panose="020B0604020202020204" pitchFamily="34" charset="0"/>
+              <a:buChar char="•"/>
+            </a:pPr>
+            <a:endParaRPr lang="en-US" sz="2800" dirty="0">
+              <a:solidFill>
+                <a:srgbClr val="660066"/>
+              </a:solidFill>
+            </a:endParaRPr>
+          </a:p>
+        </p:txBody>
+      </p:sp>
+    </p:spTree>
+    <p:extLst>
+      <p:ext uri="{BB962C8B-B14F-4D97-AF65-F5344CB8AC3E}">
+        <p14:creationId xmlns:p14="http://schemas.microsoft.com/office/powerpoint/2010/main" val="3563450534"/>
+      </p:ext>
+    </p:extLst>
+  </p:cSld>
+  <p:clrMapOvr>
+    <a:masterClrMapping/>
+  </p:clrMapOvr>
+</p:sld>
+</file>
+
+<file path=ppt/slides/slide26.xml><?xml version="1.0" encoding="utf-8"?>
+<p:sld xmlns:a="http://schemas.openxmlformats.org/drawingml/2006/main" xmlns:r="http://schemas.openxmlformats.org/officeDocument/2006/relationships" xmlns:p="http://schemas.openxmlformats.org/presentationml/2006/main">
+  <p:cSld>
+    <p:spTree>
+      <p:nvGrpSpPr>
+        <p:cNvPr id="1" name=""/>
+        <p:cNvGrpSpPr/>
+        <p:nvPr/>
+      </p:nvGrpSpPr>
+      <p:grpSpPr>
+        <a:xfrm>
+          <a:off x="0" y="0"/>
+          <a:ext cx="0" cy="0"/>
+          <a:chOff x="0" y="0"/>
+          <a:chExt cx="0" cy="0"/>
+        </a:xfrm>
+      </p:grpSpPr>
+      <p:pic>
+        <p:nvPicPr>
+          <p:cNvPr id="2" name="Picture 10" descr="Mario Pattern">
+            <a:extLst>
+              <a:ext uri="{FF2B5EF4-FFF2-40B4-BE49-F238E27FC236}">
+                <a16:creationId xmlns:a16="http://schemas.microsoft.com/office/drawing/2014/main" id="{8F84FFD9-23AF-75F7-6DAA-904525952142}"/>
+              </a:ext>
+            </a:extLst>
+          </p:cNvPr>
+          <p:cNvPicPr>
+            <a:picLocks noChangeAspect="1" noChangeArrowheads="1"/>
+          </p:cNvPicPr>
+          <p:nvPr/>
+        </p:nvPicPr>
+        <p:blipFill rotWithShape="1">
+          <a:blip r:embed="rId2">
+            <a:alphaModFix amt="47000"/>
+            <a:extLst>
+              <a:ext uri="{28A0092B-C50C-407E-A947-70E740481C1C}">
+                <a14:useLocalDpi xmlns:a14="http://schemas.microsoft.com/office/drawing/2010/main" val="0"/>
+              </a:ext>
+            </a:extLst>
+          </a:blip>
+          <a:srcRect l="4595" r="6699"/>
+          <a:stretch/>
+        </p:blipFill>
+        <p:spPr bwMode="auto">
+          <a:xfrm>
+            <a:off x="0" y="-2057400"/>
+            <a:ext cx="12192000" cy="10308201"/>
+          </a:xfrm>
+          <a:prstGeom prst="rect">
+            <a:avLst/>
+          </a:prstGeom>
+          <a:noFill/>
+          <a:extLst>
+            <a:ext uri="{909E8E84-426E-40DD-AFC4-6F175D3DCCD1}">
+              <a14:hiddenFill xmlns:a14="http://schemas.microsoft.com/office/drawing/2010/main">
+                <a:solidFill>
+                  <a:srgbClr val="FFFFFF"/>
+                </a:solidFill>
+              </a14:hiddenFill>
+            </a:ext>
+          </a:extLst>
+        </p:spPr>
+      </p:pic>
+      <p:sp>
+        <p:nvSpPr>
+          <p:cNvPr id="12" name="Line 11"/>
+          <p:cNvSpPr>
+            <a:spLocks noChangeShapeType="1"/>
+          </p:cNvSpPr>
+          <p:nvPr/>
+        </p:nvSpPr>
+        <p:spPr bwMode="auto">
+          <a:xfrm flipV="1">
+            <a:off x="6972300" y="5109836"/>
+            <a:ext cx="609600" cy="533400"/>
+          </a:xfrm>
+          <a:prstGeom prst="line">
+            <a:avLst/>
+          </a:prstGeom>
+          <a:noFill/>
+          <a:ln w="38100">
+            <a:solidFill>
+              <a:srgbClr val="FFFF66"/>
+            </a:solidFill>
+            <a:round/>
+            <a:headEnd/>
+            <a:tailEnd type="triangle" w="med" len="med"/>
+          </a:ln>
+          <a:extLst>
+            <a:ext uri="{909E8E84-426E-40DD-AFC4-6F175D3DCCD1}">
+              <a14:hiddenFill xmlns:a14="http://schemas.microsoft.com/office/drawing/2010/main">
+                <a:noFill/>
+              </a14:hiddenFill>
+            </a:ext>
+          </a:extLst>
+        </p:spPr>
+        <p:txBody>
+          <a:bodyPr wrap="square">
+            <a:spAutoFit/>
+          </a:bodyPr>
+          <a:lstStyle/>
+          <a:p>
+            <a:endParaRPr lang="en-US"/>
+          </a:p>
+        </p:txBody>
+      </p:sp>
+      <p:sp>
+        <p:nvSpPr>
+          <p:cNvPr id="6" name="TextBox 5">
+            <a:extLst>
+              <a:ext uri="{FF2B5EF4-FFF2-40B4-BE49-F238E27FC236}">
+                <a16:creationId xmlns:a16="http://schemas.microsoft.com/office/drawing/2014/main" id="{4F2DA592-D8EB-70BA-2112-6C13A4E7B393}"/>
+              </a:ext>
+            </a:extLst>
+          </p:cNvPr>
+          <p:cNvSpPr txBox="1"/>
+          <p:nvPr/>
+        </p:nvSpPr>
+        <p:spPr>
+          <a:xfrm>
+            <a:off x="457200" y="609600"/>
+            <a:ext cx="11201400" cy="919401"/>
+          </a:xfrm>
+          <a:prstGeom prst="roundRect">
+            <a:avLst/>
+          </a:prstGeom>
+          <a:solidFill>
+            <a:schemeClr val="bg1">
+              <a:alpha val="70000"/>
+            </a:schemeClr>
+          </a:solidFill>
+          <a:ln w="76200">
+            <a:solidFill>
+              <a:srgbClr val="FFC416"/>
+            </a:solidFill>
+          </a:ln>
+        </p:spPr>
+        <p:style>
+          <a:lnRef idx="2">
+            <a:schemeClr val="dk1"/>
+          </a:lnRef>
+          <a:fillRef idx="1">
+            <a:schemeClr val="lt1"/>
+          </a:fillRef>
+          <a:effectRef idx="0">
+            <a:schemeClr val="dk1"/>
+          </a:effectRef>
+          <a:fontRef idx="minor">
+            <a:schemeClr val="dk1"/>
+          </a:fontRef>
+        </p:style>
+        <p:txBody>
+          <a:bodyPr wrap="square" rtlCol="0">
+            <a:spAutoFit/>
+          </a:bodyPr>
+          <a:lstStyle/>
+          <a:p>
+            <a:pPr algn="ctr"/>
+            <a:r>
+              <a:rPr lang="en-US" sz="4800" b="1" dirty="0">
+                <a:solidFill>
+                  <a:srgbClr val="2D3A37"/>
+                </a:solidFill>
+                <a:latin typeface="Adobe Devanagari" panose="02040503050201020203" pitchFamily="18" charset="0"/>
+                <a:cs typeface="Adobe Devanagari" panose="02040503050201020203" pitchFamily="18" charset="0"/>
+              </a:rPr>
+              <a:t>Maximizing Likelihood</a:t>
+            </a:r>
+            <a:endParaRPr lang="en-US" sz="4800" dirty="0">
+              <a:solidFill>
+                <a:srgbClr val="2D3A37"/>
+              </a:solidFill>
+            </a:endParaRPr>
+          </a:p>
+        </p:txBody>
+      </p:sp>
+      <p:sp>
+        <p:nvSpPr>
+          <p:cNvPr id="7" name="TextBox 6">
+            <a:extLst>
+              <a:ext uri="{FF2B5EF4-FFF2-40B4-BE49-F238E27FC236}">
+                <a16:creationId xmlns:a16="http://schemas.microsoft.com/office/drawing/2014/main" id="{D9B238EA-D04E-3255-7509-F990F1A8F309}"/>
+              </a:ext>
+            </a:extLst>
+          </p:cNvPr>
+          <p:cNvSpPr txBox="1"/>
+          <p:nvPr/>
+        </p:nvSpPr>
+        <p:spPr>
+          <a:xfrm>
+            <a:off x="457200" y="1981200"/>
+            <a:ext cx="11201400" cy="4869418"/>
+          </a:xfrm>
+          <a:prstGeom prst="roundRect">
+            <a:avLst/>
+          </a:prstGeom>
+          <a:solidFill>
+            <a:schemeClr val="bg1"/>
+          </a:solidFill>
+          <a:ln w="76200">
+            <a:solidFill>
+              <a:srgbClr val="FFC416"/>
+            </a:solidFill>
+          </a:ln>
+        </p:spPr>
+        <p:style>
+          <a:lnRef idx="2">
+            <a:schemeClr val="dk1"/>
+          </a:lnRef>
+          <a:fillRef idx="1">
+            <a:schemeClr val="lt1"/>
+          </a:fillRef>
+          <a:effectRef idx="0">
+            <a:schemeClr val="dk1"/>
+          </a:effectRef>
+          <a:fontRef idx="minor">
+            <a:schemeClr val="dk1"/>
+          </a:fontRef>
+        </p:style>
+        <p:txBody>
+          <a:bodyPr wrap="square" rtlCol="0">
+            <a:spAutoFit/>
+          </a:bodyPr>
+          <a:lstStyle/>
+          <a:p>
+            <a:pPr marL="457200" indent="-457200">
+              <a:buFont typeface="Arial" panose="020B0604020202020204" pitchFamily="34" charset="0"/>
+              <a:buChar char="•"/>
+            </a:pPr>
+            <a:r>
+              <a:rPr lang="en-US" sz="2800" dirty="0">
+                <a:solidFill>
+                  <a:srgbClr val="660066"/>
+                </a:solidFill>
+              </a:rPr>
+              <a:t>Suppose There are Three Decks of Playing Cards</a:t>
+            </a:r>
+          </a:p>
+          <a:p>
+            <a:pPr marL="914400" lvl="1" indent="-457200">
+              <a:buFont typeface="Arial" panose="020B0604020202020204" pitchFamily="34" charset="0"/>
+              <a:buChar char="•"/>
+            </a:pPr>
+            <a:r>
+              <a:rPr lang="en-US" sz="2800" dirty="0">
+                <a:solidFill>
+                  <a:srgbClr val="660066"/>
+                </a:solidFill>
+              </a:rPr>
+              <a:t>Standard 52 Card Deck</a:t>
+            </a:r>
+          </a:p>
+          <a:p>
+            <a:pPr marL="914400" lvl="1" indent="-457200">
+              <a:buFont typeface="Arial" panose="020B0604020202020204" pitchFamily="34" charset="0"/>
+              <a:buChar char="•"/>
+            </a:pPr>
+            <a:r>
+              <a:rPr lang="en-US" sz="2800" dirty="0">
+                <a:solidFill>
+                  <a:srgbClr val="660066"/>
+                </a:solidFill>
+              </a:rPr>
+              <a:t>Euchre Deck (9,10,J,Q,K)</a:t>
+            </a:r>
+          </a:p>
+          <a:p>
+            <a:pPr marL="914400" lvl="1" indent="-457200">
+              <a:buFont typeface="Arial" panose="020B0604020202020204" pitchFamily="34" charset="0"/>
+              <a:buChar char="•"/>
+            </a:pPr>
+            <a:r>
+              <a:rPr lang="en-US" sz="2800" dirty="0">
+                <a:solidFill>
+                  <a:srgbClr val="660066"/>
+                </a:solidFill>
+              </a:rPr>
+              <a:t>Only Red Cards from the Deck (26 Cards)</a:t>
+            </a:r>
+          </a:p>
+          <a:p>
+            <a:pPr marL="914400" lvl="1" indent="-457200">
+              <a:buFont typeface="Arial" panose="020B0604020202020204" pitchFamily="34" charset="0"/>
+              <a:buChar char="•"/>
+            </a:pPr>
+            <a:endParaRPr lang="en-US" sz="2800" dirty="0">
+              <a:solidFill>
+                <a:srgbClr val="660066"/>
+              </a:solidFill>
+            </a:endParaRPr>
+          </a:p>
+          <a:p>
+            <a:pPr marL="914400" lvl="1" indent="-457200">
+              <a:buFont typeface="Arial" panose="020B0604020202020204" pitchFamily="34" charset="0"/>
+              <a:buChar char="•"/>
+            </a:pPr>
+            <a:endParaRPr lang="en-US" sz="2800" dirty="0">
+              <a:solidFill>
+                <a:srgbClr val="660066"/>
+              </a:solidFill>
+            </a:endParaRPr>
+          </a:p>
+          <a:p>
+            <a:pPr marL="914400" lvl="1" indent="-457200">
+              <a:buFont typeface="Arial" panose="020B0604020202020204" pitchFamily="34" charset="0"/>
+              <a:buChar char="•"/>
+            </a:pPr>
+            <a:endParaRPr lang="en-US" sz="2800" dirty="0">
+              <a:solidFill>
+                <a:srgbClr val="660066"/>
+              </a:solidFill>
+            </a:endParaRPr>
+          </a:p>
+          <a:p>
+            <a:pPr marL="914400" lvl="1" indent="-457200">
+              <a:buFont typeface="Arial" panose="020B0604020202020204" pitchFamily="34" charset="0"/>
+              <a:buChar char="•"/>
+            </a:pPr>
+            <a:endParaRPr lang="en-US" sz="2800" dirty="0">
+              <a:solidFill>
+                <a:srgbClr val="660066"/>
+              </a:solidFill>
+            </a:endParaRPr>
+          </a:p>
+          <a:p>
+            <a:pPr marL="914400" lvl="1" indent="-457200">
+              <a:buFont typeface="Arial" panose="020B0604020202020204" pitchFamily="34" charset="0"/>
+              <a:buChar char="•"/>
+            </a:pPr>
+            <a:endParaRPr lang="en-US" sz="2800" dirty="0">
+              <a:solidFill>
+                <a:srgbClr val="660066"/>
+              </a:solidFill>
+            </a:endParaRPr>
+          </a:p>
+          <a:p>
+            <a:pPr marL="457200" indent="-457200">
+              <a:buFont typeface="Arial" panose="020B0604020202020204" pitchFamily="34" charset="0"/>
+              <a:buChar char="•"/>
+            </a:pPr>
+            <a:endParaRPr lang="en-US" sz="2800" dirty="0">
+              <a:solidFill>
+                <a:srgbClr val="660066"/>
+              </a:solidFill>
+            </a:endParaRPr>
+          </a:p>
+        </p:txBody>
+      </p:sp>
+      <p:pic>
+        <p:nvPicPr>
+          <p:cNvPr id="3" name="Picture 11" descr="Image result for deck cards images">
+            <a:extLst>
+              <a:ext uri="{FF2B5EF4-FFF2-40B4-BE49-F238E27FC236}">
+                <a16:creationId xmlns:a16="http://schemas.microsoft.com/office/drawing/2014/main" id="{E9D07CAB-F82F-DEF9-9DC0-30CB3CE6A2CF}"/>
+              </a:ext>
+            </a:extLst>
+          </p:cNvPr>
+          <p:cNvPicPr>
+            <a:picLocks noChangeAspect="1" noChangeArrowheads="1"/>
+          </p:cNvPicPr>
+          <p:nvPr/>
+        </p:nvPicPr>
+        <p:blipFill>
+          <a:blip r:embed="rId3">
+            <a:extLst>
+              <a:ext uri="{28A0092B-C50C-407E-A947-70E740481C1C}">
+                <a14:useLocalDpi xmlns:a14="http://schemas.microsoft.com/office/drawing/2010/main" val="0"/>
+              </a:ext>
+            </a:extLst>
+          </a:blip>
+          <a:srcRect/>
+          <a:stretch>
+            <a:fillRect/>
+          </a:stretch>
+        </p:blipFill>
+        <p:spPr bwMode="auto">
+          <a:xfrm>
+            <a:off x="2438400" y="4024506"/>
+            <a:ext cx="6553200" cy="2704059"/>
+          </a:xfrm>
+          <a:prstGeom prst="rect">
+            <a:avLst/>
+          </a:prstGeom>
+          <a:noFill/>
+          <a:extLst>
+            <a:ext uri="{909E8E84-426E-40DD-AFC4-6F175D3DCCD1}">
+              <a14:hiddenFill xmlns:a14="http://schemas.microsoft.com/office/drawing/2010/main">
+                <a:solidFill>
+                  <a:srgbClr val="FFFFFF"/>
+                </a:solidFill>
+              </a14:hiddenFill>
+            </a:ext>
+          </a:extLst>
+        </p:spPr>
+      </p:pic>
+    </p:spTree>
+    <p:extLst>
+      <p:ext uri="{BB962C8B-B14F-4D97-AF65-F5344CB8AC3E}">
+        <p14:creationId xmlns:p14="http://schemas.microsoft.com/office/powerpoint/2010/main" val="3402410872"/>
+      </p:ext>
+    </p:extLst>
+  </p:cSld>
+  <p:clrMapOvr>
+    <a:masterClrMapping/>
+  </p:clrMapOvr>
+</p:sld>
+</file>
+
+<file path=ppt/slides/slide27.xml><?xml version="1.0" encoding="utf-8"?>
+<p:sld xmlns:a="http://schemas.openxmlformats.org/drawingml/2006/main" xmlns:r="http://schemas.openxmlformats.org/officeDocument/2006/relationships" xmlns:p="http://schemas.openxmlformats.org/presentationml/2006/main">
+  <p:cSld>
+    <p:spTree>
+      <p:nvGrpSpPr>
+        <p:cNvPr id="1" name=""/>
+        <p:cNvGrpSpPr/>
+        <p:nvPr/>
+      </p:nvGrpSpPr>
+      <p:grpSpPr>
+        <a:xfrm>
+          <a:off x="0" y="0"/>
+          <a:ext cx="0" cy="0"/>
+          <a:chOff x="0" y="0"/>
+          <a:chExt cx="0" cy="0"/>
+        </a:xfrm>
+      </p:grpSpPr>
+      <p:pic>
+        <p:nvPicPr>
+          <p:cNvPr id="2" name="Picture 10" descr="Mario Pattern">
+            <a:extLst>
+              <a:ext uri="{FF2B5EF4-FFF2-40B4-BE49-F238E27FC236}">
+                <a16:creationId xmlns:a16="http://schemas.microsoft.com/office/drawing/2014/main" id="{8F84FFD9-23AF-75F7-6DAA-904525952142}"/>
+              </a:ext>
+            </a:extLst>
+          </p:cNvPr>
+          <p:cNvPicPr>
+            <a:picLocks noChangeAspect="1" noChangeArrowheads="1"/>
+          </p:cNvPicPr>
+          <p:nvPr/>
+        </p:nvPicPr>
+        <p:blipFill rotWithShape="1">
+          <a:blip r:embed="rId2">
+            <a:alphaModFix amt="47000"/>
+            <a:extLst>
+              <a:ext uri="{28A0092B-C50C-407E-A947-70E740481C1C}">
+                <a14:useLocalDpi xmlns:a14="http://schemas.microsoft.com/office/drawing/2010/main" val="0"/>
+              </a:ext>
+            </a:extLst>
+          </a:blip>
+          <a:srcRect l="4595" r="6699"/>
+          <a:stretch/>
+        </p:blipFill>
+        <p:spPr bwMode="auto">
+          <a:xfrm>
+            <a:off x="0" y="-2057400"/>
+            <a:ext cx="12192000" cy="10308201"/>
+          </a:xfrm>
+          <a:prstGeom prst="rect">
+            <a:avLst/>
+          </a:prstGeom>
+          <a:noFill/>
+          <a:extLst>
+            <a:ext uri="{909E8E84-426E-40DD-AFC4-6F175D3DCCD1}">
+              <a14:hiddenFill xmlns:a14="http://schemas.microsoft.com/office/drawing/2010/main">
+                <a:solidFill>
+                  <a:srgbClr val="FFFFFF"/>
+                </a:solidFill>
+              </a14:hiddenFill>
+            </a:ext>
+          </a:extLst>
+        </p:spPr>
+      </p:pic>
+      <p:sp>
+        <p:nvSpPr>
+          <p:cNvPr id="12" name="Line 11"/>
+          <p:cNvSpPr>
+            <a:spLocks noChangeShapeType="1"/>
+          </p:cNvSpPr>
+          <p:nvPr/>
+        </p:nvSpPr>
+        <p:spPr bwMode="auto">
+          <a:xfrm flipV="1">
+            <a:off x="6972300" y="5109836"/>
+            <a:ext cx="609600" cy="533400"/>
+          </a:xfrm>
+          <a:prstGeom prst="line">
+            <a:avLst/>
+          </a:prstGeom>
+          <a:noFill/>
+          <a:ln w="38100">
+            <a:solidFill>
+              <a:srgbClr val="FFFF66"/>
+            </a:solidFill>
+            <a:round/>
+            <a:headEnd/>
+            <a:tailEnd type="triangle" w="med" len="med"/>
+          </a:ln>
+          <a:extLst>
+            <a:ext uri="{909E8E84-426E-40DD-AFC4-6F175D3DCCD1}">
+              <a14:hiddenFill xmlns:a14="http://schemas.microsoft.com/office/drawing/2010/main">
+                <a:noFill/>
+              </a14:hiddenFill>
+            </a:ext>
+          </a:extLst>
+        </p:spPr>
+        <p:txBody>
+          <a:bodyPr wrap="square">
+            <a:spAutoFit/>
+          </a:bodyPr>
+          <a:lstStyle/>
+          <a:p>
+            <a:endParaRPr lang="en-US"/>
+          </a:p>
+        </p:txBody>
+      </p:sp>
+      <p:sp>
+        <p:nvSpPr>
+          <p:cNvPr id="6" name="TextBox 5">
+            <a:extLst>
+              <a:ext uri="{FF2B5EF4-FFF2-40B4-BE49-F238E27FC236}">
+                <a16:creationId xmlns:a16="http://schemas.microsoft.com/office/drawing/2014/main" id="{4F2DA592-D8EB-70BA-2112-6C13A4E7B393}"/>
+              </a:ext>
+            </a:extLst>
+          </p:cNvPr>
+          <p:cNvSpPr txBox="1"/>
+          <p:nvPr/>
+        </p:nvSpPr>
+        <p:spPr>
+          <a:xfrm>
+            <a:off x="457200" y="609600"/>
+            <a:ext cx="11201400" cy="919401"/>
+          </a:xfrm>
+          <a:prstGeom prst="roundRect">
+            <a:avLst/>
+          </a:prstGeom>
+          <a:solidFill>
+            <a:schemeClr val="bg1">
+              <a:alpha val="70000"/>
+            </a:schemeClr>
+          </a:solidFill>
+          <a:ln w="76200">
+            <a:solidFill>
+              <a:srgbClr val="FFC416"/>
+            </a:solidFill>
+          </a:ln>
+        </p:spPr>
+        <p:style>
+          <a:lnRef idx="2">
+            <a:schemeClr val="dk1"/>
+          </a:lnRef>
+          <a:fillRef idx="1">
+            <a:schemeClr val="lt1"/>
+          </a:fillRef>
+          <a:effectRef idx="0">
+            <a:schemeClr val="dk1"/>
+          </a:effectRef>
+          <a:fontRef idx="minor">
+            <a:schemeClr val="dk1"/>
+          </a:fontRef>
+        </p:style>
+        <p:txBody>
+          <a:bodyPr wrap="square" rtlCol="0">
+            <a:spAutoFit/>
+          </a:bodyPr>
+          <a:lstStyle/>
+          <a:p>
+            <a:pPr algn="ctr"/>
+            <a:r>
+              <a:rPr lang="en-US" sz="4800" b="1" dirty="0">
+                <a:solidFill>
+                  <a:srgbClr val="2D3A37"/>
+                </a:solidFill>
+                <a:latin typeface="Adobe Devanagari" panose="02040503050201020203" pitchFamily="18" charset="0"/>
+                <a:cs typeface="Adobe Devanagari" panose="02040503050201020203" pitchFamily="18" charset="0"/>
+              </a:rPr>
+              <a:t>Maximizing Likelihood</a:t>
+            </a:r>
+            <a:endParaRPr lang="en-US" sz="4800" dirty="0">
+              <a:solidFill>
+                <a:srgbClr val="2D3A37"/>
+              </a:solidFill>
+            </a:endParaRPr>
+          </a:p>
+        </p:txBody>
+      </p:sp>
+      <mc:AlternateContent xmlns:mc="http://schemas.openxmlformats.org/markup-compatibility/2006">
+        <mc:Choice xmlns:a14="http://schemas.microsoft.com/office/drawing/2010/main" Requires="a14">
+          <p:sp>
+            <p:nvSpPr>
+              <p:cNvPr id="7" name="TextBox 6">
+                <a:extLst>
+                  <a:ext uri="{FF2B5EF4-FFF2-40B4-BE49-F238E27FC236}">
+                    <a16:creationId xmlns:a16="http://schemas.microsoft.com/office/drawing/2014/main" id="{D9B238EA-D04E-3255-7509-F990F1A8F309}"/>
+                  </a:ext>
+                </a:extLst>
+              </p:cNvPr>
+              <p:cNvSpPr txBox="1"/>
+              <p:nvPr/>
+            </p:nvSpPr>
+            <p:spPr>
+              <a:xfrm>
+                <a:off x="457200" y="1981200"/>
+                <a:ext cx="11201400" cy="5102887"/>
+              </a:xfrm>
+              <a:prstGeom prst="roundRect">
+                <a:avLst/>
+              </a:prstGeom>
+              <a:solidFill>
+                <a:schemeClr val="bg1"/>
+              </a:solidFill>
+              <a:ln w="76200">
+                <a:solidFill>
+                  <a:srgbClr val="FFC416"/>
+                </a:solidFill>
+              </a:ln>
+            </p:spPr>
+            <p:style>
+              <a:lnRef idx="2">
+                <a:schemeClr val="dk1"/>
+              </a:lnRef>
+              <a:fillRef idx="1">
+                <a:schemeClr val="lt1"/>
+              </a:fillRef>
+              <a:effectRef idx="0">
+                <a:schemeClr val="dk1"/>
+              </a:effectRef>
+              <a:fontRef idx="minor">
+                <a:schemeClr val="dk1"/>
+              </a:fontRef>
+            </p:style>
+            <p:txBody>
+              <a:bodyPr wrap="square" rtlCol="0">
+                <a:spAutoFit/>
+              </a:bodyPr>
+              <a:lstStyle/>
+              <a:p>
+                <a:pPr marL="457200" indent="-457200">
+                  <a:buFont typeface="Arial" panose="020B0604020202020204" pitchFamily="34" charset="0"/>
+                  <a:buChar char="•"/>
+                </a:pPr>
+                <a:r>
+                  <a:rPr lang="en-US" sz="2800" dirty="0">
+                    <a:solidFill>
+                      <a:srgbClr val="660066"/>
+                    </a:solidFill>
+                  </a:rPr>
+                  <a:t>Sample 2 Cards: Get Jack of Hearts and then the Jack of Diamonds</a:t>
+                </a:r>
+              </a:p>
+              <a:p>
+                <a:pPr marL="457200" indent="-457200">
+                  <a:buFont typeface="Arial" panose="020B0604020202020204" pitchFamily="34" charset="0"/>
+                  <a:buChar char="•"/>
+                </a:pPr>
+                <a:endParaRPr lang="en-US" sz="2800" dirty="0">
+                  <a:solidFill>
+                    <a:srgbClr val="660066"/>
+                  </a:solidFill>
+                </a:endParaRPr>
+              </a:p>
+              <a:p>
+                <a:pPr marL="457200" indent="-457200">
+                  <a:buFont typeface="Arial" panose="020B0604020202020204" pitchFamily="34" charset="0"/>
+                  <a:buChar char="•"/>
+                </a:pPr>
+                <a:r>
+                  <a:rPr lang="en-US" sz="2800" dirty="0">
+                    <a:solidFill>
+                      <a:srgbClr val="660066"/>
+                    </a:solidFill>
+                  </a:rPr>
+                  <a:t>Let </a:t>
+                </a:r>
+                <a:r>
+                  <a:rPr lang="en-US" sz="2800" i="1" dirty="0">
+                    <a:solidFill>
+                      <a:srgbClr val="660066"/>
+                    </a:solidFill>
+                  </a:rPr>
+                  <a:t>L</a:t>
+                </a:r>
+                <a:r>
+                  <a:rPr lang="en-US" sz="2800" dirty="0">
+                    <a:solidFill>
+                      <a:srgbClr val="660066"/>
+                    </a:solidFill>
+                  </a:rPr>
+                  <a:t> Represent the Likelihood of Our Sample</a:t>
+                </a:r>
+              </a:p>
+              <a:p>
+                <a:pPr marL="457200" indent="-457200">
+                  <a:buFont typeface="Arial" panose="020B0604020202020204" pitchFamily="34" charset="0"/>
+                  <a:buChar char="•"/>
+                </a:pPr>
+                <a:endParaRPr lang="en-US" sz="2800" dirty="0">
+                  <a:solidFill>
+                    <a:srgbClr val="660066"/>
+                  </a:solidFill>
+                </a:endParaRPr>
+              </a:p>
+              <a:p>
+                <a:pPr marL="457200" indent="-457200">
+                  <a:buFont typeface="Arial" panose="020B0604020202020204" pitchFamily="34" charset="0"/>
+                  <a:buChar char="•"/>
+                </a:pPr>
+                <a:r>
+                  <a:rPr lang="en-US" sz="2800" dirty="0">
+                    <a:solidFill>
+                      <a:srgbClr val="660066"/>
+                    </a:solidFill>
+                  </a:rPr>
+                  <a:t>Probability of the Sample Under All Three Situations</a:t>
+                </a:r>
+              </a:p>
+              <a:p>
+                <a:pPr marL="914400" lvl="1" indent="-457200">
+                  <a:buFont typeface="Arial" panose="020B0604020202020204" pitchFamily="34" charset="0"/>
+                  <a:buChar char="•"/>
+                </a:pPr>
+                <a:r>
+                  <a:rPr lang="en-US" sz="2800" dirty="0">
+                    <a:solidFill>
+                      <a:srgbClr val="660066"/>
+                    </a:solidFill>
+                  </a:rPr>
+                  <a:t>Full Deck: </a:t>
+                </a:r>
+                <a14:m>
+                  <m:oMath xmlns:m="http://schemas.openxmlformats.org/officeDocument/2006/math">
+                    <m:r>
+                      <a:rPr lang="en-US" sz="2800" b="0" i="1" smtClean="0">
+                        <a:solidFill>
+                          <a:srgbClr val="660066"/>
+                        </a:solidFill>
+                        <a:latin typeface="Cambria Math" panose="02040503050406030204" pitchFamily="18" charset="0"/>
+                      </a:rPr>
+                      <m:t>𝐿</m:t>
+                    </m:r>
+                    <m:r>
+                      <a:rPr lang="en-US" sz="2800" b="0" i="1" smtClean="0">
+                        <a:solidFill>
+                          <a:srgbClr val="660066"/>
+                        </a:solidFill>
+                        <a:latin typeface="Cambria Math" panose="02040503050406030204" pitchFamily="18" charset="0"/>
+                      </a:rPr>
+                      <m:t>=</m:t>
+                    </m:r>
+                    <m:d>
+                      <m:dPr>
+                        <m:ctrlPr>
+                          <a:rPr lang="en-US" sz="2800" b="0" i="1" smtClean="0">
+                            <a:solidFill>
+                              <a:srgbClr val="660066"/>
+                            </a:solidFill>
+                            <a:latin typeface="Cambria Math" panose="02040503050406030204" pitchFamily="18" charset="0"/>
+                          </a:rPr>
+                        </m:ctrlPr>
+                      </m:dPr>
+                      <m:e>
+                        <m:f>
+                          <m:fPr>
+                            <m:ctrlPr>
+                              <a:rPr lang="en-US" sz="2800" b="0" i="1" smtClean="0">
+                                <a:solidFill>
+                                  <a:srgbClr val="660066"/>
+                                </a:solidFill>
+                                <a:latin typeface="Cambria Math" panose="02040503050406030204" pitchFamily="18" charset="0"/>
+                              </a:rPr>
+                            </m:ctrlPr>
+                          </m:fPr>
+                          <m:num>
+                            <m:r>
+                              <a:rPr lang="en-US" sz="2800" b="0" i="1" smtClean="0">
+                                <a:solidFill>
+                                  <a:srgbClr val="660066"/>
+                                </a:solidFill>
+                                <a:latin typeface="Cambria Math" panose="02040503050406030204" pitchFamily="18" charset="0"/>
+                              </a:rPr>
+                              <m:t>1</m:t>
+                            </m:r>
+                          </m:num>
+                          <m:den>
+                            <m:r>
+                              <a:rPr lang="en-US" sz="2800" b="0" i="1" smtClean="0">
+                                <a:solidFill>
+                                  <a:srgbClr val="660066"/>
+                                </a:solidFill>
+                                <a:latin typeface="Cambria Math" panose="02040503050406030204" pitchFamily="18" charset="0"/>
+                              </a:rPr>
+                              <m:t>52</m:t>
+                            </m:r>
+                          </m:den>
+                        </m:f>
+                      </m:e>
+                    </m:d>
+                    <m:r>
+                      <a:rPr lang="en-US" sz="2800" b="0" i="1" smtClean="0">
+                        <a:solidFill>
+                          <a:srgbClr val="660066"/>
+                        </a:solidFill>
+                        <a:latin typeface="Cambria Math" panose="02040503050406030204" pitchFamily="18" charset="0"/>
+                      </a:rPr>
+                      <m:t>∗</m:t>
+                    </m:r>
+                    <m:d>
+                      <m:dPr>
+                        <m:ctrlPr>
+                          <a:rPr lang="en-US" sz="2800" b="0" i="1" smtClean="0">
+                            <a:solidFill>
+                              <a:srgbClr val="660066"/>
+                            </a:solidFill>
+                            <a:latin typeface="Cambria Math" panose="02040503050406030204" pitchFamily="18" charset="0"/>
+                          </a:rPr>
+                        </m:ctrlPr>
+                      </m:dPr>
+                      <m:e>
+                        <m:f>
+                          <m:fPr>
+                            <m:ctrlPr>
+                              <a:rPr lang="en-US" sz="2800" b="0" i="1" smtClean="0">
+                                <a:solidFill>
+                                  <a:srgbClr val="660066"/>
+                                </a:solidFill>
+                                <a:latin typeface="Cambria Math" panose="02040503050406030204" pitchFamily="18" charset="0"/>
+                              </a:rPr>
+                            </m:ctrlPr>
+                          </m:fPr>
+                          <m:num>
+                            <m:r>
+                              <a:rPr lang="en-US" sz="2800" b="0" i="1" smtClean="0">
+                                <a:solidFill>
+                                  <a:srgbClr val="660066"/>
+                                </a:solidFill>
+                                <a:latin typeface="Cambria Math" panose="02040503050406030204" pitchFamily="18" charset="0"/>
+                              </a:rPr>
+                              <m:t>1</m:t>
+                            </m:r>
+                          </m:num>
+                          <m:den>
+                            <m:r>
+                              <a:rPr lang="en-US" sz="2800" b="0" i="1" smtClean="0">
+                                <a:solidFill>
+                                  <a:srgbClr val="660066"/>
+                                </a:solidFill>
+                                <a:latin typeface="Cambria Math" panose="02040503050406030204" pitchFamily="18" charset="0"/>
+                              </a:rPr>
+                              <m:t>51</m:t>
+                            </m:r>
+                          </m:den>
+                        </m:f>
+                      </m:e>
+                    </m:d>
+                    <m:r>
+                      <a:rPr lang="en-US" sz="2800" b="0" i="1" smtClean="0">
+                        <a:solidFill>
+                          <a:srgbClr val="660066"/>
+                        </a:solidFill>
+                        <a:latin typeface="Cambria Math" panose="02040503050406030204" pitchFamily="18" charset="0"/>
+                      </a:rPr>
+                      <m:t>≈0.00038</m:t>
+                    </m:r>
+                  </m:oMath>
+                </a14:m>
+                <a:endParaRPr lang="en-US" sz="2800" dirty="0">
+                  <a:solidFill>
+                    <a:srgbClr val="660066"/>
+                  </a:solidFill>
+                </a:endParaRPr>
+              </a:p>
+              <a:p>
+                <a:pPr marL="914400" lvl="1" indent="-457200">
+                  <a:buFont typeface="Arial" panose="020B0604020202020204" pitchFamily="34" charset="0"/>
+                  <a:buChar char="•"/>
+                </a:pPr>
+                <a:r>
+                  <a:rPr lang="en-US" sz="2800" dirty="0">
+                    <a:solidFill>
+                      <a:srgbClr val="660066"/>
+                    </a:solidFill>
+                  </a:rPr>
+                  <a:t>Euchre Deck: </a:t>
+                </a:r>
+                <a14:m>
+                  <m:oMath xmlns:m="http://schemas.openxmlformats.org/officeDocument/2006/math">
+                    <m:r>
+                      <a:rPr lang="en-US" sz="2800" b="0" i="1" smtClean="0">
+                        <a:solidFill>
+                          <a:srgbClr val="660066"/>
+                        </a:solidFill>
+                        <a:latin typeface="Cambria Math" panose="02040503050406030204" pitchFamily="18" charset="0"/>
+                      </a:rPr>
+                      <m:t>𝐿</m:t>
+                    </m:r>
+                    <m:r>
+                      <a:rPr lang="en-US" sz="2800" b="0" i="1" smtClean="0">
+                        <a:solidFill>
+                          <a:srgbClr val="660066"/>
+                        </a:solidFill>
+                        <a:latin typeface="Cambria Math" panose="02040503050406030204" pitchFamily="18" charset="0"/>
+                      </a:rPr>
+                      <m:t>=</m:t>
+                    </m:r>
+                    <m:d>
+                      <m:dPr>
+                        <m:ctrlPr>
+                          <a:rPr lang="en-US" sz="2800" b="0" i="1" smtClean="0">
+                            <a:solidFill>
+                              <a:srgbClr val="660066"/>
+                            </a:solidFill>
+                            <a:latin typeface="Cambria Math" panose="02040503050406030204" pitchFamily="18" charset="0"/>
+                          </a:rPr>
+                        </m:ctrlPr>
+                      </m:dPr>
+                      <m:e>
+                        <m:f>
+                          <m:fPr>
+                            <m:ctrlPr>
+                              <a:rPr lang="en-US" sz="2800" b="0" i="1" smtClean="0">
+                                <a:solidFill>
+                                  <a:srgbClr val="660066"/>
+                                </a:solidFill>
+                                <a:latin typeface="Cambria Math" panose="02040503050406030204" pitchFamily="18" charset="0"/>
+                              </a:rPr>
+                            </m:ctrlPr>
+                          </m:fPr>
+                          <m:num>
+                            <m:r>
+                              <a:rPr lang="en-US" sz="2800" b="0" i="1" smtClean="0">
+                                <a:solidFill>
+                                  <a:srgbClr val="660066"/>
+                                </a:solidFill>
+                                <a:latin typeface="Cambria Math" panose="02040503050406030204" pitchFamily="18" charset="0"/>
+                              </a:rPr>
+                              <m:t>1</m:t>
+                            </m:r>
+                          </m:num>
+                          <m:den>
+                            <m:r>
+                              <a:rPr lang="en-US" sz="2800" b="0" i="1" smtClean="0">
+                                <a:solidFill>
+                                  <a:srgbClr val="660066"/>
+                                </a:solidFill>
+                                <a:latin typeface="Cambria Math" panose="02040503050406030204" pitchFamily="18" charset="0"/>
+                              </a:rPr>
+                              <m:t>24</m:t>
+                            </m:r>
+                          </m:den>
+                        </m:f>
+                      </m:e>
+                    </m:d>
+                    <m:r>
+                      <a:rPr lang="en-US" sz="2800" b="0" i="1" smtClean="0">
+                        <a:solidFill>
+                          <a:srgbClr val="660066"/>
+                        </a:solidFill>
+                        <a:latin typeface="Cambria Math" panose="02040503050406030204" pitchFamily="18" charset="0"/>
+                      </a:rPr>
+                      <m:t>∗</m:t>
+                    </m:r>
+                    <m:d>
+                      <m:dPr>
+                        <m:ctrlPr>
+                          <a:rPr lang="en-US" sz="2800" b="0" i="1" smtClean="0">
+                            <a:solidFill>
+                              <a:srgbClr val="660066"/>
+                            </a:solidFill>
+                            <a:latin typeface="Cambria Math" panose="02040503050406030204" pitchFamily="18" charset="0"/>
+                          </a:rPr>
+                        </m:ctrlPr>
+                      </m:dPr>
+                      <m:e>
+                        <m:f>
+                          <m:fPr>
+                            <m:ctrlPr>
+                              <a:rPr lang="en-US" sz="2800" b="0" i="1" smtClean="0">
+                                <a:solidFill>
+                                  <a:srgbClr val="660066"/>
+                                </a:solidFill>
+                                <a:latin typeface="Cambria Math" panose="02040503050406030204" pitchFamily="18" charset="0"/>
+                              </a:rPr>
+                            </m:ctrlPr>
+                          </m:fPr>
+                          <m:num>
+                            <m:r>
+                              <a:rPr lang="en-US" sz="2800" b="0" i="1" smtClean="0">
+                                <a:solidFill>
+                                  <a:srgbClr val="660066"/>
+                                </a:solidFill>
+                                <a:latin typeface="Cambria Math" panose="02040503050406030204" pitchFamily="18" charset="0"/>
+                              </a:rPr>
+                              <m:t>1</m:t>
+                            </m:r>
+                          </m:num>
+                          <m:den>
+                            <m:r>
+                              <a:rPr lang="en-US" sz="2800" b="0" i="1" smtClean="0">
+                                <a:solidFill>
+                                  <a:srgbClr val="660066"/>
+                                </a:solidFill>
+                                <a:latin typeface="Cambria Math" panose="02040503050406030204" pitchFamily="18" charset="0"/>
+                              </a:rPr>
+                              <m:t>23</m:t>
+                            </m:r>
+                          </m:den>
+                        </m:f>
+                      </m:e>
+                    </m:d>
+                    <m:r>
+                      <a:rPr lang="en-US" sz="2800" b="0" i="1" smtClean="0">
+                        <a:solidFill>
+                          <a:srgbClr val="660066"/>
+                        </a:solidFill>
+                        <a:latin typeface="Cambria Math" panose="02040503050406030204" pitchFamily="18" charset="0"/>
+                      </a:rPr>
+                      <m:t>≈0.0018</m:t>
+                    </m:r>
+                  </m:oMath>
+                </a14:m>
+                <a:endParaRPr lang="en-US" sz="2800" dirty="0">
+                  <a:solidFill>
+                    <a:srgbClr val="660066"/>
+                  </a:solidFill>
+                </a:endParaRPr>
+              </a:p>
+              <a:p>
+                <a:pPr marL="914400" lvl="1" indent="-457200">
+                  <a:buFont typeface="Arial" panose="020B0604020202020204" pitchFamily="34" charset="0"/>
+                  <a:buChar char="•"/>
+                </a:pPr>
+                <a:r>
+                  <a:rPr lang="en-US" sz="2800" dirty="0">
+                    <a:solidFill>
+                      <a:srgbClr val="660066"/>
+                    </a:solidFill>
+                  </a:rPr>
+                  <a:t>Red Deck: </a:t>
+                </a:r>
+                <a14:m>
+                  <m:oMath xmlns:m="http://schemas.openxmlformats.org/officeDocument/2006/math">
+                    <m:r>
+                      <a:rPr lang="en-US" sz="2800" b="0" i="1" smtClean="0">
+                        <a:solidFill>
+                          <a:srgbClr val="660066"/>
+                        </a:solidFill>
+                        <a:latin typeface="Cambria Math" panose="02040503050406030204" pitchFamily="18" charset="0"/>
+                      </a:rPr>
+                      <m:t>𝐿</m:t>
+                    </m:r>
+                    <m:r>
+                      <a:rPr lang="en-US" sz="2800" b="0" i="1" smtClean="0">
+                        <a:solidFill>
+                          <a:srgbClr val="660066"/>
+                        </a:solidFill>
+                        <a:latin typeface="Cambria Math" panose="02040503050406030204" pitchFamily="18" charset="0"/>
+                      </a:rPr>
+                      <m:t>=</m:t>
+                    </m:r>
+                    <m:d>
+                      <m:dPr>
+                        <m:ctrlPr>
+                          <a:rPr lang="en-US" sz="2800" b="0" i="1" smtClean="0">
+                            <a:solidFill>
+                              <a:srgbClr val="660066"/>
+                            </a:solidFill>
+                            <a:latin typeface="Cambria Math" panose="02040503050406030204" pitchFamily="18" charset="0"/>
+                          </a:rPr>
+                        </m:ctrlPr>
+                      </m:dPr>
+                      <m:e>
+                        <m:f>
+                          <m:fPr>
+                            <m:ctrlPr>
+                              <a:rPr lang="en-US" sz="2800" b="0" i="1" smtClean="0">
+                                <a:solidFill>
+                                  <a:srgbClr val="660066"/>
+                                </a:solidFill>
+                                <a:latin typeface="Cambria Math" panose="02040503050406030204" pitchFamily="18" charset="0"/>
+                              </a:rPr>
+                            </m:ctrlPr>
+                          </m:fPr>
+                          <m:num>
+                            <m:r>
+                              <a:rPr lang="en-US" sz="2800" b="0" i="1" smtClean="0">
+                                <a:solidFill>
+                                  <a:srgbClr val="660066"/>
+                                </a:solidFill>
+                                <a:latin typeface="Cambria Math" panose="02040503050406030204" pitchFamily="18" charset="0"/>
+                              </a:rPr>
+                              <m:t>1</m:t>
+                            </m:r>
+                          </m:num>
+                          <m:den>
+                            <m:r>
+                              <a:rPr lang="en-US" sz="2800" b="0" i="1" smtClean="0">
+                                <a:solidFill>
+                                  <a:srgbClr val="660066"/>
+                                </a:solidFill>
+                                <a:latin typeface="Cambria Math" panose="02040503050406030204" pitchFamily="18" charset="0"/>
+                              </a:rPr>
+                              <m:t>2</m:t>
+                            </m:r>
+                            <m:r>
+                              <a:rPr lang="en-US" sz="2800" b="0" i="1" smtClean="0">
+                                <a:solidFill>
+                                  <a:srgbClr val="660066"/>
+                                </a:solidFill>
+                                <a:latin typeface="Cambria Math" panose="02040503050406030204" pitchFamily="18" charset="0"/>
+                              </a:rPr>
+                              <m:t>6</m:t>
+                            </m:r>
+                          </m:den>
+                        </m:f>
+                      </m:e>
+                    </m:d>
+                    <m:r>
+                      <a:rPr lang="en-US" sz="2800" b="0" i="1" smtClean="0">
+                        <a:solidFill>
+                          <a:srgbClr val="660066"/>
+                        </a:solidFill>
+                        <a:latin typeface="Cambria Math" panose="02040503050406030204" pitchFamily="18" charset="0"/>
+                      </a:rPr>
+                      <m:t>∗</m:t>
+                    </m:r>
+                    <m:d>
+                      <m:dPr>
+                        <m:ctrlPr>
+                          <a:rPr lang="en-US" sz="2800" b="0" i="1" smtClean="0">
+                            <a:solidFill>
+                              <a:srgbClr val="660066"/>
+                            </a:solidFill>
+                            <a:latin typeface="Cambria Math" panose="02040503050406030204" pitchFamily="18" charset="0"/>
+                          </a:rPr>
+                        </m:ctrlPr>
+                      </m:dPr>
+                      <m:e>
+                        <m:f>
+                          <m:fPr>
+                            <m:ctrlPr>
+                              <a:rPr lang="en-US" sz="2800" b="0" i="1" smtClean="0">
+                                <a:solidFill>
+                                  <a:srgbClr val="660066"/>
+                                </a:solidFill>
+                                <a:latin typeface="Cambria Math" panose="02040503050406030204" pitchFamily="18" charset="0"/>
+                              </a:rPr>
+                            </m:ctrlPr>
+                          </m:fPr>
+                          <m:num>
+                            <m:r>
+                              <a:rPr lang="en-US" sz="2800" b="0" i="1" smtClean="0">
+                                <a:solidFill>
+                                  <a:srgbClr val="660066"/>
+                                </a:solidFill>
+                                <a:latin typeface="Cambria Math" panose="02040503050406030204" pitchFamily="18" charset="0"/>
+                              </a:rPr>
+                              <m:t>1</m:t>
+                            </m:r>
+                          </m:num>
+                          <m:den>
+                            <m:r>
+                              <a:rPr lang="en-US" sz="2800" b="0" i="1" smtClean="0">
+                                <a:solidFill>
+                                  <a:srgbClr val="660066"/>
+                                </a:solidFill>
+                                <a:latin typeface="Cambria Math" panose="02040503050406030204" pitchFamily="18" charset="0"/>
+                              </a:rPr>
+                              <m:t>2</m:t>
+                            </m:r>
+                            <m:r>
+                              <a:rPr lang="en-US" sz="2800" b="0" i="1" smtClean="0">
+                                <a:solidFill>
+                                  <a:srgbClr val="660066"/>
+                                </a:solidFill>
+                                <a:latin typeface="Cambria Math" panose="02040503050406030204" pitchFamily="18" charset="0"/>
+                              </a:rPr>
+                              <m:t>5</m:t>
+                            </m:r>
+                          </m:den>
+                        </m:f>
+                      </m:e>
+                    </m:d>
+                    <m:r>
+                      <a:rPr lang="en-US" sz="2800" b="0" i="1" smtClean="0">
+                        <a:solidFill>
+                          <a:srgbClr val="660066"/>
+                        </a:solidFill>
+                        <a:latin typeface="Cambria Math" panose="02040503050406030204" pitchFamily="18" charset="0"/>
+                      </a:rPr>
+                      <m:t>≈0.0015</m:t>
+                    </m:r>
+                  </m:oMath>
+                </a14:m>
+                <a:endParaRPr lang="en-US" sz="2800" dirty="0">
+                  <a:solidFill>
+                    <a:srgbClr val="660066"/>
+                  </a:solidFill>
+                </a:endParaRPr>
+              </a:p>
+              <a:p>
+                <a:pPr marL="457200" indent="-457200">
+                  <a:buFont typeface="Arial" panose="020B0604020202020204" pitchFamily="34" charset="0"/>
+                  <a:buChar char="•"/>
+                </a:pPr>
+                <a:endParaRPr lang="en-US" sz="2800" dirty="0">
+                  <a:solidFill>
+                    <a:srgbClr val="660066"/>
+                  </a:solidFill>
+                </a:endParaRPr>
+              </a:p>
+            </p:txBody>
+          </p:sp>
+        </mc:Choice>
+        <mc:Fallback>
+          <p:sp>
+            <p:nvSpPr>
+              <p:cNvPr id="7" name="TextBox 6">
+                <a:extLst>
+                  <a:ext uri="{FF2B5EF4-FFF2-40B4-BE49-F238E27FC236}">
+                    <a16:creationId xmlns:a16="http://schemas.microsoft.com/office/drawing/2014/main" id="{D9B238EA-D04E-3255-7509-F990F1A8F309}"/>
+                  </a:ext>
+                </a:extLst>
+              </p:cNvPr>
+              <p:cNvSpPr txBox="1">
+                <a:spLocks noRot="1" noChangeAspect="1" noMove="1" noResize="1" noEditPoints="1" noAdjustHandles="1" noChangeArrowheads="1" noChangeShapeType="1" noTextEdit="1"/>
+              </p:cNvSpPr>
+              <p:nvPr/>
+            </p:nvSpPr>
+            <p:spPr>
+              <a:xfrm>
+                <a:off x="457200" y="1981200"/>
+                <a:ext cx="11201400" cy="5102887"/>
+              </a:xfrm>
+              <a:prstGeom prst="roundRect">
+                <a:avLst/>
+              </a:prstGeom>
+              <a:blipFill>
+                <a:blip r:embed="rId3"/>
+                <a:stretch>
+                  <a:fillRect/>
+                </a:stretch>
+              </a:blipFill>
+              <a:ln w="76200">
+                <a:solidFill>
+                  <a:srgbClr val="FFC416"/>
+                </a:solidFill>
+              </a:ln>
+            </p:spPr>
+            <p:txBody>
+              <a:bodyPr/>
+              <a:lstStyle/>
+              <a:p>
+                <a:r>
+                  <a:rPr lang="en-US">
+                    <a:noFill/>
+                  </a:rPr>
+                  <a:t> </a:t>
+                </a:r>
+              </a:p>
+            </p:txBody>
+          </p:sp>
+        </mc:Fallback>
+      </mc:AlternateContent>
+      <p:sp>
+        <p:nvSpPr>
+          <p:cNvPr id="4" name="TextBox 3">
+            <a:extLst>
+              <a:ext uri="{FF2B5EF4-FFF2-40B4-BE49-F238E27FC236}">
+                <a16:creationId xmlns:a16="http://schemas.microsoft.com/office/drawing/2014/main" id="{5BE29B3D-D28F-FCA5-1C82-F87830F781F2}"/>
+              </a:ext>
+            </a:extLst>
+          </p:cNvPr>
+          <p:cNvSpPr txBox="1"/>
+          <p:nvPr/>
+        </p:nvSpPr>
+        <p:spPr>
+          <a:xfrm>
+            <a:off x="7719237" y="5176481"/>
+            <a:ext cx="2819400" cy="400110"/>
+          </a:xfrm>
+          <a:prstGeom prst="rect">
+            <a:avLst/>
+          </a:prstGeom>
+          <a:noFill/>
+        </p:spPr>
+        <p:txBody>
+          <a:bodyPr wrap="square" rtlCol="0">
+            <a:spAutoFit/>
+          </a:bodyPr>
+          <a:lstStyle/>
+          <a:p>
+            <a:r>
+              <a:rPr lang="en-US" sz="2000" dirty="0">
+                <a:solidFill>
+                  <a:srgbClr val="660066"/>
+                </a:solidFill>
+                <a:sym typeface="Wingdings" panose="05000000000000000000" pitchFamily="2" charset="2"/>
+              </a:rPr>
+              <a:t></a:t>
+            </a:r>
+            <a:r>
+              <a:rPr lang="en-US" sz="2000" dirty="0">
+                <a:solidFill>
+                  <a:srgbClr val="660066"/>
+                </a:solidFill>
+              </a:rPr>
+              <a:t>  Most Likely</a:t>
+            </a:r>
+          </a:p>
+        </p:txBody>
+      </p:sp>
+    </p:spTree>
+    <p:extLst>
+      <p:ext uri="{BB962C8B-B14F-4D97-AF65-F5344CB8AC3E}">
+        <p14:creationId xmlns:p14="http://schemas.microsoft.com/office/powerpoint/2010/main" val="2682879958"/>
+      </p:ext>
+    </p:extLst>
+  </p:cSld>
+  <p:clrMapOvr>
+    <a:masterClrMapping/>
+  </p:clrMapOvr>
+</p:sld>
+</file>
+
+<file path=ppt/slides/slide28.xml><?xml version="1.0" encoding="utf-8"?>
+<p:sld xmlns:a="http://schemas.openxmlformats.org/drawingml/2006/main" xmlns:r="http://schemas.openxmlformats.org/officeDocument/2006/relationships" xmlns:p="http://schemas.openxmlformats.org/presentationml/2006/main">
+  <p:cSld>
+    <p:spTree>
+      <p:nvGrpSpPr>
+        <p:cNvPr id="1" name=""/>
+        <p:cNvGrpSpPr/>
+        <p:nvPr/>
+      </p:nvGrpSpPr>
+      <p:grpSpPr>
+        <a:xfrm>
+          <a:off x="0" y="0"/>
+          <a:ext cx="0" cy="0"/>
+          <a:chOff x="0" y="0"/>
+          <a:chExt cx="0" cy="0"/>
+        </a:xfrm>
+      </p:grpSpPr>
       <p:sp>
         <p:nvSpPr>
           <p:cNvPr id="10" name="Rectangle: Rounded Corners 9">
@@ -18882,8 +23963,8 @@
           </a:p>
         </p:txBody>
       </p:sp>
-      <mc:AlternateContent xmlns:mc="http://schemas.openxmlformats.org/markup-compatibility/2006">
-        <mc:Choice xmlns:a14="http://schemas.microsoft.com/office/drawing/2010/main" Requires="a14">
+      <mc:AlternateContent xmlns:mc="http://schemas.openxmlformats.org/markup-compatibility/2006" xmlns:a14="http://schemas.microsoft.com/office/drawing/2010/main">
+        <mc:Choice Requires="a14">
           <p:sp>
             <p:nvSpPr>
               <p:cNvPr id="4" name="TextBox 3">
@@ -18955,13 +24036,7 @@
                                 <a:rPr lang="en-US" sz="2800" b="0" i="1" smtClean="0">
                                   <a:latin typeface="Cambria Math" panose="02040503050406030204" pitchFamily="18" charset="0"/>
                                 </a:rPr>
-                                <m:t>1    </m:t>
-                              </m:r>
-                              <m:r>
-                                <a:rPr lang="en-US" sz="2800" b="0" i="1" smtClean="0">
-                                  <a:latin typeface="Cambria Math" panose="02040503050406030204" pitchFamily="18" charset="0"/>
-                                </a:rPr>
-                                <m:t> </m:t>
+                                <m:t>1     </m:t>
                               </m:r>
                               <m:r>
                                 <a:rPr lang="en-US" sz="2800" b="0" i="1" smtClean="0">
@@ -19005,19 +24080,7 @@
                                 <a:rPr lang="en-US" sz="2800" b="0" i="1" smtClean="0">
                                   <a:latin typeface="Cambria Math" panose="02040503050406030204" pitchFamily="18" charset="0"/>
                                 </a:rPr>
-                                <m:t>0   </m:t>
-                              </m:r>
-                              <m:r>
-                                <a:rPr lang="en-US" sz="2800" b="0" i="1" smtClean="0">
-                                  <a:latin typeface="Cambria Math" panose="02040503050406030204" pitchFamily="18" charset="0"/>
-                                </a:rPr>
-                                <m:t>   </m:t>
-                              </m:r>
-                              <m:r>
-                                <a:rPr lang="en-US" sz="2800" b="0" i="1" smtClean="0">
-                                  <a:latin typeface="Cambria Math" panose="02040503050406030204" pitchFamily="18" charset="0"/>
-                                </a:rPr>
-                                <m:t> </m:t>
+                                <m:t>0       </m:t>
                               </m:r>
                               <m:r>
                                 <a:rPr lang="en-US" sz="2800" b="0" i="1" smtClean="0">
@@ -19073,7 +24136,7 @@
             </p:txBody>
           </p:sp>
         </mc:Choice>
-        <mc:Fallback>
+        <mc:Fallback xmlns="">
           <p:sp>
             <p:nvSpPr>
               <p:cNvPr id="4" name="TextBox 3">
@@ -21821,8 +26884,8 @@
           </a:p>
         </p:txBody>
       </p:sp>
-      <mc:AlternateContent xmlns:mc="http://schemas.openxmlformats.org/markup-compatibility/2006">
-        <mc:Choice xmlns:a14="http://schemas.microsoft.com/office/drawing/2010/main" Requires="a14">
+      <mc:AlternateContent xmlns:mc="http://schemas.openxmlformats.org/markup-compatibility/2006" xmlns:a14="http://schemas.microsoft.com/office/drawing/2010/main">
+        <mc:Choice Requires="a14">
           <p:sp>
             <p:nvSpPr>
               <p:cNvPr id="7" name="TextBox 6">
@@ -22399,7 +27462,7 @@
                     <m:f>
                       <m:fPr>
                         <m:ctrlPr>
-                          <a:rPr lang="en-US" sz="2800" b="0" i="0" smtClean="0">
+                          <a:rPr lang="en-US" sz="2800" b="0" i="1" smtClean="0">
                             <a:solidFill>
                               <a:srgbClr val="660066"/>
                             </a:solidFill>
@@ -22442,7 +27505,7 @@
                     <m:f>
                       <m:fPr>
                         <m:ctrlPr>
-                          <a:rPr lang="en-US" sz="2800" b="0" i="0" smtClean="0">
+                          <a:rPr lang="en-US" sz="2800" b="0" i="1" smtClean="0">
                             <a:solidFill>
                               <a:srgbClr val="660066"/>
                             </a:solidFill>
@@ -22493,7 +27556,7 @@
             </p:txBody>
           </p:sp>
         </mc:Choice>
-        <mc:Fallback>
+        <mc:Fallback xmlns="">
           <p:sp>
             <p:nvSpPr>
               <p:cNvPr id="7" name="TextBox 6">
@@ -22543,8 +27606,8 @@
           </p:sp>
         </mc:Fallback>
       </mc:AlternateContent>
-      <mc:AlternateContent xmlns:mc="http://schemas.openxmlformats.org/markup-compatibility/2006">
-        <mc:Choice xmlns:a14="http://schemas.microsoft.com/office/drawing/2010/main" Requires="a14">
+      <mc:AlternateContent xmlns:mc="http://schemas.openxmlformats.org/markup-compatibility/2006" xmlns:a14="http://schemas.microsoft.com/office/drawing/2010/main">
+        <mc:Choice Requires="a14">
           <p:sp>
             <p:nvSpPr>
               <p:cNvPr id="3" name="TextBox 2">
@@ -22573,7 +27636,6 @@
               </a:bodyPr>
               <a:lstStyle/>
               <a:p>
-                <a:pPr/>
                 <a:r>
                   <a:rPr lang="en-US" sz="2400" b="0" dirty="0"/>
                   <a:t>Estimate: </a:t>
@@ -22618,7 +27680,7 @@
             </p:txBody>
           </p:sp>
         </mc:Choice>
-        <mc:Fallback>
+        <mc:Fallback xmlns="">
           <p:sp>
             <p:nvSpPr>
               <p:cNvPr id="3" name="TextBox 2">
@@ -22663,8 +27725,8 @@
           </p:sp>
         </mc:Fallback>
       </mc:AlternateContent>
-      <mc:AlternateContent xmlns:mc="http://schemas.openxmlformats.org/markup-compatibility/2006">
-        <mc:Choice xmlns:a14="http://schemas.microsoft.com/office/drawing/2010/main" Requires="a14">
+      <mc:AlternateContent xmlns:mc="http://schemas.openxmlformats.org/markup-compatibility/2006" xmlns:a14="http://schemas.microsoft.com/office/drawing/2010/main">
+        <mc:Choice Requires="a14">
           <p:sp>
             <p:nvSpPr>
               <p:cNvPr id="4" name="TextBox 3">
@@ -22693,7 +27755,6 @@
               </a:bodyPr>
               <a:lstStyle/>
               <a:p>
-                <a:pPr/>
                 <a:r>
                   <a:rPr lang="en-US" sz="2400" b="0" dirty="0"/>
                   <a:t>Parameter: </a:t>
@@ -22738,7 +27799,7 @@
             </p:txBody>
           </p:sp>
         </mc:Choice>
-        <mc:Fallback>
+        <mc:Fallback xmlns="">
           <p:sp>
             <p:nvSpPr>
               <p:cNvPr id="4" name="TextBox 3">
@@ -22972,8 +28033,8 @@
           </a:p>
         </p:txBody>
       </p:sp>
-      <mc:AlternateContent xmlns:mc="http://schemas.openxmlformats.org/markup-compatibility/2006">
-        <mc:Choice xmlns:a14="http://schemas.microsoft.com/office/drawing/2010/main" Requires="a14">
+      <mc:AlternateContent xmlns:mc="http://schemas.openxmlformats.org/markup-compatibility/2006" xmlns:a14="http://schemas.microsoft.com/office/drawing/2010/main">
+        <mc:Choice Requires="a14">
           <p:sp>
             <p:nvSpPr>
               <p:cNvPr id="7" name="TextBox 6">
@@ -23196,16 +28257,7 @@
                         </a:solidFill>
                         <a:latin typeface="Cambria Math" panose="02040503050406030204" pitchFamily="18" charset="0"/>
                       </a:rPr>
-                      <m:t>&lt;</m:t>
-                    </m:r>
-                    <m:r>
-                      <a:rPr lang="en-US" sz="2800" b="0" i="1" smtClean="0">
-                        <a:solidFill>
-                          <a:srgbClr val="660066"/>
-                        </a:solidFill>
-                        <a:latin typeface="Cambria Math" panose="02040503050406030204" pitchFamily="18" charset="0"/>
-                      </a:rPr>
-                      <m:t> </m:t>
+                      <m:t>&lt; </m:t>
                     </m:r>
                     <m:r>
                       <a:rPr lang="en-US" sz="2800" b="0" i="1" smtClean="0">
@@ -23395,7 +28447,7 @@
             </p:txBody>
           </p:sp>
         </mc:Choice>
-        <mc:Fallback>
+        <mc:Fallback xmlns="">
           <p:sp>
             <p:nvSpPr>
               <p:cNvPr id="7" name="TextBox 6">
@@ -23445,8 +28497,8 @@
           </p:sp>
         </mc:Fallback>
       </mc:AlternateContent>
-      <mc:AlternateContent xmlns:mc="http://schemas.openxmlformats.org/markup-compatibility/2006">
-        <mc:Choice xmlns:a14="http://schemas.microsoft.com/office/drawing/2010/main" Requires="a14">
+      <mc:AlternateContent xmlns:mc="http://schemas.openxmlformats.org/markup-compatibility/2006" xmlns:a14="http://schemas.microsoft.com/office/drawing/2010/main">
+        <mc:Choice Requires="a14">
           <p:sp>
             <p:nvSpPr>
               <p:cNvPr id="8" name="TextBox 7">
@@ -23622,7 +28674,7 @@
             </p:txBody>
           </p:sp>
         </mc:Choice>
-        <mc:Fallback>
+        <mc:Fallback xmlns="">
           <p:sp>
             <p:nvSpPr>
               <p:cNvPr id="8" name="TextBox 7">
@@ -24215,8 +29267,8 @@
           </a:p>
         </p:txBody>
       </p:sp>
-      <mc:AlternateContent xmlns:mc="http://schemas.openxmlformats.org/markup-compatibility/2006">
-        <mc:Choice xmlns:a14="http://schemas.microsoft.com/office/drawing/2010/main" Requires="a14">
+      <mc:AlternateContent xmlns:mc="http://schemas.openxmlformats.org/markup-compatibility/2006" xmlns:a14="http://schemas.microsoft.com/office/drawing/2010/main">
+        <mc:Choice Requires="a14">
           <p:sp>
             <p:nvSpPr>
               <p:cNvPr id="8" name="TextBox 7">
@@ -24416,7 +29468,7 @@
             </p:txBody>
           </p:sp>
         </mc:Choice>
-        <mc:Fallback>
+        <mc:Fallback xmlns="">
           <p:sp>
             <p:nvSpPr>
               <p:cNvPr id="8" name="TextBox 7">
@@ -24650,8 +29702,8 @@
           </a:p>
         </p:txBody>
       </p:sp>
-      <mc:AlternateContent xmlns:mc="http://schemas.openxmlformats.org/markup-compatibility/2006">
-        <mc:Choice xmlns:a14="http://schemas.microsoft.com/office/drawing/2010/main" Requires="a14">
+      <mc:AlternateContent xmlns:mc="http://schemas.openxmlformats.org/markup-compatibility/2006" xmlns:a14="http://schemas.microsoft.com/office/drawing/2010/main">
+        <mc:Choice Requires="a14">
           <p:sp>
             <p:nvSpPr>
               <p:cNvPr id="7" name="TextBox 6">
@@ -24865,7 +29917,7 @@
             </p:txBody>
           </p:sp>
         </mc:Choice>
-        <mc:Fallback>
+        <mc:Fallback xmlns="">
           <p:sp>
             <p:nvSpPr>
               <p:cNvPr id="7" name="TextBox 6">
@@ -24915,8 +29967,8 @@
           </p:sp>
         </mc:Fallback>
       </mc:AlternateContent>
-      <mc:AlternateContent xmlns:mc="http://schemas.openxmlformats.org/markup-compatibility/2006">
-        <mc:Choice xmlns:a14="http://schemas.microsoft.com/office/drawing/2010/main" Requires="a14">
+      <mc:AlternateContent xmlns:mc="http://schemas.openxmlformats.org/markup-compatibility/2006" xmlns:a14="http://schemas.microsoft.com/office/drawing/2010/main">
+        <mc:Choice Requires="a14">
           <p:sp>
             <p:nvSpPr>
               <p:cNvPr id="8" name="TextBox 7">
@@ -25044,13 +30096,7 @@
                         <a:rPr lang="en-US" sz="2800" b="0" i="1" smtClean="0">
                           <a:latin typeface="Cambria Math" panose="02040503050406030204" pitchFamily="18" charset="0"/>
                         </a:rPr>
-                        <m:t>=</m:t>
-                      </m:r>
-                      <m:r>
-                        <a:rPr lang="en-US" sz="2800" b="0" i="1" smtClean="0">
-                          <a:latin typeface="Cambria Math" panose="02040503050406030204" pitchFamily="18" charset="0"/>
-                        </a:rPr>
-                        <m:t>3−2</m:t>
+                        <m:t>=3−2</m:t>
                       </m:r>
                       <m:r>
                         <a:rPr lang="en-US" sz="2800" b="0" i="1" smtClean="0">
@@ -25066,7 +30112,7 @@
             </p:txBody>
           </p:sp>
         </mc:Choice>
-        <mc:Fallback>
+        <mc:Fallback xmlns="">
           <p:sp>
             <p:nvSpPr>
               <p:cNvPr id="8" name="TextBox 7">
@@ -25111,8 +30157,8 @@
           </p:sp>
         </mc:Fallback>
       </mc:AlternateContent>
-      <mc:AlternateContent xmlns:mc="http://schemas.openxmlformats.org/markup-compatibility/2006">
-        <mc:Choice xmlns:a14="http://schemas.microsoft.com/office/drawing/2010/main" Requires="a14">
+      <mc:AlternateContent xmlns:mc="http://schemas.openxmlformats.org/markup-compatibility/2006" xmlns:a14="http://schemas.microsoft.com/office/drawing/2010/main">
+        <mc:Choice Requires="a14">
           <p:sp>
             <p:nvSpPr>
               <p:cNvPr id="3" name="TextBox 2">
@@ -25316,7 +30362,7 @@
             </p:txBody>
           </p:sp>
         </mc:Choice>
-        <mc:Fallback>
+        <mc:Fallback xmlns="">
           <p:sp>
             <p:nvSpPr>
               <p:cNvPr id="3" name="TextBox 2">
@@ -25361,8 +30407,8 @@
           </p:sp>
         </mc:Fallback>
       </mc:AlternateContent>
-      <mc:AlternateContent xmlns:mc="http://schemas.openxmlformats.org/markup-compatibility/2006">
-        <mc:Choice xmlns:a14="http://schemas.microsoft.com/office/drawing/2010/main" Requires="a14">
+      <mc:AlternateContent xmlns:mc="http://schemas.openxmlformats.org/markup-compatibility/2006" xmlns:a14="http://schemas.microsoft.com/office/drawing/2010/main">
+        <mc:Choice Requires="a14">
           <p:sp>
             <p:nvSpPr>
               <p:cNvPr id="5" name="TextBox 4">
@@ -25437,7 +30483,7 @@
             </p:txBody>
           </p:sp>
         </mc:Choice>
-        <mc:Fallback>
+        <mc:Fallback xmlns="">
           <p:sp>
             <p:nvSpPr>
               <p:cNvPr id="5" name="TextBox 4">

--- a/Lectures/27 - Logistic Regression.pptx
+++ b/Lectures/27 - Logistic Regression.pptx
@@ -18317,8 +18317,8 @@
           </a:p>
         </p:txBody>
       </p:sp>
-      <mc:AlternateContent xmlns:mc="http://schemas.openxmlformats.org/markup-compatibility/2006">
-        <mc:Choice xmlns:a14="http://schemas.microsoft.com/office/drawing/2010/main" Requires="a14">
+      <mc:AlternateContent xmlns:mc="http://schemas.openxmlformats.org/markup-compatibility/2006" xmlns:a14="http://schemas.microsoft.com/office/drawing/2010/main">
+        <mc:Choice Requires="a14">
           <p:sp>
             <p:nvSpPr>
               <p:cNvPr id="7" name="TextBox 6">
@@ -18573,16 +18573,7 @@
                         </a:solidFill>
                         <a:latin typeface="Cambria Math" panose="02040503050406030204" pitchFamily="18" charset="0"/>
                       </a:rPr>
-                      <m:t>≠</m:t>
-                    </m:r>
-                    <m:r>
-                      <a:rPr lang="en-US" sz="2800" b="0" i="1" smtClean="0">
-                        <a:solidFill>
-                          <a:srgbClr val="660066"/>
-                        </a:solidFill>
-                        <a:latin typeface="Cambria Math" panose="02040503050406030204" pitchFamily="18" charset="0"/>
-                      </a:rPr>
-                      <m:t>0</m:t>
+                      <m:t>≠0</m:t>
                     </m:r>
                   </m:oMath>
                 </a14:m>
@@ -18913,7 +18904,7 @@
             </p:txBody>
           </p:sp>
         </mc:Choice>
-        <mc:Fallback>
+        <mc:Fallback xmlns="">
           <p:sp>
             <p:nvSpPr>
               <p:cNvPr id="7" name="TextBox 6">
@@ -19152,8 +19143,8 @@
           </a:p>
         </p:txBody>
       </p:sp>
-      <mc:AlternateContent xmlns:mc="http://schemas.openxmlformats.org/markup-compatibility/2006">
-        <mc:Choice xmlns:a14="http://schemas.microsoft.com/office/drawing/2010/main" Requires="a14">
+      <mc:AlternateContent xmlns:mc="http://schemas.openxmlformats.org/markup-compatibility/2006" xmlns:a14="http://schemas.microsoft.com/office/drawing/2010/main">
+        <mc:Choice Requires="a14">
           <p:sp>
             <p:nvSpPr>
               <p:cNvPr id="7" name="TextBox 6">
@@ -19473,7 +19464,7 @@
             </p:txBody>
           </p:sp>
         </mc:Choice>
-        <mc:Fallback>
+        <mc:Fallback xmlns="">
           <p:sp>
             <p:nvSpPr>
               <p:cNvPr id="7" name="TextBox 6">
@@ -20081,8 +20072,8 @@
           </a:p>
         </p:txBody>
       </p:sp>
-      <mc:AlternateContent xmlns:mc="http://schemas.openxmlformats.org/markup-compatibility/2006">
-        <mc:Choice xmlns:a14="http://schemas.microsoft.com/office/drawing/2010/main" Requires="a14">
+      <mc:AlternateContent xmlns:mc="http://schemas.openxmlformats.org/markup-compatibility/2006" xmlns:a14="http://schemas.microsoft.com/office/drawing/2010/main">
+        <mc:Choice Requires="a14">
           <p:sp>
             <p:nvSpPr>
               <p:cNvPr id="7" name="TextBox 6">
@@ -20907,7 +20898,7 @@
             </p:txBody>
           </p:sp>
         </mc:Choice>
-        <mc:Fallback>
+        <mc:Fallback xmlns="">
           <p:sp>
             <p:nvSpPr>
               <p:cNvPr id="7" name="TextBox 6">
@@ -21146,8 +21137,8 @@
           </a:p>
         </p:txBody>
       </p:sp>
-      <mc:AlternateContent xmlns:mc="http://schemas.openxmlformats.org/markup-compatibility/2006">
-        <mc:Choice xmlns:a14="http://schemas.microsoft.com/office/drawing/2010/main" Requires="a14">
+      <mc:AlternateContent xmlns:mc="http://schemas.openxmlformats.org/markup-compatibility/2006" xmlns:a14="http://schemas.microsoft.com/office/drawing/2010/main">
+        <mc:Choice Requires="a14">
           <p:sp>
             <p:nvSpPr>
               <p:cNvPr id="7" name="TextBox 6">
@@ -21493,7 +21484,7 @@
             </p:txBody>
           </p:sp>
         </mc:Choice>
-        <mc:Fallback>
+        <mc:Fallback xmlns="">
           <p:sp>
             <p:nvSpPr>
               <p:cNvPr id="7" name="TextBox 6">
@@ -22479,8 +22470,8 @@
           </a:p>
         </p:txBody>
       </p:sp>
-      <mc:AlternateContent xmlns:mc="http://schemas.openxmlformats.org/markup-compatibility/2006">
-        <mc:Choice xmlns:a14="http://schemas.microsoft.com/office/drawing/2010/main" Requires="a14">
+      <mc:AlternateContent xmlns:mc="http://schemas.openxmlformats.org/markup-compatibility/2006" xmlns:a14="http://schemas.microsoft.com/office/drawing/2010/main">
+        <mc:Choice Requires="a14">
           <p:sp>
             <p:nvSpPr>
               <p:cNvPr id="7" name="TextBox 6">
@@ -22994,16 +22985,7 @@
                                 </a:solidFill>
                                 <a:latin typeface="Cambria Math" panose="02040503050406030204" pitchFamily="18" charset="0"/>
                               </a:rPr>
-                              <m:t>2</m:t>
-                            </m:r>
-                            <m:r>
-                              <a:rPr lang="en-US" sz="2800" b="0" i="1" smtClean="0">
-                                <a:solidFill>
-                                  <a:srgbClr val="660066"/>
-                                </a:solidFill>
-                                <a:latin typeface="Cambria Math" panose="02040503050406030204" pitchFamily="18" charset="0"/>
-                              </a:rPr>
-                              <m:t>6</m:t>
+                              <m:t>26</m:t>
                             </m:r>
                           </m:den>
                         </m:f>
@@ -23060,16 +23042,7 @@
                                 </a:solidFill>
                                 <a:latin typeface="Cambria Math" panose="02040503050406030204" pitchFamily="18" charset="0"/>
                               </a:rPr>
-                              <m:t>2</m:t>
-                            </m:r>
-                            <m:r>
-                              <a:rPr lang="en-US" sz="2800" b="0" i="1" smtClean="0">
-                                <a:solidFill>
-                                  <a:srgbClr val="660066"/>
-                                </a:solidFill>
-                                <a:latin typeface="Cambria Math" panose="02040503050406030204" pitchFamily="18" charset="0"/>
-                              </a:rPr>
-                              <m:t>5</m:t>
+                              <m:t>25</m:t>
                             </m:r>
                           </m:den>
                         </m:f>
@@ -23106,7 +23079,7 @@
             </p:txBody>
           </p:sp>
         </mc:Choice>
-        <mc:Fallback>
+        <mc:Fallback xmlns="">
           <p:sp>
             <p:nvSpPr>
               <p:cNvPr id="7" name="TextBox 6">
@@ -29267,8 +29240,8 @@
           </a:p>
         </p:txBody>
       </p:sp>
-      <mc:AlternateContent xmlns:mc="http://schemas.openxmlformats.org/markup-compatibility/2006" xmlns:a14="http://schemas.microsoft.com/office/drawing/2010/main">
-        <mc:Choice Requires="a14">
+      <mc:AlternateContent xmlns:mc="http://schemas.openxmlformats.org/markup-compatibility/2006">
+        <mc:Choice xmlns:a14="http://schemas.microsoft.com/office/drawing/2010/main" Requires="a14">
           <p:sp>
             <p:nvSpPr>
               <p:cNvPr id="8" name="TextBox 7">
@@ -29284,7 +29257,7 @@
             <p:spPr>
               <a:xfrm>
                 <a:off x="3962400" y="2898758"/>
-                <a:ext cx="3886200" cy="1060483"/>
+                <a:ext cx="3886200" cy="854273"/>
               </a:xfrm>
               <a:prstGeom prst="rect">
                 <a:avLst/>
@@ -29342,24 +29315,12 @@
                                   </m:ctrlPr>
                                 </m:fPr>
                                 <m:num>
-                                  <m:acc>
-                                    <m:accPr>
-                                      <m:chr m:val="̂"/>
-                                      <m:ctrlPr>
-                                        <a:rPr lang="en-US" sz="2800" i="1">
-                                          <a:latin typeface="Cambria Math" panose="02040503050406030204" pitchFamily="18" charset="0"/>
-                                        </a:rPr>
-                                      </m:ctrlPr>
-                                    </m:accPr>
-                                    <m:e>
-                                      <m:r>
-                                        <a:rPr lang="en-US" sz="2800" i="1">
-                                          <a:latin typeface="Cambria Math" panose="02040503050406030204" pitchFamily="18" charset="0"/>
-                                        </a:rPr>
-                                        <m:t>𝜋</m:t>
-                                      </m:r>
-                                    </m:e>
-                                  </m:acc>
+                                  <m:r>
+                                    <a:rPr lang="en-US" sz="2800" b="0" i="1" smtClean="0">
+                                      <a:latin typeface="Cambria Math" panose="02040503050406030204" pitchFamily="18" charset="0"/>
+                                    </a:rPr>
+                                    <m:t>𝜋</m:t>
+                                  </m:r>
                                 </m:num>
                                 <m:den>
                                   <m:r>
@@ -29368,24 +29329,12 @@
                                     </a:rPr>
                                     <m:t>1−</m:t>
                                   </m:r>
-                                  <m:acc>
-                                    <m:accPr>
-                                      <m:chr m:val="̂"/>
-                                      <m:ctrlPr>
-                                        <a:rPr lang="en-US" sz="2800" i="1">
-                                          <a:latin typeface="Cambria Math" panose="02040503050406030204" pitchFamily="18" charset="0"/>
-                                        </a:rPr>
-                                      </m:ctrlPr>
-                                    </m:accPr>
-                                    <m:e>
-                                      <m:r>
-                                        <a:rPr lang="en-US" sz="2800" i="1">
-                                          <a:latin typeface="Cambria Math" panose="02040503050406030204" pitchFamily="18" charset="0"/>
-                                        </a:rPr>
-                                        <m:t>𝜋</m:t>
-                                      </m:r>
-                                    </m:e>
-                                  </m:acc>
+                                  <m:r>
+                                    <a:rPr lang="en-US" sz="2800" b="0" i="1" smtClean="0">
+                                      <a:latin typeface="Cambria Math" panose="02040503050406030204" pitchFamily="18" charset="0"/>
+                                    </a:rPr>
+                                    <m:t>𝜋</m:t>
+                                  </m:r>
                                 </m:den>
                               </m:f>
                             </m:e>
@@ -29468,7 +29417,7 @@
             </p:txBody>
           </p:sp>
         </mc:Choice>
-        <mc:Fallback xmlns="">
+        <mc:Fallback>
           <p:sp>
             <p:nvSpPr>
               <p:cNvPr id="8" name="TextBox 7">
@@ -29486,7 +29435,7 @@
             <p:spPr>
               <a:xfrm>
                 <a:off x="3962400" y="2898758"/>
-                <a:ext cx="3886200" cy="1060483"/>
+                <a:ext cx="3886200" cy="854273"/>
               </a:xfrm>
               <a:prstGeom prst="rect">
                 <a:avLst/>
